--- a/prehistory.pptx
+++ b/prehistory.pptx
@@ -5,7 +5,7 @@
     <p:sldMasterId id="2147483649" r:id="rId1"/>
   </p:sldMasterIdLst>
   <p:notesMasterIdLst>
-    <p:notesMasterId r:id="rId27"/>
+    <p:notesMasterId r:id="rId25"/>
   </p:notesMasterIdLst>
   <p:sldIdLst>
     <p:sldId id="256" r:id="rId2"/>
@@ -21,18 +21,16 @@
     <p:sldId id="266" r:id="rId12"/>
     <p:sldId id="267" r:id="rId13"/>
     <p:sldId id="268" r:id="rId14"/>
-    <p:sldId id="269" r:id="rId15"/>
-    <p:sldId id="270" r:id="rId16"/>
-    <p:sldId id="271" r:id="rId17"/>
-    <p:sldId id="274" r:id="rId18"/>
-    <p:sldId id="272" r:id="rId19"/>
+    <p:sldId id="281" r:id="rId15"/>
+    <p:sldId id="269" r:id="rId16"/>
+    <p:sldId id="270" r:id="rId17"/>
+    <p:sldId id="271" r:id="rId18"/>
+    <p:sldId id="274" r:id="rId19"/>
     <p:sldId id="273" r:id="rId20"/>
-    <p:sldId id="275" r:id="rId21"/>
-    <p:sldId id="276" r:id="rId22"/>
-    <p:sldId id="277" r:id="rId23"/>
-    <p:sldId id="278" r:id="rId24"/>
-    <p:sldId id="279" r:id="rId25"/>
-    <p:sldId id="280" r:id="rId26"/>
+    <p:sldId id="272" r:id="rId21"/>
+    <p:sldId id="278" r:id="rId22"/>
+    <p:sldId id="279" r:id="rId23"/>
+    <p:sldId id="280" r:id="rId24"/>
   </p:sldIdLst>
   <p:sldSz cx="9144000" cy="6858000" type="screen4x3"/>
   <p:notesSz cx="6858000" cy="9144000"/>
@@ -161,6 +159,11 @@
       </a:defRPr>
     </a:lvl9pPr>
   </p:defaultTextStyle>
+  <p:extLst>
+    <p:ext uri="{EFAFB233-063F-42B5-8137-9DF3F51BA10A}">
+      <p15:sldGuideLst xmlns:p15="http://schemas.microsoft.com/office/powerpoint/2012/main"/>
+    </p:ext>
+  </p:extLst>
 </p:presentation>
 </file>
 
@@ -1060,6 +1063,34 @@
 </inkml:ink>
 </file>
 
+<file path=ppt/ink/ink39.xml><?xml version="1.0" encoding="utf-8"?>
+<inkml:ink xmlns:inkml="http://www.w3.org/2003/InkML">
+  <inkml:definitions>
+    <inkml:context xml:id="ctx0">
+      <inkml:inkSource xml:id="inkSrc0">
+        <inkml:traceFormat>
+          <inkml:channel name="X" type="integer" min="-2.14748E9" max="2.14748E9" units="cm"/>
+          <inkml:channel name="Y" type="integer" min="-2.14748E9" max="2.14748E9" units="cm"/>
+          <inkml:channel name="F" type="integer" max="32767" units="dev"/>
+        </inkml:traceFormat>
+        <inkml:channelProperties>
+          <inkml:channelProperty channel="X" name="resolution" value="1000" units="1/cm"/>
+          <inkml:channelProperty channel="Y" name="resolution" value="1000" units="1/cm"/>
+          <inkml:channelProperty channel="F" name="resolution" value="0" units="1/dev"/>
+        </inkml:channelProperties>
+      </inkml:inkSource>
+      <inkml:timestamp xml:id="ts0" timeString="2024-01-16T23:27:15.044"/>
+    </inkml:context>
+    <inkml:brush xml:id="br0">
+      <inkml:brushProperty name="width" value="0.1" units="cm"/>
+      <inkml:brushProperty name="height" value="0.1" units="cm"/>
+      <inkml:brushProperty name="color" value="#33CCFF"/>
+    </inkml:brush>
+  </inkml:definitions>
+  <inkml:trace contextRef="#ctx0" brushRef="#br0">345 45 24575,'-5'79'0,"-3"-1"0,-3 0 0,-24 80 0,5-16 0,-71 444 0,52-285 0,-45 110 0,91-399 0,1-7 0,0 1 0,0 1 0,1-1 0,0 0 0,1 0 0,-1 7 0,1-12 0,0 0 0,1 1 0,-1-1 0,0 0 0,1 0 0,-1 1 0,1-1 0,-1 0 0,1 0 0,0 0 0,-1 1 0,1-1 0,0 0 0,0 0 0,0 0 0,0 0 0,0 0 0,0-1 0,0 1 0,0 0 0,0 0 0,0-1 0,0 1 0,1 0 0,-1-1 0,0 0 0,0 1 0,1-1 0,-1 0 0,0 1 0,1-1 0,1 0 0,60 5 0,-37-4 0,35 7 0,274 65 0,385 64 0,-544-114 0,233 24 0,-307-41 0,-1-4 0,107-11 0,-92-5 0,104-8 0,142 19 0,68-3 0,-334-1 0,119-4 0,-206 12 0,29-2 0,0 1 0,0 3 0,0 1 0,73 18 0,-67-12 0,0-1 0,1-2 0,-1-2 0,87-2 0,42 4 0,-169-6 0,-1 0 0,1-1 0,0 0 0,0 0 0,0 0 0,-1 0 0,1 0 0,0-1 0,0 1 0,-1-1 0,7-2 0,-9 1 0,1 1 0,-1-1 0,1 0 0,-1 1 0,0-1 0,1 0 0,-1 0 0,0 0 0,0 0 0,0 0 0,-1 0 0,1 0 0,0 0 0,-1-1 0,1 1 0,-1 0 0,0 0 0,0-1 0,0 1 0,0 0 0,0-3 0,-2-153 0,5-86 0,79-247 0,-7 66 0,-56 235 0,-10-2 0,-15-199 0,6 386 0,0 0 0,0 1 0,-1-1 0,0 1 0,0-1 0,0 1 0,0-1 0,-1 1 0,0 0 0,-3-6 0,4 8 0,-1 1 0,1-1 0,-1 1 0,0-1 0,1 1 0,-1 0 0,0 0 0,0 0 0,0 0 0,0 0 0,0 0 0,0 0 0,0 0 0,0 1 0,0-1 0,0 1 0,0 0 0,0 0 0,-1 0 0,1 0 0,0 0 0,0 0 0,-3 1 0,-36 0 0,-71-5 0,12-2 0,-269 7 0,-152-2 0,155-19 0,153 20 0,-71-2 0,154-9 0,-21 0 0,-135 10 0,-289 4 0,300 7 0,-137 2 0,383-12-108,-43 1-520,-123-16-1,171 11-6197</inkml:trace>
+</inkml:ink>
+</file>
+
 <file path=ppt/ink/ink4.xml><?xml version="1.0" encoding="utf-8"?>
 <inkml:ink xmlns:inkml="http://www.w3.org/2003/InkML">
   <inkml:definitions>
@@ -1085,6 +1116,286 @@
     </inkml:brush>
   </inkml:definitions>
   <inkml:trace contextRef="#ctx0" brushRef="#br0">1 88 24575,'30'-1'0,"1"-2"0,-1-2 0,0-1 0,32-10 0,36-7 0,-19 9 0,0 4 0,0 3 0,98 4 0,-173 3 0,1 1 0,0-1 0,-1 1 0,1-1 0,-1 2 0,1-1 0,-1 0 0,1 1 0,-1 0 0,0 0 0,0 0 0,0 0 0,0 1 0,0-1 0,0 1 0,3 4 0,-3-3 0,-1 0 0,0 1 0,0 0 0,-1 0 0,1 0 0,-1 0 0,0 0 0,0 0 0,-1 1 0,1-1 0,-1 0 0,0 11 0,3 19 0,-1 0 0,-3 0 0,0 0 0,-3 0 0,-1 0 0,-1 0 0,-2-1 0,-1 0 0,-14 35 0,19-62 0,0 1 0,-1-1 0,0 1 0,0-1 0,0 0 0,-1-1 0,0 1 0,-1-1 0,1 0 0,-1 0 0,-7 5 0,9-9 0,0 1 0,-1-1 0,1 0 0,-1 0 0,1 0 0,-1-1 0,0 1 0,0-1 0,0-1 0,0 1 0,0 0 0,0-1 0,1 0 0,-1 0 0,0-1 0,0 0 0,0 1 0,0-1 0,-8-3 0,-5-3 0,1 0 0,0-1 0,0-1 0,0 0 0,-21-18 0,-74-65 0,105 86 0,-17-15-107,5 3-312,-2 1-1,-30-20 1,33 27-6407</inkml:trace>
+</inkml:ink>
+</file>
+
+<file path=ppt/ink/ink40.xml><?xml version="1.0" encoding="utf-8"?>
+<inkml:ink xmlns:inkml="http://www.w3.org/2003/InkML">
+  <inkml:definitions>
+    <inkml:context xml:id="ctx0">
+      <inkml:inkSource xml:id="inkSrc0">
+        <inkml:traceFormat>
+          <inkml:channel name="X" type="integer" min="-2.14748E9" max="2.14748E9" units="cm"/>
+          <inkml:channel name="Y" type="integer" min="-2.14748E9" max="2.14748E9" units="cm"/>
+          <inkml:channel name="F" type="integer" max="32767" units="dev"/>
+        </inkml:traceFormat>
+        <inkml:channelProperties>
+          <inkml:channelProperty channel="X" name="resolution" value="1000" units="1/cm"/>
+          <inkml:channelProperty channel="Y" name="resolution" value="1000" units="1/cm"/>
+          <inkml:channelProperty channel="F" name="resolution" value="0" units="1/dev"/>
+        </inkml:channelProperties>
+      </inkml:inkSource>
+      <inkml:timestamp xml:id="ts0" timeString="2024-01-16T23:27:16.669"/>
+    </inkml:context>
+    <inkml:brush xml:id="br0">
+      <inkml:brushProperty name="width" value="0.1" units="cm"/>
+      <inkml:brushProperty name="height" value="0.1" units="cm"/>
+      <inkml:brushProperty name="color" value="#33CCFF"/>
+    </inkml:brush>
+  </inkml:definitions>
+  <inkml:trace contextRef="#ctx0" brushRef="#br0">705 333 24575,'0'-5'0,"-1"-1"0,0 1 0,0 0 0,0-1 0,-1 1 0,0 0 0,0 0 0,0 0 0,-5-7 0,-31-45 0,22 36 0,0-2 0,0 1 0,-2 0 0,-1 2 0,0 0 0,-42-32 0,55 47 0,-1 0 0,-1 1 0,1 1 0,0-1 0,-1 1 0,0 0 0,0 1 0,0-1 0,0 2 0,-12-2 0,13 3 0,1 0 0,-1 1 0,1-1 0,-1 1 0,1 1 0,0-1 0,0 1 0,0 0 0,0 1 0,0 0 0,0-1 0,0 2 0,1-1 0,-1 1 0,-5 5 0,-12 12 0,0 0 0,2 2 0,0 1 0,2 1 0,0 0 0,-21 41 0,7-3 0,-44 118 0,75-175 0,1-1 0,-1 0 0,1 0 0,0 1 0,0-1 0,1 1 0,0-1 0,0 1 0,0-1 0,0 1 0,1-1 0,0 0 0,0 1 0,1-1 0,-1 0 0,1 0 0,0 0 0,0 0 0,4 6 0,5 4 0,0 0 0,0-1 0,1 0 0,20 16 0,-23-21 0,4 4 0,0-1 0,0 0 0,2-1 0,-1 0 0,1-1 0,0-1 0,1 0 0,0-1 0,1-1 0,0-1 0,0 0 0,26 5 0,14-5-682,84-2-1,-105-5-6143</inkml:trace>
+</inkml:ink>
+</file>
+
+<file path=ppt/ink/ink41.xml><?xml version="1.0" encoding="utf-8"?>
+<inkml:ink xmlns:inkml="http://www.w3.org/2003/InkML">
+  <inkml:definitions>
+    <inkml:context xml:id="ctx0">
+      <inkml:inkSource xml:id="inkSrc0">
+        <inkml:traceFormat>
+          <inkml:channel name="X" type="integer" min="-2.14748E9" max="2.14748E9" units="cm"/>
+          <inkml:channel name="Y" type="integer" min="-2.14748E9" max="2.14748E9" units="cm"/>
+          <inkml:channel name="F" type="integer" max="32767" units="dev"/>
+        </inkml:traceFormat>
+        <inkml:channelProperties>
+          <inkml:channelProperty channel="X" name="resolution" value="1000" units="1/cm"/>
+          <inkml:channelProperty channel="Y" name="resolution" value="1000" units="1/cm"/>
+          <inkml:channelProperty channel="F" name="resolution" value="0" units="1/dev"/>
+        </inkml:channelProperties>
+      </inkml:inkSource>
+      <inkml:timestamp xml:id="ts0" timeString="2024-01-16T23:27:17.183"/>
+    </inkml:context>
+    <inkml:brush xml:id="br0">
+      <inkml:brushProperty name="width" value="0.1" units="cm"/>
+      <inkml:brushProperty name="height" value="0.1" units="cm"/>
+      <inkml:brushProperty name="color" value="#33CCFF"/>
+    </inkml:brush>
+  </inkml:definitions>
+  <inkml:trace contextRef="#ctx0" brushRef="#br0">265 0 24575,'-2'77'0,"-4"0"0,-31 149 0,-63 140 0,17-72 0,47-119 0,36-246-1365,1 21-5461</inkml:trace>
+</inkml:ink>
+</file>
+
+<file path=ppt/ink/ink42.xml><?xml version="1.0" encoding="utf-8"?>
+<inkml:ink xmlns:inkml="http://www.w3.org/2003/InkML">
+  <inkml:definitions>
+    <inkml:context xml:id="ctx0">
+      <inkml:inkSource xml:id="inkSrc0">
+        <inkml:traceFormat>
+          <inkml:channel name="X" type="integer" min="-2.14748E9" max="2.14748E9" units="cm"/>
+          <inkml:channel name="Y" type="integer" min="-2.14748E9" max="2.14748E9" units="cm"/>
+          <inkml:channel name="F" type="integer" max="32767" units="dev"/>
+        </inkml:traceFormat>
+        <inkml:channelProperties>
+          <inkml:channelProperty channel="X" name="resolution" value="1000" units="1/cm"/>
+          <inkml:channelProperty channel="Y" name="resolution" value="1000" units="1/cm"/>
+          <inkml:channelProperty channel="F" name="resolution" value="0" units="1/dev"/>
+        </inkml:channelProperties>
+      </inkml:inkSource>
+      <inkml:timestamp xml:id="ts0" timeString="2024-01-16T23:27:18.308"/>
+    </inkml:context>
+    <inkml:brush xml:id="br0">
+      <inkml:brushProperty name="width" value="0.1" units="cm"/>
+      <inkml:brushProperty name="height" value="0.1" units="cm"/>
+      <inkml:brushProperty name="color" value="#33CCFF"/>
+    </inkml:brush>
+  </inkml:definitions>
+  <inkml:trace contextRef="#ctx0" brushRef="#br0">1 88 24575,'30'-1'0,"1"-2"0,-1-2 0,0-1 0,32-10 0,36-7 0,-19 9 0,0 4 0,0 3 0,98 4 0,-173 3 0,1 1 0,0-1 0,-1 1 0,1-1 0,-1 2 0,1-1 0,-1 0 0,1 1 0,-1 0 0,0 0 0,0 0 0,0 0 0,0 1 0,0-1 0,0 1 0,3 4 0,-3-3 0,-1 0 0,0 1 0,0 0 0,-1 0 0,1 0 0,-1 0 0,0 0 0,0 0 0,-1 1 0,1-1 0,-1 0 0,0 11 0,3 19 0,-1 0 0,-3 0 0,0 0 0,-3 0 0,-1 0 0,-1 0 0,-2-1 0,-1 0 0,-14 35 0,19-62 0,0 1 0,-1-1 0,0 1 0,0-1 0,0 0 0,-1-1 0,0 1 0,-1-1 0,1 0 0,-1 0 0,-7 5 0,9-9 0,0 1 0,-1-1 0,1 0 0,-1 0 0,1 0 0,-1-1 0,0 1 0,0-1 0,0-1 0,0 1 0,0 0 0,0-1 0,1 0 0,-1 0 0,0-1 0,0 0 0,0 1 0,0-1 0,-8-3 0,-5-3 0,1 0 0,0-1 0,0-1 0,0 0 0,-21-18 0,-74-65 0,105 86 0,-17-15-107,5 3-312,-2 1-1,-30-20 1,33 27-6407</inkml:trace>
+</inkml:ink>
+</file>
+
+<file path=ppt/ink/ink43.xml><?xml version="1.0" encoding="utf-8"?>
+<inkml:ink xmlns:inkml="http://www.w3.org/2003/InkML">
+  <inkml:definitions>
+    <inkml:context xml:id="ctx0">
+      <inkml:inkSource xml:id="inkSrc0">
+        <inkml:traceFormat>
+          <inkml:channel name="X" type="integer" min="-2.14748E9" max="2.14748E9" units="cm"/>
+          <inkml:channel name="Y" type="integer" min="-2.14748E9" max="2.14748E9" units="cm"/>
+          <inkml:channel name="F" type="integer" max="32767" units="dev"/>
+        </inkml:traceFormat>
+        <inkml:channelProperties>
+          <inkml:channelProperty channel="X" name="resolution" value="1000" units="1/cm"/>
+          <inkml:channelProperty channel="Y" name="resolution" value="1000" units="1/cm"/>
+          <inkml:channelProperty channel="F" name="resolution" value="0" units="1/dev"/>
+        </inkml:channelProperties>
+      </inkml:inkSource>
+      <inkml:timestamp xml:id="ts0" timeString="2024-01-16T23:27:18.978"/>
+    </inkml:context>
+    <inkml:brush xml:id="br0">
+      <inkml:brushProperty name="width" value="0.1" units="cm"/>
+      <inkml:brushProperty name="height" value="0.1" units="cm"/>
+      <inkml:brushProperty name="color" value="#33CCFF"/>
+    </inkml:brush>
+  </inkml:definitions>
+  <inkml:trace contextRef="#ctx0" brushRef="#br0">81 0 24575,'-4'0'0,"-4"0"0,-9 0 0,-9 0 0,1 0-8191</inkml:trace>
+</inkml:ink>
+</file>
+
+<file path=ppt/ink/ink44.xml><?xml version="1.0" encoding="utf-8"?>
+<inkml:ink xmlns:inkml="http://www.w3.org/2003/InkML">
+  <inkml:definitions>
+    <inkml:context xml:id="ctx0">
+      <inkml:inkSource xml:id="inkSrc0">
+        <inkml:traceFormat>
+          <inkml:channel name="X" type="integer" min="-2.14748E9" max="2.14748E9" units="cm"/>
+          <inkml:channel name="Y" type="integer" min="-2.14748E9" max="2.14748E9" units="cm"/>
+          <inkml:channel name="F" type="integer" max="32767" units="dev"/>
+        </inkml:traceFormat>
+        <inkml:channelProperties>
+          <inkml:channelProperty channel="X" name="resolution" value="1000" units="1/cm"/>
+          <inkml:channelProperty channel="Y" name="resolution" value="1000" units="1/cm"/>
+          <inkml:channelProperty channel="F" name="resolution" value="0" units="1/dev"/>
+        </inkml:channelProperties>
+      </inkml:inkSource>
+      <inkml:timestamp xml:id="ts0" timeString="2024-01-16T23:27:19.881"/>
+    </inkml:context>
+    <inkml:brush xml:id="br0">
+      <inkml:brushProperty name="width" value="0.1" units="cm"/>
+      <inkml:brushProperty name="height" value="0.1" units="cm"/>
+      <inkml:brushProperty name="color" value="#33CCFF"/>
+    </inkml:brush>
+  </inkml:definitions>
+  <inkml:trace contextRef="#ctx0" brushRef="#br0">25 2 24575,'-16'701'0,"13"-658"0,0-21 0,1 0 0,1-1 0,2 1 0,0 0 0,1-1 0,7 32 0,-5-40 0,1-1 0,1 0 0,0-1 0,1 1 0,0-1 0,1 0 0,0-1 0,0 0 0,1 0 0,14 11 0,-18-18 0,-1 0 0,1-1 0,1 1 0,-1-1 0,0 0 0,0-1 0,1 1 0,-1-1 0,1 0 0,-1 0 0,1 0 0,0-1 0,-1 0 0,1 0 0,-1-1 0,1 1 0,10-4 0,-3 1 0,-1-1 0,0 0 0,0-1 0,0 0 0,-1-1 0,22-15 0,156-138 0,-75 58 0,-114 100 0,17-13 0,0 0 0,24-30 0,-36 38 0,0 0 0,-1-1 0,0 0 0,0 0 0,-1 0 0,0-1 0,0 1 0,-1-1 0,0 1 0,0-1 0,0-9 0,62-545 0,-61 540-1365,-2 3-5461</inkml:trace>
+</inkml:ink>
+</file>
+
+<file path=ppt/ink/ink45.xml><?xml version="1.0" encoding="utf-8"?>
+<inkml:ink xmlns:inkml="http://www.w3.org/2003/InkML">
+  <inkml:definitions>
+    <inkml:context xml:id="ctx0">
+      <inkml:inkSource xml:id="inkSrc0">
+        <inkml:traceFormat>
+          <inkml:channel name="X" type="integer" min="-2.14748E9" max="2.14748E9" units="cm"/>
+          <inkml:channel name="Y" type="integer" min="-2.14748E9" max="2.14748E9" units="cm"/>
+          <inkml:channel name="F" type="integer" max="32767" units="dev"/>
+        </inkml:traceFormat>
+        <inkml:channelProperties>
+          <inkml:channelProperty channel="X" name="resolution" value="1000" units="1/cm"/>
+          <inkml:channelProperty channel="Y" name="resolution" value="1000" units="1/cm"/>
+          <inkml:channelProperty channel="F" name="resolution" value="0" units="1/dev"/>
+        </inkml:channelProperties>
+      </inkml:inkSource>
+      <inkml:timestamp xml:id="ts0" timeString="2024-01-16T23:27:50.344"/>
+    </inkml:context>
+    <inkml:brush xml:id="br0">
+      <inkml:brushProperty name="width" value="0.1" units="cm"/>
+      <inkml:brushProperty name="height" value="0.1" units="cm"/>
+      <inkml:brushProperty name="color" value="#33CCFF"/>
+    </inkml:brush>
+  </inkml:definitions>
+  <inkml:trace contextRef="#ctx0" brushRef="#br0">64 260 24575,'8'67'0,"0"-13"0,-13 427 0,-4-238 0,7-159 0,5 342 0,5-353 0,20 86 0,-25-148 0,2 6 0,1 1 0,0-1 0,2 0 0,15 26 0,1 5 0,-8-14 0,-2 2 0,-2 0 0,-1 0 0,-1 1 0,-3 1 0,-1-1 0,-1 1 0,-2 47 0,-3-83 0,0 7 0,0-1 0,0 1 0,1 0 0,0 0 0,4 16 0,-3-22 0,-1 0 0,1 0 0,0 0 0,0 0 0,0 0 0,0 0 0,0-1 0,0 1 0,1-1 0,-1 1 0,1-1 0,0 0 0,0 0 0,0 0 0,0-1 0,0 1 0,0-1 0,6 3 0,8 2 0,1-1 0,0-1 0,0 0 0,31 2 0,76-4 0,-78-3 0,739-42 0,127 1 0,-326 44 0,-350-2 0,-187-3 0,1-2 0,79-18 0,-103 18 0,15 0 0,0 2 0,-1 1 0,1 3 0,49 6 0,-1-1 0,596 4 0,-667-8 0,13-2 0,-31 0 0,0 0 0,0-1 0,0 1 0,0 0 0,0-1 0,0 1 0,0-1 0,0 1 0,0-1 0,0 1 0,0-1 0,0 0 0,-1 0 0,1 1 0,0-1 0,-1 0 0,1 0 0,0 0 0,-1 0 0,1 1 0,-1-1 0,1 0 0,-1 0 0,0 0 0,1 0 0,-1-2 0,5-29 0,-3 0 0,0 1 0,-5-60 0,0 19 0,-2-68 0,-6-1 0,-46-224 0,27 140 0,4 19 0,16 156 0,2-1 0,-2-97 0,6-9 0,-25-164 0,26 258 0,2 38 0,-7-50 0,7 69 0,0 0 0,0 0 0,-1 0 0,0 1 0,-1-1 0,1 0 0,-1 1 0,0 0 0,0-1 0,-1 1 0,1 1 0,-1-1 0,-6-5 0,6 7 0,0 0 0,-1 0 0,0 0 0,0 1 0,1 0 0,-1 0 0,0 0 0,-1 0 0,1 1 0,0 0 0,-8-1 0,-63 1 0,48 1 0,-1304 4 0,1266-7 0,-95-16 0,-14-3 0,-34 3 0,-86-4 0,-109 24 0,326 7 0,1 4 0,-96 27 0,90-19 0,57-14 0,-2 1 0,-1-1 0,1-1 0,-43 1 0,-65-9 0,-98 5 0,191 3 0,0 3 0,-50 14 0,68-14 0,-1-2 0,0 0 0,0-2 0,-47 2 0,-36-7-1365,91 1-5461</inkml:trace>
+</inkml:ink>
+</file>
+
+<file path=ppt/ink/ink46.xml><?xml version="1.0" encoding="utf-8"?>
+<inkml:ink xmlns:inkml="http://www.w3.org/2003/InkML">
+  <inkml:definitions>
+    <inkml:context xml:id="ctx0">
+      <inkml:inkSource xml:id="inkSrc0">
+        <inkml:traceFormat>
+          <inkml:channel name="X" type="integer" min="-2.14748E9" max="2.14748E9" units="cm"/>
+          <inkml:channel name="Y" type="integer" min="-2.14748E9" max="2.14748E9" units="cm"/>
+          <inkml:channel name="F" type="integer" max="32767" units="dev"/>
+        </inkml:traceFormat>
+        <inkml:channelProperties>
+          <inkml:channelProperty channel="X" name="resolution" value="1000" units="1/cm"/>
+          <inkml:channelProperty channel="Y" name="resolution" value="1000" units="1/cm"/>
+          <inkml:channelProperty channel="F" name="resolution" value="0" units="1/dev"/>
+        </inkml:channelProperties>
+      </inkml:inkSource>
+      <inkml:timestamp xml:id="ts0" timeString="2024-01-16T23:27:52.245"/>
+    </inkml:context>
+    <inkml:brush xml:id="br0">
+      <inkml:brushProperty name="width" value="0.1" units="cm"/>
+      <inkml:brushProperty name="height" value="0.1" units="cm"/>
+      <inkml:brushProperty name="color" value="#33CCFF"/>
+    </inkml:brush>
+  </inkml:definitions>
+  <inkml:trace contextRef="#ctx0" brushRef="#br0">988 237 24575,'-1'-3'0,"1"0"0,-1 0 0,0 0 0,0-1 0,0 1 0,-1 0 0,1 0 0,0 0 0,-1 0 0,0 1 0,0-1 0,0 0 0,0 1 0,0-1 0,-1 1 0,-2-2 0,-44-34 0,47 37 0,-34-21 0,-1 2 0,-1 2 0,-1 1 0,0 2 0,-1 2 0,0 1 0,-1 2 0,-1 2 0,-79-4 0,112 11 0,-1 1 0,1 1 0,-1 0 0,1 0 0,-1 1 0,1 0 0,0 0 0,0 1 0,0 0 0,0 1 0,1 0 0,-1 0 0,1 1 0,0 0 0,0 1 0,1 0 0,0 0 0,0 0 0,0 1 0,1 0 0,0 0 0,0 1 0,0 0 0,1 0 0,1 0 0,-1 0 0,1 1 0,1 0 0,-1 0 0,2 0 0,-3 13 0,-83 426 0,13-66 0,61-317 0,5-33 0,2 1 0,1 0 0,1 0 0,2 1 0,2 41 0,3-65 0,0 0 0,0-1 0,1 1 0,0-1 0,0 0 0,1 0 0,1 0 0,-1 0 0,2-1 0,10 15 0,6 3 0,45 41 0,-37-39 0,-13-13 0,1-1 0,0 0 0,1-1 0,0-1 0,1-1 0,0-1 0,1-1 0,26 8 0,-13-7 0,0-1 0,1-2 0,0-1 0,54 1 0,-80-7 0,0 0 0,0-1 0,0 0 0,0-1 0,-1 0 0,1 0 0,-1-1 0,1 0 0,-1-1 0,0 0 0,0 0 0,9-6 0,6-8 0,0 0 0,28-29 0,-22 19 0,20-17 0,133-133 0,-160 153 0,-2 0 0,-1-1 0,-1-1 0,-2-1 0,26-56 0,-19 20 0,-4-1 0,-2-1 0,-2 0 0,-4-1 0,-3 0 0,-2-1 0,-4 0 0,-2 0 0,-4 1 0,-15-86 0,15 124 0,1 1 0,-2 1 0,-1-1 0,-13-36 0,17 58 0,0-1 0,-1 1 0,0 0 0,0 1 0,0-1 0,-1 0 0,0 1 0,0 0 0,-1 0 0,1 0 0,-1 0 0,0 1 0,0 0 0,-1 0 0,1 0 0,-1 1 0,0 0 0,0 0 0,-11-4 0,-27-2-197,0 1 1,0 3-1,-1 1 0,-73 4 0,103 0-184,-8 1-6445</inkml:trace>
+</inkml:ink>
+</file>
+
+<file path=ppt/ink/ink47.xml><?xml version="1.0" encoding="utf-8"?>
+<inkml:ink xmlns:inkml="http://www.w3.org/2003/InkML">
+  <inkml:definitions>
+    <inkml:context xml:id="ctx0">
+      <inkml:inkSource xml:id="inkSrc0">
+        <inkml:traceFormat>
+          <inkml:channel name="X" type="integer" min="-2.14748E9" max="2.14748E9" units="cm"/>
+          <inkml:channel name="Y" type="integer" min="-2.14748E9" max="2.14748E9" units="cm"/>
+          <inkml:channel name="F" type="integer" max="32767" units="dev"/>
+        </inkml:traceFormat>
+        <inkml:channelProperties>
+          <inkml:channelProperty channel="X" name="resolution" value="1000" units="1/cm"/>
+          <inkml:channelProperty channel="Y" name="resolution" value="1000" units="1/cm"/>
+          <inkml:channelProperty channel="F" name="resolution" value="0" units="1/dev"/>
+        </inkml:channelProperties>
+      </inkml:inkSource>
+      <inkml:timestamp xml:id="ts0" timeString="2024-01-16T23:27:53.794"/>
+    </inkml:context>
+    <inkml:brush xml:id="br0">
+      <inkml:brushProperty name="width" value="0.1" units="cm"/>
+      <inkml:brushProperty name="height" value="0.1" units="cm"/>
+      <inkml:brushProperty name="color" value="#33CCFF"/>
+    </inkml:brush>
+  </inkml:definitions>
+  <inkml:trace contextRef="#ctx0" brushRef="#br0">1573 0 24575,'-666'0'0,"652"0"0,0 1 0,1 0 0,-1 1 0,0 0 0,1 1 0,-1 1 0,1 0 0,0 1 0,0 0 0,1 1 0,-17 10 0,-66 36 0,54-32 0,1 2 0,2 2 0,0 2 0,-68 59 0,97-75 0,1 1 0,0-1 0,1 1 0,0 1 0,1-1 0,0 1 0,1 1 0,0-1 0,1 1 0,0-1 0,1 1 0,0 0 0,1 0 0,1 1 0,0-1 0,1 0 0,1 14 0,0-19 0,-1 0 0,2 0 0,-1 0 0,1 0 0,0-1 0,0 1 0,1 0 0,0-1 0,0 0 0,1 0 0,0 0 0,0 0 0,1-1 0,0 1 0,0-1 0,1 0 0,-1-1 0,1 1 0,0-1 0,1 0 0,-1-1 0,1 1 0,0-1 0,0-1 0,0 1 0,1-1 0,-1-1 0,1 1 0,8 1 0,6-1 0,1-1 0,40-1 0,-47-2 0,0 0 0,0 2 0,0 0 0,0 1 0,0 0 0,0 1 0,19 7 0,-32-9 0,-1 1 0,0-1 0,1 0 0,-1 1 0,0-1 0,1 1 0,-1 0 0,0 0 0,0 0 0,-1 0 0,1 0 0,0 0 0,-1 0 0,1 0 0,-1 1 0,1-1 0,0 5 0,0-1 0,-1-1 0,0 0 0,0 1 0,0-1 0,-1 1 0,0-1 0,0 1 0,-1 7 0,-2 3 0,0-1 0,-1 0 0,0 1 0,-2-2 0,-9 21 0,1-7 0,-2 0 0,-1-2 0,-1 0 0,-1 0 0,-1-2 0,-2-1 0,0 0 0,-1-2 0,-1 0 0,-1-2 0,-36 21 0,-90 62 0,-30 16 0,173-114-195,-1 0 0,1 0 0,-1-1 0,1 0 0,-1 0 0,-13 2 0,3-3-6631</inkml:trace>
+</inkml:ink>
+</file>
+
+<file path=ppt/ink/ink48.xml><?xml version="1.0" encoding="utf-8"?>
+<inkml:ink xmlns:inkml="http://www.w3.org/2003/InkML">
+  <inkml:definitions>
+    <inkml:context xml:id="ctx0">
+      <inkml:inkSource xml:id="inkSrc0">
+        <inkml:traceFormat>
+          <inkml:channel name="X" type="integer" min="-2.14748E9" max="2.14748E9" units="cm"/>
+          <inkml:channel name="Y" type="integer" min="-2.14748E9" max="2.14748E9" units="cm"/>
+          <inkml:channel name="F" type="integer" max="32767" units="dev"/>
+        </inkml:traceFormat>
+        <inkml:channelProperties>
+          <inkml:channelProperty channel="X" name="resolution" value="1000" units="1/cm"/>
+          <inkml:channelProperty channel="Y" name="resolution" value="1000" units="1/cm"/>
+          <inkml:channelProperty channel="F" name="resolution" value="0" units="1/dev"/>
+        </inkml:channelProperties>
+      </inkml:inkSource>
+      <inkml:timestamp xml:id="ts0" timeString="2024-01-16T23:28:21.546"/>
+    </inkml:context>
+    <inkml:brush xml:id="br0">
+      <inkml:brushProperty name="width" value="0.1" units="cm"/>
+      <inkml:brushProperty name="height" value="0.1" units="cm"/>
+      <inkml:brushProperty name="color" value="#33CCFF"/>
+    </inkml:brush>
+  </inkml:definitions>
+  <inkml:trace contextRef="#ctx0" brushRef="#br0">1 0 24575,'0'51'0,"2"-1"0,2 1 0,3-1 0,1 0 0,3 0 0,19 53 0,-21-84 0,1-1 0,0 0 0,1-1 0,1 0 0,16 18 0,-11-13 0,-16-21 0,-1 0 0,1 0 0,0 1 0,0-1 0,-1 0 0,1 0 0,0 0 0,0 0 0,0 0 0,0 0 0,0-1 0,0 1 0,0 0 0,1 0 0,-1-1 0,0 1 0,0-1 0,0 1 0,1-1 0,-1 1 0,0-1 0,1 0 0,-1 0 0,0 1 0,1-1 0,-1 0 0,0 0 0,1-1 0,-1 1 0,0 0 0,1 0 0,-1-1 0,0 1 0,1 0 0,-1-1 0,0 1 0,0-1 0,0 0 0,1 1 0,-1-1 0,0 0 0,0 0 0,0 0 0,0 0 0,1-2 0,5-6 0,0 0 0,-1-1 0,0 1 0,8-20 0,-3 5 0,250-414 0,-245 414-1365</inkml:trace>
+</inkml:ink>
+</file>
+
+<file path=ppt/ink/ink49.xml><?xml version="1.0" encoding="utf-8"?>
+<inkml:ink xmlns:inkml="http://www.w3.org/2003/InkML">
+  <inkml:definitions>
+    <inkml:context xml:id="ctx0">
+      <inkml:inkSource xml:id="inkSrc0">
+        <inkml:traceFormat>
+          <inkml:channel name="X" type="integer" min="-2.14748E9" max="2.14748E9" units="cm"/>
+          <inkml:channel name="Y" type="integer" min="-2.14748E9" max="2.14748E9" units="cm"/>
+          <inkml:channel name="F" type="integer" max="32767" units="dev"/>
+        </inkml:traceFormat>
+        <inkml:channelProperties>
+          <inkml:channelProperty channel="X" name="resolution" value="1000" units="1/cm"/>
+          <inkml:channelProperty channel="Y" name="resolution" value="1000" units="1/cm"/>
+          <inkml:channelProperty channel="F" name="resolution" value="0" units="1/dev"/>
+        </inkml:channelProperties>
+      </inkml:inkSource>
+      <inkml:timestamp xml:id="ts0" timeString="2024-01-16T23:28:22.356"/>
+    </inkml:context>
+    <inkml:brush xml:id="br0">
+      <inkml:brushProperty name="width" value="0.1" units="cm"/>
+      <inkml:brushProperty name="height" value="0.1" units="cm"/>
+      <inkml:brushProperty name="color" value="#33CCFF"/>
+    </inkml:brush>
+  </inkml:definitions>
+  <inkml:trace contextRef="#ctx0" brushRef="#br0">0 1 24575,'4'0'0,"5"0"0,0 4 0,0 4 0,-3 5 0,-2 8 0,-1 7 0,-2 6 0,-4 9 0,-2 0 0,0 4 0,1 9 0,1 2 0,1 2 0,1-2 0,4-11 0,2-9 0,-1-12-8191</inkml:trace>
 </inkml:ink>
 </file>
 
@@ -1116,6 +1427,286 @@
 </inkml:ink>
 </file>
 
+<file path=ppt/ink/ink50.xml><?xml version="1.0" encoding="utf-8"?>
+<inkml:ink xmlns:inkml="http://www.w3.org/2003/InkML">
+  <inkml:definitions>
+    <inkml:context xml:id="ctx0">
+      <inkml:inkSource xml:id="inkSrc0">
+        <inkml:traceFormat>
+          <inkml:channel name="X" type="integer" min="-2.14748E9" max="2.14748E9" units="cm"/>
+          <inkml:channel name="Y" type="integer" min="-2.14748E9" max="2.14748E9" units="cm"/>
+          <inkml:channel name="F" type="integer" max="32767" units="dev"/>
+        </inkml:traceFormat>
+        <inkml:channelProperties>
+          <inkml:channelProperty channel="X" name="resolution" value="1000" units="1/cm"/>
+          <inkml:channelProperty channel="Y" name="resolution" value="1000" units="1/cm"/>
+          <inkml:channelProperty channel="F" name="resolution" value="0" units="1/dev"/>
+        </inkml:channelProperties>
+      </inkml:inkSource>
+      <inkml:timestamp xml:id="ts0" timeString="2024-01-16T23:28:23.315"/>
+    </inkml:context>
+    <inkml:brush xml:id="br0">
+      <inkml:brushProperty name="width" value="0.1" units="cm"/>
+      <inkml:brushProperty name="height" value="0.1" units="cm"/>
+      <inkml:brushProperty name="color" value="#33CCFF"/>
+    </inkml:brush>
+  </inkml:definitions>
+  <inkml:trace contextRef="#ctx0" brushRef="#br0">49 106 24575,'-2'1'0,"0"-1"0,1 0 0,-1 1 0,0-1 0,0 1 0,0 0 0,0 0 0,0-1 0,1 1 0,-1 0 0,0 1 0,1-1 0,-1 0 0,1 0 0,-1 1 0,1-1 0,0 1 0,0-1 0,-1 1 0,1-1 0,0 1 0,0 0 0,1 0 0,-1-1 0,0 1 0,0 0 0,1 0 0,-1 0 0,1 0 0,0 0 0,-1 3 0,0 10 0,-1-1 0,1 1 0,2 17 0,0-22 0,0 7 0,0 0 0,2 0 0,0 0 0,1 0 0,1-1 0,1 0 0,13 28 0,-15-36 0,0 0 0,0 0 0,1 0 0,1 0 0,-1-1 0,1 0 0,0 0 0,1-1 0,0 1 0,0-1 0,0-1 0,0 1 0,1-1 0,0-1 0,17 8 0,-23-12 0,1 1 0,-1-1 0,1 0 0,0 0 0,-1 0 0,1 0 0,-1-1 0,1 1 0,0-1 0,-1 1 0,1-1 0,-1 0 0,1 0 0,-1 0 0,0 0 0,1 0 0,-1-1 0,0 1 0,0-1 0,0 0 0,0 1 0,0-1 0,0 0 0,0 0 0,-1 0 0,1 0 0,-1-1 0,2-2 0,6-10 0,0 1 0,-2-2 0,8-18 0,-12 25 0,24-58 0,34-129 0,-61 193 0,1 0 0,0 0 0,-1 0 0,0 0 0,0 0 0,0 0 0,0 0 0,0 0 0,0 0 0,-1 0 0,1 0 0,-1 0 0,0 0 0,0 0 0,0 0 0,-1 1 0,1-1 0,0 0 0,-1 1 0,0-1 0,0 1 0,1 0 0,-1-1 0,-1 1 0,1 0 0,0 0 0,0 0 0,-1 1 0,1-1 0,-1 1 0,-5-3 0,-6-2 0,-1 1 0,0 0 0,-1 2 0,1-1 0,-17 0 0,-6-2 0,27 3 17,0 1 0,0 1 1,0-1-1,0 2 0,0 0 0,-19 2 0,24-1-110,1 0 0,0 1 1,0 0-1,0 0 0,0 0 0,0 0 0,0 1 0,1 0 1,-1 0-1,1 0 0,0 1 0,0-1 0,0 1 1,0 0-1,-4 7 0</inkml:trace>
+</inkml:ink>
+</file>
+
+<file path=ppt/ink/ink51.xml><?xml version="1.0" encoding="utf-8"?>
+<inkml:ink xmlns:inkml="http://www.w3.org/2003/InkML">
+  <inkml:definitions>
+    <inkml:context xml:id="ctx0">
+      <inkml:inkSource xml:id="inkSrc0">
+        <inkml:traceFormat>
+          <inkml:channel name="X" type="integer" min="-2.14748E9" max="2.14748E9" units="cm"/>
+          <inkml:channel name="Y" type="integer" min="-2.14748E9" max="2.14748E9" units="cm"/>
+          <inkml:channel name="F" type="integer" max="32767" units="dev"/>
+        </inkml:traceFormat>
+        <inkml:channelProperties>
+          <inkml:channelProperty channel="X" name="resolution" value="1000" units="1/cm"/>
+          <inkml:channelProperty channel="Y" name="resolution" value="1000" units="1/cm"/>
+          <inkml:channelProperty channel="F" name="resolution" value="0" units="1/dev"/>
+        </inkml:channelProperties>
+      </inkml:inkSource>
+      <inkml:timestamp xml:id="ts0" timeString="2024-01-16T23:28:24.382"/>
+    </inkml:context>
+    <inkml:brush xml:id="br0">
+      <inkml:brushProperty name="width" value="0.1" units="cm"/>
+      <inkml:brushProperty name="height" value="0.1" units="cm"/>
+      <inkml:brushProperty name="color" value="#33CCFF"/>
+    </inkml:brush>
+  </inkml:definitions>
+  <inkml:trace contextRef="#ctx0" brushRef="#br0">0 1 24575,'1'29'0,"8"42"0,-1-14 0,30 195 0,-37-247 0,0-1 0,0 1 0,1-1 0,-1 1 0,1-1 0,0 1 0,1-1 0,-1 0 0,1 0 0,-1 0 0,1 0 0,6 5 0,-7-8 0,-1 0 0,1 0 0,0 0 0,-1 0 0,1 0 0,0-1 0,0 1 0,-1-1 0,1 1 0,0-1 0,0 0 0,0 0 0,0 1 0,0-1 0,0-1 0,-1 1 0,1 0 0,0 0 0,0-1 0,0 1 0,0-1 0,-1 1 0,1-1 0,0 0 0,-1 0 0,1 0 0,0 0 0,-1 0 0,1 0 0,-1 0 0,0-1 0,1 1 0,-1 0 0,2-4 0,7-5 0,-2 0 0,1 0 0,-1-1 0,-1-1 0,12-23 0,22-69 0,-23 55 0,-2-16 0,-16 65 0,0-1 0,0 1 0,0 0 0,0 0 0,0-1 0,0 1 0,0 0 0,0-1 0,1 1 0,-1 0 0,0 0 0,0-1 0,0 1 0,0 0 0,0 0 0,1 0 0,-1-1 0,0 1 0,0 0 0,0 0 0,1 0 0,-1-1 0,0 1 0,0 0 0,1 0 0,-1 0 0,0 0 0,0 0 0,1 0 0,-1 0 0,0-1 0,1 1 0,-1 0 0,5 9 0,0 19 0,-3 187 0,-2-213-62,0 1 0,0-1 0,0 0 0,0 1 0,0-1 0,0 0 0,1 1 0,-1-1 0,1 0 0,0 0 0,0 1 0,-1-1-1,2 0 1,-1 0 0,0 0 0,0 0 0,1 0 0,-1 0 0,1-1 0,-1 1 0,4 3 0</inkml:trace>
+</inkml:ink>
+</file>
+
+<file path=ppt/ink/ink52.xml><?xml version="1.0" encoding="utf-8"?>
+<inkml:ink xmlns:inkml="http://www.w3.org/2003/InkML">
+  <inkml:definitions>
+    <inkml:context xml:id="ctx0">
+      <inkml:inkSource xml:id="inkSrc0">
+        <inkml:traceFormat>
+          <inkml:channel name="X" type="integer" min="-2.14748E9" max="2.14748E9" units="cm"/>
+          <inkml:channel name="Y" type="integer" min="-2.14748E9" max="2.14748E9" units="cm"/>
+          <inkml:channel name="F" type="integer" max="32767" units="dev"/>
+        </inkml:traceFormat>
+        <inkml:channelProperties>
+          <inkml:channelProperty channel="X" name="resolution" value="1000" units="1/cm"/>
+          <inkml:channelProperty channel="Y" name="resolution" value="1000" units="1/cm"/>
+          <inkml:channelProperty channel="F" name="resolution" value="0" units="1/dev"/>
+        </inkml:channelProperties>
+      </inkml:inkSource>
+      <inkml:timestamp xml:id="ts0" timeString="2024-01-16T23:28:25.133"/>
+    </inkml:context>
+    <inkml:brush xml:id="br0">
+      <inkml:brushProperty name="width" value="0.1" units="cm"/>
+      <inkml:brushProperty name="height" value="0.1" units="cm"/>
+      <inkml:brushProperty name="color" value="#33CCFF"/>
+    </inkml:brush>
+  </inkml:definitions>
+  <inkml:trace contextRef="#ctx0" brushRef="#br0">2 1 24575,'0'437'0,"-1"-467"0,0 11 0,1-1 0,1 0 0,1 0 0,5-30 0,-6 46 0,1-1 0,-1 1 0,1 0 0,-1-1 0,1 1 0,0 0 0,1 0 0,-1 0 0,1 1 0,0-1 0,0 0 0,0 1 0,0 0 0,0 0 0,1 0 0,0 0 0,-1 0 0,1 1 0,0-1 0,0 1 0,0 0 0,1 1 0,-1-1 0,0 1 0,7-2 0,2 2 0,-1 0 0,1 1 0,0 1 0,0 0 0,-1 0 0,1 1 0,0 1 0,-1 0 0,0 1 0,0 0 0,0 1 0,0 0 0,-1 1 0,1 0 0,-1 1 0,17 15 0,-19-12-1365</inkml:trace>
+</inkml:ink>
+</file>
+
+<file path=ppt/ink/ink53.xml><?xml version="1.0" encoding="utf-8"?>
+<inkml:ink xmlns:inkml="http://www.w3.org/2003/InkML">
+  <inkml:definitions>
+    <inkml:context xml:id="ctx0">
+      <inkml:inkSource xml:id="inkSrc0">
+        <inkml:traceFormat>
+          <inkml:channel name="X" type="integer" min="-2.14748E9" max="2.14748E9" units="cm"/>
+          <inkml:channel name="Y" type="integer" min="-2.14748E9" max="2.14748E9" units="cm"/>
+          <inkml:channel name="F" type="integer" max="32767" units="dev"/>
+        </inkml:traceFormat>
+        <inkml:channelProperties>
+          <inkml:channelProperty channel="X" name="resolution" value="1000" units="1/cm"/>
+          <inkml:channelProperty channel="Y" name="resolution" value="1000" units="1/cm"/>
+          <inkml:channelProperty channel="F" name="resolution" value="0" units="1/dev"/>
+        </inkml:channelProperties>
+      </inkml:inkSource>
+      <inkml:timestamp xml:id="ts0" timeString="2024-01-16T23:28:25.871"/>
+    </inkml:context>
+    <inkml:brush xml:id="br0">
+      <inkml:brushProperty name="width" value="0.1" units="cm"/>
+      <inkml:brushProperty name="height" value="0.1" units="cm"/>
+      <inkml:brushProperty name="color" value="#33CCFF"/>
+    </inkml:brush>
+  </inkml:definitions>
+  <inkml:trace contextRef="#ctx0" brushRef="#br0">186 0 24575,'1'0'0,"0"1"0,0-1 0,-1 1 0,1-1 0,0 1 0,0-1 0,-1 1 0,1-1 0,-1 1 0,1-1 0,0 1 0,-1 0 0,1 0 0,-1-1 0,1 1 0,-1 0 0,0 0 0,1-1 0,-1 1 0,0 0 0,0 0 0,1 0 0,-1 0 0,0-1 0,0 3 0,4 26 0,-4-24 0,8 111 0,-6 1 0,-19 176 0,-3-111 0,-8-2 0,-75 262 0,70-343-1365,22-68-5461</inkml:trace>
+</inkml:ink>
+</file>
+
+<file path=ppt/ink/ink54.xml><?xml version="1.0" encoding="utf-8"?>
+<inkml:ink xmlns:inkml="http://www.w3.org/2003/InkML">
+  <inkml:definitions>
+    <inkml:context xml:id="ctx0">
+      <inkml:inkSource xml:id="inkSrc0">
+        <inkml:traceFormat>
+          <inkml:channel name="X" type="integer" min="-2.14748E9" max="2.14748E9" units="cm"/>
+          <inkml:channel name="Y" type="integer" min="-2.14748E9" max="2.14748E9" units="cm"/>
+          <inkml:channel name="F" type="integer" max="32767" units="dev"/>
+        </inkml:traceFormat>
+        <inkml:channelProperties>
+          <inkml:channelProperty channel="X" name="resolution" value="1000" units="1/cm"/>
+          <inkml:channelProperty channel="Y" name="resolution" value="1000" units="1/cm"/>
+          <inkml:channelProperty channel="F" name="resolution" value="0" units="1/dev"/>
+        </inkml:channelProperties>
+      </inkml:inkSource>
+      <inkml:timestamp xml:id="ts0" timeString="2024-01-16T23:28:26.936"/>
+    </inkml:context>
+    <inkml:brush xml:id="br0">
+      <inkml:brushProperty name="width" value="0.1" units="cm"/>
+      <inkml:brushProperty name="height" value="0.1" units="cm"/>
+      <inkml:brushProperty name="color" value="#33CCFF"/>
+    </inkml:brush>
+  </inkml:definitions>
+  <inkml:trace contextRef="#ctx0" brushRef="#br0">386 28 24575,'54'-2'0,"78"-15"0,-75 9 0,-48 7 0,0 1 0,0 1 0,0 0 0,-1 0 0,1 0 0,0 1 0,-1 0 0,1 1 0,-1 0 0,1 0 0,-1 1 0,-1 0 0,1 0 0,0 1 0,7 6 0,5 5 0,0 0 0,-1 2 0,33 38 0,-49-51 0,1-1 0,-1 0 0,0 1 0,0 0 0,-1 0 0,1-1 0,-1 2 0,0-1 0,-1 0 0,1 0 0,-1 0 0,0 1 0,0-1 0,-1 1 0,1-1 0,-1 1 0,0-1 0,-2 10 0,-2 2 0,-1-1 0,0 0 0,-2 0 0,-14 26 0,-49 112 0,69-150 0,0-1 0,0 0 0,0 0 0,-1 0 0,1 0 0,-1-1 0,0 1 0,0 0 0,0-1 0,0 1 0,-1-1 0,1 0 0,-4 3 0,1-3 0,1 1 0,-1-2 0,1 1 0,-1 0 0,0-1 0,0 0 0,0 0 0,-8 0 0,-397 16-7022,232-18 7868,64 0 3227,96 1-10161</inkml:trace>
+</inkml:ink>
+</file>
+
+<file path=ppt/ink/ink55.xml><?xml version="1.0" encoding="utf-8"?>
+<inkml:ink xmlns:inkml="http://www.w3.org/2003/InkML">
+  <inkml:definitions>
+    <inkml:context xml:id="ctx0">
+      <inkml:inkSource xml:id="inkSrc0">
+        <inkml:traceFormat>
+          <inkml:channel name="X" type="integer" min="-2.14748E9" max="2.14748E9" units="cm"/>
+          <inkml:channel name="Y" type="integer" min="-2.14748E9" max="2.14748E9" units="cm"/>
+          <inkml:channel name="F" type="integer" max="32767" units="dev"/>
+        </inkml:traceFormat>
+        <inkml:channelProperties>
+          <inkml:channelProperty channel="X" name="resolution" value="1000" units="1/cm"/>
+          <inkml:channelProperty channel="Y" name="resolution" value="1000" units="1/cm"/>
+          <inkml:channelProperty channel="F" name="resolution" value="0" units="1/dev"/>
+        </inkml:channelProperties>
+      </inkml:inkSource>
+      <inkml:timestamp xml:id="ts0" timeString="2024-01-16T23:28:27.903"/>
+    </inkml:context>
+    <inkml:brush xml:id="br0">
+      <inkml:brushProperty name="width" value="0.1" units="cm"/>
+      <inkml:brushProperty name="height" value="0.1" units="cm"/>
+      <inkml:brushProperty name="color" value="#33CCFF"/>
+    </inkml:brush>
+  </inkml:definitions>
+  <inkml:trace contextRef="#ctx0" brushRef="#br0">195 1 24575,'-1'8'0,"-1"0"0,0 0 0,0 0 0,0 0 0,-1-1 0,-8 15 0,-1 6 0,-44 111 0,-37 108 0,87-230 0,2-6 0,10-20 0,21-30 0,2 0 0,1 2 0,2 2 0,2 0 0,1 3 0,75-55 0,-98 79 0,-1 0 0,1 1 0,1 0 0,-1 1 0,20-6 0,-29 11 0,1-1 0,0 2 0,0-1 0,-1 0 0,1 1 0,0 0 0,0 0 0,-1 0 0,1 0 0,0 0 0,0 1 0,0 0 0,-1-1 0,1 2 0,-1-1 0,1 0 0,0 1 0,-1-1 0,0 1 0,1 0 0,-1 0 0,0 1 0,0-1 0,3 4 0,63 56-1365</inkml:trace>
+</inkml:ink>
+</file>
+
+<file path=ppt/ink/ink56.xml><?xml version="1.0" encoding="utf-8"?>
+<inkml:ink xmlns:inkml="http://www.w3.org/2003/InkML">
+  <inkml:definitions>
+    <inkml:context xml:id="ctx0">
+      <inkml:inkSource xml:id="inkSrc0">
+        <inkml:traceFormat>
+          <inkml:channel name="X" type="integer" min="-2.14748E9" max="2.14748E9" units="cm"/>
+          <inkml:channel name="Y" type="integer" min="-2.14748E9" max="2.14748E9" units="cm"/>
+          <inkml:channel name="F" type="integer" max="32767" units="dev"/>
+        </inkml:traceFormat>
+        <inkml:channelProperties>
+          <inkml:channelProperty channel="X" name="resolution" value="1000" units="1/cm"/>
+          <inkml:channelProperty channel="Y" name="resolution" value="1000" units="1/cm"/>
+          <inkml:channelProperty channel="F" name="resolution" value="0" units="1/dev"/>
+        </inkml:channelProperties>
+      </inkml:inkSource>
+      <inkml:timestamp xml:id="ts0" timeString="2024-01-16T23:28:28.714"/>
+    </inkml:context>
+    <inkml:brush xml:id="br0">
+      <inkml:brushProperty name="width" value="0.1" units="cm"/>
+      <inkml:brushProperty name="height" value="0.1" units="cm"/>
+      <inkml:brushProperty name="color" value="#33CCFF"/>
+    </inkml:brush>
+  </inkml:definitions>
+  <inkml:trace contextRef="#ctx0" brushRef="#br0">437 70 24575,'-10'-9'0,"-1"1"0,1 0 0,-1 1 0,-1 0 0,1 0 0,-1 2 0,0-1 0,-22-6 0,30 12 0,0 0 0,0-1 0,0 1 0,0 0 0,0 1 0,0-1 0,0 1 0,0 0 0,0 0 0,0 0 0,0 0 0,0 1 0,-4 2 0,-48 31 0,46-28 0,-9 6 0,1 0 0,1 1 0,0 1 0,1 1 0,-17 21 0,25-26 0,1 1 0,0 0 0,0 0 0,1 0 0,0 1 0,1-1 0,1 1 0,0 1 0,-4 23 0,6-21 0,0 1 0,1-1 0,0 0 0,1 1 0,1-1 0,1 1 0,0-1 0,6 20 0,-6-28 0,1-1 0,0 0 0,0 0 0,1-1 0,-1 1 0,2-1 0,-1 1 0,1-1 0,-1-1 0,2 1 0,-1-1 0,1 0 0,-1 0 0,2 0 0,-1-1 0,0 0 0,1 0 0,0 0 0,14 4 0,-16-6 0,1 0 0,-1 0 0,1-1 0,0 1 0,0-2 0,0 1 0,-1-1 0,1 1 0,0-2 0,0 1 0,0-1 0,0 1 0,0-2 0,-1 1 0,1-1 0,0 0 0,-1 0 0,9-5 0,-7 3 0,0-1 0,0-1 0,0 1 0,-1-1 0,0 0 0,0-1 0,-1 1 0,0-1 0,0-1 0,0 1 0,-1 0 0,4-12 0,6-17 0,-2-1 0,13-68 0,2-6 0,-24 103 0,-1-1 0,0 0 0,0 1 0,-1-1 0,1-17 0,-2 23 0,0 1 0,-1-1 0,1 1 0,-1 0 0,0-1 0,1 1 0,-1 0 0,0-1 0,0 1 0,-1 0 0,1 0 0,0 0 0,-1 0 0,1 0 0,-1 0 0,0 0 0,1 0 0,-1 1 0,0-1 0,0 1 0,0-1 0,0 1 0,-1 0 0,1 0 0,-5-2 0,-5-1-227,0 1-1,0 0 1,-1 1-1,1 0 1,-16 0-1,2 1-6598</inkml:trace>
+</inkml:ink>
+</file>
+
+<file path=ppt/ink/ink57.xml><?xml version="1.0" encoding="utf-8"?>
+<inkml:ink xmlns:inkml="http://www.w3.org/2003/InkML">
+  <inkml:definitions>
+    <inkml:context xml:id="ctx0">
+      <inkml:inkSource xml:id="inkSrc0">
+        <inkml:traceFormat>
+          <inkml:channel name="X" type="integer" min="-2.14748E9" max="2.14748E9" units="cm"/>
+          <inkml:channel name="Y" type="integer" min="-2.14748E9" max="2.14748E9" units="cm"/>
+          <inkml:channel name="F" type="integer" max="32767" units="dev"/>
+        </inkml:traceFormat>
+        <inkml:channelProperties>
+          <inkml:channelProperty channel="X" name="resolution" value="1000" units="1/cm"/>
+          <inkml:channelProperty channel="Y" name="resolution" value="1000" units="1/cm"/>
+          <inkml:channelProperty channel="F" name="resolution" value="0" units="1/dev"/>
+        </inkml:channelProperties>
+      </inkml:inkSource>
+      <inkml:timestamp xml:id="ts0" timeString="2024-01-16T23:28:30.212"/>
+    </inkml:context>
+    <inkml:brush xml:id="br0">
+      <inkml:brushProperty name="width" value="0.1" units="cm"/>
+      <inkml:brushProperty name="height" value="0.1" units="cm"/>
+      <inkml:brushProperty name="color" value="#33CCFF"/>
+    </inkml:brush>
+  </inkml:definitions>
+  <inkml:trace contextRef="#ctx0" brushRef="#br0">619 149 24575,'1'-30'0,"1"-29"0,-2 55 0,-1 1 0,1 0 0,0-1 0,-1 1 0,0-1 0,0 1 0,0 0 0,0-1 0,-1 1 0,1 0 0,-1 0 0,-3-5 0,4 7 0,0 0 0,1 1 0,-1-1 0,0 0 0,0 0 0,0 0 0,0 0 0,-1 1 0,1-1 0,0 0 0,0 1 0,0-1 0,0 1 0,-1 0 0,1-1 0,0 1 0,0 0 0,-1 0 0,1-1 0,0 1 0,-1 0 0,1 1 0,0-1 0,0 0 0,-3 1 0,1 0 0,0 0 0,0 1 0,0-1 0,1 1 0,-1 0 0,1 0 0,-1 0 0,1 0 0,0 0 0,-4 4 0,0 2 0,0 1 0,0-1 0,0 1 0,1 1 0,-7 18 0,10-20 0,0 0 0,0 0 0,1 0 0,0 1 0,1-1 0,0 0 0,0 1 0,0-1 0,1 0 0,1 1 0,3 11 0,0-4 0,0-1 0,2 1 0,0-1 0,16 25 0,-19-35 0,0 0 0,0-1 0,0 1 0,0-1 0,1 0 0,-1 0 0,1 0 0,0-1 0,0 0 0,1 0 0,-1 0 0,1-1 0,-1 1 0,1-1 0,0 0 0,0-1 0,0 0 0,9 1 0,-11-1 0,-1-1 0,1 0 0,0 0 0,-1 0 0,1-1 0,0 1 0,-1-1 0,1 0 0,-1 0 0,1 0 0,-1-1 0,1 1 0,-1-1 0,0 1 0,0-1 0,0 0 0,0-1 0,0 1 0,0 0 0,0-1 0,-1 0 0,1 1 0,-1-1 0,0 0 0,0 0 0,0 0 0,0-1 0,-1 1 0,1 0 0,-1-1 0,2-4 0,1-22 0,-6 23 0,-7 21 0,-101 260 0,20-43 0,88-226 0,0 1 0,-1-1 0,0 0 0,0 0 0,0-1 0,0 1 0,-1 0 0,0-1 0,0 0 0,0 0 0,-1 0 0,-8 6 0,6-7 0,1-1 0,-1 1 0,1-1 0,-1 0 0,0-1 0,0 1 0,0-1 0,0-1 0,0 1 0,-9-2 0,-300 12 0,308-10 0,0 0 0,0 0 0,1-1 0,-1 0 0,-10-1 0,17 1 0,-1 0 0,1 0 0,0 0 0,0-1 0,-1 1 0,1-1 0,0 1 0,0-1 0,-1 1 0,1-1 0,0 0 0,0 1 0,0-1 0,0 0 0,0 0 0,0 0 0,0 0 0,0 0 0,1 0 0,-1 0 0,0 0 0,0 0 0,1 0 0,-1 0 0,1 0 0,-1-1 0,1 1 0,-1 0 0,1 0 0,0-1 0,-1-1 0,2-9-35,0 0 0,1 0 0,0 0 0,0 1 0,1-1 0,7-16 0,-2 5-1085,4-16-5706</inkml:trace>
+</inkml:ink>
+</file>
+
+<file path=ppt/ink/ink58.xml><?xml version="1.0" encoding="utf-8"?>
+<inkml:ink xmlns:inkml="http://www.w3.org/2003/InkML">
+  <inkml:definitions>
+    <inkml:context xml:id="ctx0">
+      <inkml:inkSource xml:id="inkSrc0">
+        <inkml:traceFormat>
+          <inkml:channel name="X" type="integer" min="-2.14748E9" max="2.14748E9" units="cm"/>
+          <inkml:channel name="Y" type="integer" min="-2.14748E9" max="2.14748E9" units="cm"/>
+          <inkml:channel name="F" type="integer" max="32767" units="dev"/>
+        </inkml:traceFormat>
+        <inkml:channelProperties>
+          <inkml:channelProperty channel="X" name="resolution" value="1000" units="1/cm"/>
+          <inkml:channelProperty channel="Y" name="resolution" value="1000" units="1/cm"/>
+          <inkml:channelProperty channel="F" name="resolution" value="0" units="1/dev"/>
+        </inkml:channelProperties>
+      </inkml:inkSource>
+      <inkml:timestamp xml:id="ts0" timeString="2024-01-16T23:28:31.230"/>
+    </inkml:context>
+    <inkml:brush xml:id="br0">
+      <inkml:brushProperty name="width" value="0.1" units="cm"/>
+      <inkml:brushProperty name="height" value="0.1" units="cm"/>
+      <inkml:brushProperty name="color" value="#33CCFF"/>
+    </inkml:brush>
+  </inkml:definitions>
+  <inkml:trace contextRef="#ctx0" brushRef="#br0">86 1 24575,'-3'5'0,"0"0"0,1 1 0,-1-1 0,1 1 0,1 0 0,-1 0 0,1 0 0,0-1 0,0 1 0,0 1 0,1 5 0,-3 12 0,-60 278 0,68-317 0,0 0 0,1 1 0,1-1 0,0 1 0,1 0 0,10-13 0,5-7 0,44-47 0,-64 77 0,1 0 0,0 0 0,0 1 0,1-1 0,-1 1 0,1 0 0,-1 0 0,1 1 0,0-1 0,0 1 0,0 0 0,0 0 0,1 1 0,-1 0 0,0 0 0,1 0 0,-1 0 0,1 1 0,6 0 0,-3 1 0,0 1 0,0 0 0,0 1 0,-1 0 0,1 0 0,-1 0 0,0 1 0,0 1 0,0-1 0,0 1 0,6 6 0,-9-7-124,0 0 0,0 0 0,-1 1 0,1 0 0,-1-1 0,0 1-1,-1 1 1,1-1 0,-1 1 0,3 6 0,1 7-6702</inkml:trace>
+</inkml:ink>
+</file>
+
+<file path=ppt/ink/ink59.xml><?xml version="1.0" encoding="utf-8"?>
+<inkml:ink xmlns:inkml="http://www.w3.org/2003/InkML">
+  <inkml:definitions>
+    <inkml:context xml:id="ctx0">
+      <inkml:inkSource xml:id="inkSrc0">
+        <inkml:traceFormat>
+          <inkml:channel name="X" type="integer" min="-2.14748E9" max="2.14748E9" units="cm"/>
+          <inkml:channel name="Y" type="integer" min="-2.14748E9" max="2.14748E9" units="cm"/>
+          <inkml:channel name="F" type="integer" max="32767" units="dev"/>
+        </inkml:traceFormat>
+        <inkml:channelProperties>
+          <inkml:channelProperty channel="X" name="resolution" value="1000" units="1/cm"/>
+          <inkml:channelProperty channel="Y" name="resolution" value="1000" units="1/cm"/>
+          <inkml:channelProperty channel="F" name="resolution" value="0" units="1/dev"/>
+        </inkml:channelProperties>
+      </inkml:inkSource>
+      <inkml:timestamp xml:id="ts0" timeString="2024-01-16T23:28:32.275"/>
+    </inkml:context>
+    <inkml:brush xml:id="br0">
+      <inkml:brushProperty name="width" value="0.1" units="cm"/>
+      <inkml:brushProperty name="height" value="0.1" units="cm"/>
+      <inkml:brushProperty name="color" value="#33CCFF"/>
+    </inkml:brush>
+  </inkml:definitions>
+  <inkml:trace contextRef="#ctx0" brushRef="#br0">367 175 24575,'-1'-5'0,"1"1"0,-1 0 0,0 0 0,0 0 0,-1 0 0,1 0 0,-1 0 0,0 0 0,0 1 0,0-1 0,-1 0 0,-4-5 0,-39-38 0,41 42 0,-3-2 0,0 0 0,0 1 0,-1-1 0,0 2 0,0-1 0,0 1 0,0 0 0,-1 1 0,0 0 0,-15-3 0,20 6 0,0 0 0,0 1 0,-1-1 0,1 1 0,0 0 0,-1 1 0,1-1 0,0 1 0,0 0 0,-1 1 0,1-1 0,0 1 0,0 0 0,1 0 0,-1 0 0,0 1 0,1 0 0,-1 0 0,1 0 0,0 0 0,0 1 0,-5 5 0,2-1 0,1 0 0,0 1 0,0 0 0,1 0 0,0 0 0,1 1 0,0-1 0,0 1 0,1 0 0,0 0 0,1 0 0,0 1 0,1-1 0,0 1 0,0-1 0,1 1 0,1-1 0,0 1 0,0-1 0,1 0 0,0 1 0,1-1 0,0 0 0,1 0 0,0-1 0,0 1 0,1-1 0,0 0 0,1 0 0,0 0 0,0-1 0,1 0 0,8 8 0,-13-15 0,-1 1 0,1-1 0,0 1 0,0-1 0,0 0 0,0 0 0,0 0 0,0 0 0,0 0 0,0 0 0,0-1 0,0 1 0,0 0 0,0-1 0,1 0 0,-1 0 0,0 0 0,0 0 0,1 0 0,2 0 0,-2-1 0,0-1 0,0 1 0,0 0 0,0-1 0,0 0 0,0 0 0,-1 1 0,1-1 0,-1-1 0,1 1 0,-1 0 0,3-5 0,6-8 0,-2-1 0,0 0 0,-1 0 0,7-21 0,-9 23 0,0-3 0,-4 11 0,0 1 0,0-1 0,1 1 0,-1-1 0,1 1 0,0 0 0,1 0 0,-1 0 0,1 0 0,6-5 0,-10 9 0,0 1 0,1 0 0,-1 0 0,0 0 0,1 0 0,-1-1 0,0 1 0,1 0 0,-1 0 0,0 0 0,1 0 0,-1 0 0,0 0 0,1 0 0,-1 0 0,0 0 0,1 0 0,-1 0 0,0 0 0,1 0 0,-1 0 0,1 1 0,-1-1 0,0 0 0,0 0 0,1 0 0,-1 0 0,0 1 0,1-1 0,-1 0 0,0 0 0,0 0 0,1 1 0,-1-1 0,0 1 0,9 15 0,0 20 0,-9-34 0,4 28 0,1 43 0,-5-46 0,2 0 0,6 31 0,0-35-1365</inkml:trace>
+</inkml:ink>
+</file>
+
 <file path=ppt/ink/ink6.xml><?xml version="1.0" encoding="utf-8"?>
 <inkml:ink xmlns:inkml="http://www.w3.org/2003/InkML">
   <inkml:definitions>
@@ -1141,6 +1732,62 @@
     </inkml:brush>
   </inkml:definitions>
   <inkml:trace contextRef="#ctx0" brushRef="#br0">25 2 24575,'-16'701'0,"13"-658"0,0-21 0,1 0 0,1-1 0,2 1 0,0 0 0,1-1 0,7 32 0,-5-40 0,1-1 0,1 0 0,0-1 0,1 1 0,0-1 0,1 0 0,0-1 0,0 0 0,1 0 0,14 11 0,-18-18 0,-1 0 0,1-1 0,1 1 0,-1-1 0,0 0 0,0-1 0,1 1 0,-1-1 0,1 0 0,-1 0 0,1 0 0,0-1 0,-1 0 0,1 0 0,-1-1 0,1 1 0,10-4 0,-3 1 0,-1-1 0,0 0 0,0-1 0,0 0 0,-1-1 0,22-15 0,156-138 0,-75 58 0,-114 100 0,17-13 0,0 0 0,24-30 0,-36 38 0,0 0 0,-1-1 0,0 0 0,0 0 0,-1 0 0,0-1 0,0 1 0,-1-1 0,0 1 0,0-1 0,0-9 0,62-545 0,-61 540-1365,-2 3-5461</inkml:trace>
+</inkml:ink>
+</file>
+
+<file path=ppt/ink/ink60.xml><?xml version="1.0" encoding="utf-8"?>
+<inkml:ink xmlns:inkml="http://www.w3.org/2003/InkML">
+  <inkml:definitions>
+    <inkml:context xml:id="ctx0">
+      <inkml:inkSource xml:id="inkSrc0">
+        <inkml:traceFormat>
+          <inkml:channel name="X" type="integer" min="-2.14748E9" max="2.14748E9" units="cm"/>
+          <inkml:channel name="Y" type="integer" min="-2.14748E9" max="2.14748E9" units="cm"/>
+          <inkml:channel name="F" type="integer" max="32767" units="dev"/>
+        </inkml:traceFormat>
+        <inkml:channelProperties>
+          <inkml:channelProperty channel="X" name="resolution" value="1000" units="1/cm"/>
+          <inkml:channelProperty channel="Y" name="resolution" value="1000" units="1/cm"/>
+          <inkml:channelProperty channel="F" name="resolution" value="0" units="1/dev"/>
+        </inkml:channelProperties>
+      </inkml:inkSource>
+      <inkml:timestamp xml:id="ts0" timeString="2024-01-16T23:28:33.272"/>
+    </inkml:context>
+    <inkml:brush xml:id="br0">
+      <inkml:brushProperty name="width" value="0.1" units="cm"/>
+      <inkml:brushProperty name="height" value="0.1" units="cm"/>
+      <inkml:brushProperty name="color" value="#33CCFF"/>
+    </inkml:brush>
+  </inkml:definitions>
+  <inkml:trace contextRef="#ctx0" brushRef="#br0">32 50 24575,'-21'398'0,"12"-363"0,9-35 0,0 0 0,0 0 0,0 0 0,0 0 0,0 0 0,0 0 0,0 0 0,0-1 0,0 1 0,0 0 0,0 0 0,0 0 0,0 0 0,0 0 0,0 0 0,-1 0 0,1 0 0,0 0 0,0 0 0,0 0 0,0 0 0,0 1 0,0-1 0,0 0 0,0 0 0,0 0 0,0 0 0,0 0 0,0 0 0,0 0 0,0 0 0,0 0 0,0 0 0,4-20 0,8-18 0,2 0 0,2 0 0,1 2 0,1 0 0,2 1 0,2 0 0,1 2 0,2 1 0,1 1 0,1 1 0,32-26 0,-57 54 0,1-1 0,-1 1 0,1 0 0,-1 0 0,1 1 0,0-1 0,-1 0 0,1 1 0,0-1 0,0 1 0,0 0 0,0 0 0,1 0 0,-1 1 0,0-1 0,0 1 0,0 0 0,1 0 0,-1 0 0,0 0 0,0 0 0,0 1 0,1-1 0,-1 1 0,0 0 0,0 0 0,0 0 0,0 0 0,0 1 0,0-1 0,0 1 0,-1-1 0,1 1 0,-1 0 0,1 0 0,-1 1 0,0-1 0,1 0 0,-1 1 0,0-1 0,-1 1 0,4 4 0,14 37 0,-17-37 0,1 1 0,0-1 0,1 1 0,5 8 0,-8-14 0,1-1 0,-1 0 0,1 0 0,-1 0 0,1 0 0,-1 0 0,1 0 0,-1 0 0,1 0 0,0-1 0,0 1 0,-1-1 0,1 1 0,0-1 0,0 0 0,0 1 0,-1-1 0,1 0 0,0 0 0,0 0 0,0-1 0,2 1 0,44-13 0,-39 10 0,87-27 0,-94 30 0,0 0 0,0-1 0,0 1 0,-1 0 0,1 0 0,0 0 0,0 0 0,0 0 0,0 1 0,0-1 0,-1 0 0,1 1 0,0 0 0,0-1 0,-1 1 0,1 0 0,0 0 0,-1 0 0,1 0 0,-1 0 0,1 0 0,-1 0 0,1 0 0,-1 1 0,0-1 0,0 1 0,0-1 0,0 1 0,0-1 0,0 1 0,0 0 0,0-1 0,1 4 0,2 7 0,-1 0 0,1 0 0,-2 0 0,2 13 0,-1-11 0,10 57-33,12 91-1299,-24-139-5494</inkml:trace>
+</inkml:ink>
+</file>
+
+<file path=ppt/ink/ink61.xml><?xml version="1.0" encoding="utf-8"?>
+<inkml:ink xmlns:inkml="http://www.w3.org/2003/InkML">
+  <inkml:definitions>
+    <inkml:context xml:id="ctx0">
+      <inkml:inkSource xml:id="inkSrc0">
+        <inkml:traceFormat>
+          <inkml:channel name="X" type="integer" min="-2.14748E9" max="2.14748E9" units="cm"/>
+          <inkml:channel name="Y" type="integer" min="-2.14748E9" max="2.14748E9" units="cm"/>
+          <inkml:channel name="F" type="integer" max="32767" units="dev"/>
+        </inkml:traceFormat>
+        <inkml:channelProperties>
+          <inkml:channelProperty channel="X" name="resolution" value="1000" units="1/cm"/>
+          <inkml:channelProperty channel="Y" name="resolution" value="1000" units="1/cm"/>
+          <inkml:channelProperty channel="F" name="resolution" value="0" units="1/dev"/>
+        </inkml:channelProperties>
+      </inkml:inkSource>
+      <inkml:timestamp xml:id="ts0" timeString="2024-01-16T23:28:38.351"/>
+    </inkml:context>
+    <inkml:brush xml:id="br0">
+      <inkml:brushProperty name="width" value="0.1" units="cm"/>
+      <inkml:brushProperty name="height" value="0.1" units="cm"/>
+      <inkml:brushProperty name="color" value="#33CCFF"/>
+    </inkml:brush>
+  </inkml:definitions>
+  <inkml:trace contextRef="#ctx0" brushRef="#br0">201 2262 24575,'498'-28'0,"-314"14"0,204 11 0,-210 5 0,121 6 0,484 74 0,-334-5 0,414 60 0,-715-122 0,234 39 0,-327-39 0,-35-9 0,0-1 0,0-1 0,41 4 0,63-6 0,141 7 0,412 55 0,-296-51 0,3-25 0,-50 1 0,378 8 0,-444 4 0,-261-1 0,4 0 0,0 0 0,0 0 0,0-1 0,0-1 0,14-3 0,-23 4 0,1 0 0,0 0 0,-1-1 0,1 1 0,-1 0 0,1-1 0,-1 1 0,0-1 0,0 0 0,0 0 0,0 0 0,0 0 0,0 0 0,0 0 0,-1-1 0,1 1 0,-1 0 0,1-1 0,-1 0 0,0 1 0,0-1 0,0 1 0,-1-1 0,1 0 0,0 0 0,-1-3 0,14-182 0,-13-230 0,-8 311 0,-5 1 0,-45-187 0,16 157 0,24 85 0,1-1 0,-8-62 0,20 96 0,0 0 0,-2 0 0,-7-20 0,5 19 0,2 1 0,-7-33 0,7-2 0,3 0 0,4-77 0,-2-56 0,1 184 0,-1-1 0,0 0 0,0 0 0,0 1 0,0-1 0,0 1 0,0-1 0,-1 1 0,1-1 0,-1 1 0,1 0 0,-1 0 0,0 0 0,0 0 0,0 0 0,0 0 0,-1 0 0,1 1 0,0-1 0,-1 1 0,1-1 0,-1 1 0,0 0 0,1 0 0,-1 0 0,0 1 0,-3-2 0,-10-1 0,0 0 0,0 1 0,-24 1 0,34 0 0,-290 13 0,37 1 0,-78-42 0,141 7 0,-44 2 0,-647-73 0,827 83 0,-53-9 0,-198-7 0,227 22 0,0-4 0,-161-37 0,205 36 0,-68-8 0,-143-6 0,69 9 0,131 9 0,-485-41 0,278 29 0,-168-6 0,-334 21 0,487 3 0,242-2 0,-1-2 0,1 0 0,0-2 0,0-2 0,-34-11 0,-2 3 0,-1 2 0,-132-6 0,199 19 0,-433-5 0,242 7 0,111-3 0,-87 3 0,167-2 0,0 0 0,0 0 0,-1 1 0,1-1 0,0 0 0,0 1 0,0-1 0,0 0 0,0 1 0,0 0 0,-1-1 0,1 1 0,0 0 0,0-1 0,1 1 0,-1 0 0,0 0 0,0 0 0,0 0 0,1 0 0,-1 0 0,0 0 0,1 0 0,-1 0 0,1 0 0,-1 0 0,1 0 0,-1 0 0,1 1 0,0-1 0,0 0 0,-1 0 0,1 0 0,0 1 0,0-1 0,0 0 0,1 0 0,-1 0 0,0 1 0,1 0 0,1 9 0,0-1 0,1 1 0,8 17 0,-4-9 0,26 88 0,-4 1 0,-6 2 0,-4 0 0,9 221 0,-24-270 0,2-1 0,3 0 0,18 68 0,-25-119 0,7 49 0,-2 0 0,-3 0 0,-6 107 0,0-48 0,-12 121 0,5 128-71,10-242-1223,-1-102-5532</inkml:trace>
 </inkml:ink>
 </file>
 
@@ -1310,7 +1957,7 @@
           <a:p>
             <a:fld id="{C5AE4B63-AA37-419D-97F3-454E7C790AE5}" type="datetimeFigureOut">
               <a:rPr lang="en-US" smtClean="0"/>
-              <a:t>1/16/2024</a:t>
+              <a:t>4/28/2024</a:t>
             </a:fld>
             <a:endParaRPr lang="en-US"/>
           </a:p>
@@ -6018,8 +6665,8 @@
             <a:chExt cx="1684440" cy="817200"/>
           </a:xfrm>
         </p:grpSpPr>
-        <mc:AlternateContent xmlns:mc="http://schemas.openxmlformats.org/markup-compatibility/2006">
-          <mc:Choice xmlns:p14="http://schemas.microsoft.com/office/powerpoint/2010/main" Requires="p14">
+        <mc:AlternateContent xmlns:mc="http://schemas.openxmlformats.org/markup-compatibility/2006" xmlns:p14="http://schemas.microsoft.com/office/powerpoint/2010/main">
+          <mc:Choice Requires="p14">
             <p:contentPart p14:bwMode="auto" r:id="rId2">
               <p14:nvContentPartPr>
                 <p14:cNvPr id="11" name="Ink 10">
@@ -6038,7 +6685,7 @@
               </p14:xfrm>
             </p:contentPart>
           </mc:Choice>
-          <mc:Fallback>
+          <mc:Fallback xmlns="">
             <p:pic>
               <p:nvPicPr>
                 <p:cNvPr id="11" name="Ink 10">
@@ -6069,8 +6716,8 @@
             </p:pic>
           </mc:Fallback>
         </mc:AlternateContent>
-        <mc:AlternateContent xmlns:mc="http://schemas.openxmlformats.org/markup-compatibility/2006">
-          <mc:Choice xmlns:p14="http://schemas.microsoft.com/office/powerpoint/2010/main" Requires="p14">
+        <mc:AlternateContent xmlns:mc="http://schemas.openxmlformats.org/markup-compatibility/2006" xmlns:p14="http://schemas.microsoft.com/office/powerpoint/2010/main">
+          <mc:Choice Requires="p14">
             <p:contentPart p14:bwMode="auto" r:id="rId4">
               <p14:nvContentPartPr>
                 <p14:cNvPr id="12" name="Ink 11">
@@ -6089,7 +6736,7 @@
               </p14:xfrm>
             </p:contentPart>
           </mc:Choice>
-          <mc:Fallback>
+          <mc:Fallback xmlns="">
             <p:pic>
               <p:nvPicPr>
                 <p:cNvPr id="12" name="Ink 11">
@@ -6120,8 +6767,8 @@
             </p:pic>
           </mc:Fallback>
         </mc:AlternateContent>
-        <mc:AlternateContent xmlns:mc="http://schemas.openxmlformats.org/markup-compatibility/2006">
-          <mc:Choice xmlns:p14="http://schemas.microsoft.com/office/powerpoint/2010/main" Requires="p14">
+        <mc:AlternateContent xmlns:mc="http://schemas.openxmlformats.org/markup-compatibility/2006" xmlns:p14="http://schemas.microsoft.com/office/powerpoint/2010/main">
+          <mc:Choice Requires="p14">
             <p:contentPart p14:bwMode="auto" r:id="rId6">
               <p14:nvContentPartPr>
                 <p14:cNvPr id="13" name="Ink 12">
@@ -6140,7 +6787,7 @@
               </p14:xfrm>
             </p:contentPart>
           </mc:Choice>
-          <mc:Fallback>
+          <mc:Fallback xmlns="">
             <p:pic>
               <p:nvPicPr>
                 <p:cNvPr id="13" name="Ink 12">
@@ -6171,8 +6818,8 @@
             </p:pic>
           </mc:Fallback>
         </mc:AlternateContent>
-        <mc:AlternateContent xmlns:mc="http://schemas.openxmlformats.org/markup-compatibility/2006">
-          <mc:Choice xmlns:p14="http://schemas.microsoft.com/office/powerpoint/2010/main" Requires="p14">
+        <mc:AlternateContent xmlns:mc="http://schemas.openxmlformats.org/markup-compatibility/2006" xmlns:p14="http://schemas.microsoft.com/office/powerpoint/2010/main">
+          <mc:Choice Requires="p14">
             <p:contentPart p14:bwMode="auto" r:id="rId8">
               <p14:nvContentPartPr>
                 <p14:cNvPr id="14" name="Ink 13">
@@ -6191,7 +6838,7 @@
               </p14:xfrm>
             </p:contentPart>
           </mc:Choice>
-          <mc:Fallback>
+          <mc:Fallback xmlns="">
             <p:pic>
               <p:nvPicPr>
                 <p:cNvPr id="14" name="Ink 13">
@@ -6222,8 +6869,8 @@
             </p:pic>
           </mc:Fallback>
         </mc:AlternateContent>
-        <mc:AlternateContent xmlns:mc="http://schemas.openxmlformats.org/markup-compatibility/2006">
-          <mc:Choice xmlns:p14="http://schemas.microsoft.com/office/powerpoint/2010/main" Requires="p14">
+        <mc:AlternateContent xmlns:mc="http://schemas.openxmlformats.org/markup-compatibility/2006" xmlns:p14="http://schemas.microsoft.com/office/powerpoint/2010/main">
+          <mc:Choice Requires="p14">
             <p:contentPart p14:bwMode="auto" r:id="rId10">
               <p14:nvContentPartPr>
                 <p14:cNvPr id="15" name="Ink 14">
@@ -6242,7 +6889,7 @@
               </p14:xfrm>
             </p:contentPart>
           </mc:Choice>
-          <mc:Fallback>
+          <mc:Fallback xmlns="">
             <p:pic>
               <p:nvPicPr>
                 <p:cNvPr id="15" name="Ink 14">
@@ -6273,8 +6920,8 @@
             </p:pic>
           </mc:Fallback>
         </mc:AlternateContent>
-        <mc:AlternateContent xmlns:mc="http://schemas.openxmlformats.org/markup-compatibility/2006">
-          <mc:Choice xmlns:p14="http://schemas.microsoft.com/office/powerpoint/2010/main" Requires="p14">
+        <mc:AlternateContent xmlns:mc="http://schemas.openxmlformats.org/markup-compatibility/2006" xmlns:p14="http://schemas.microsoft.com/office/powerpoint/2010/main">
+          <mc:Choice Requires="p14">
             <p:contentPart p14:bwMode="auto" r:id="rId12">
               <p14:nvContentPartPr>
                 <p14:cNvPr id="16" name="Ink 15">
@@ -6293,7 +6940,7 @@
               </p14:xfrm>
             </p:contentPart>
           </mc:Choice>
-          <mc:Fallback>
+          <mc:Fallback xmlns="">
             <p:pic>
               <p:nvPicPr>
                 <p:cNvPr id="16" name="Ink 15">
@@ -6437,6 +7084,2111 @@
 </file>
 
 <file path=ppt/slides/slide12.xml><?xml version="1.0" encoding="utf-8"?>
+<p:sld xmlns:a="http://schemas.openxmlformats.org/drawingml/2006/main" xmlns:r="http://schemas.openxmlformats.org/officeDocument/2006/relationships" xmlns:p="http://schemas.openxmlformats.org/presentationml/2006/main">
+  <p:cSld>
+    <p:spTree>
+      <p:nvGrpSpPr>
+        <p:cNvPr id="1" name=""/>
+        <p:cNvGrpSpPr/>
+        <p:nvPr/>
+      </p:nvGrpSpPr>
+      <p:grpSpPr>
+        <a:xfrm>
+          <a:off x="0" y="0"/>
+          <a:ext cx="0" cy="0"/>
+          <a:chOff x="0" y="0"/>
+          <a:chExt cx="0" cy="0"/>
+        </a:xfrm>
+      </p:grpSpPr>
+      <p:sp>
+        <p:nvSpPr>
+          <p:cNvPr id="2" name="Title 1">
+            <a:extLst>
+              <a:ext uri="{FF2B5EF4-FFF2-40B4-BE49-F238E27FC236}">
+                <a16:creationId xmlns:a16="http://schemas.microsoft.com/office/drawing/2014/main" id="{E1A3865C-84E8-5B7E-A5DE-2BC4937ED1EC}"/>
+              </a:ext>
+            </a:extLst>
+          </p:cNvPr>
+          <p:cNvSpPr>
+            <a:spLocks noGrp="1"/>
+          </p:cNvSpPr>
+          <p:nvPr>
+            <p:ph type="title"/>
+          </p:nvPr>
+        </p:nvSpPr>
+        <p:spPr/>
+        <p:txBody>
+          <a:bodyPr/>
+          <a:lstStyle/>
+          <a:p>
+            <a:r>
+              <a:rPr lang="en-US" dirty="0"/>
+              <a:t>Stacks</a:t>
+            </a:r>
+          </a:p>
+        </p:txBody>
+      </p:sp>
+      <p:sp>
+        <p:nvSpPr>
+          <p:cNvPr id="3" name="Content Placeholder 2">
+            <a:extLst>
+              <a:ext uri="{FF2B5EF4-FFF2-40B4-BE49-F238E27FC236}">
+                <a16:creationId xmlns:a16="http://schemas.microsoft.com/office/drawing/2014/main" id="{40EC14C3-A18F-122F-48E0-EC76FB6C9942}"/>
+              </a:ext>
+            </a:extLst>
+          </p:cNvPr>
+          <p:cNvSpPr>
+            <a:spLocks noGrp="1"/>
+          </p:cNvSpPr>
+          <p:nvPr>
+            <p:ph idx="1"/>
+          </p:nvPr>
+        </p:nvSpPr>
+        <p:spPr/>
+        <p:txBody>
+          <a:bodyPr/>
+          <a:lstStyle/>
+          <a:p>
+            <a:r>
+              <a:rPr lang="en-US" dirty="0"/>
+              <a:t>For C++ Programming:</a:t>
+            </a:r>
+          </a:p>
+        </p:txBody>
+      </p:sp>
+      <p:grpSp>
+        <p:nvGrpSpPr>
+          <p:cNvPr id="17" name="Group 16">
+            <a:extLst>
+              <a:ext uri="{FF2B5EF4-FFF2-40B4-BE49-F238E27FC236}">
+                <a16:creationId xmlns:a16="http://schemas.microsoft.com/office/drawing/2014/main" id="{83D9310B-1981-6278-D2DF-083437CB4A47}"/>
+              </a:ext>
+            </a:extLst>
+          </p:cNvPr>
+          <p:cNvGrpSpPr/>
+          <p:nvPr/>
+        </p:nvGrpSpPr>
+        <p:grpSpPr>
+          <a:xfrm>
+            <a:off x="1076784" y="5214167"/>
+            <a:ext cx="1684440" cy="817200"/>
+            <a:chOff x="1076784" y="5214167"/>
+            <a:chExt cx="1684440" cy="817200"/>
+          </a:xfrm>
+        </p:grpSpPr>
+        <mc:AlternateContent xmlns:mc="http://schemas.openxmlformats.org/markup-compatibility/2006" xmlns:p14="http://schemas.microsoft.com/office/powerpoint/2010/main">
+          <mc:Choice Requires="p14">
+            <p:contentPart p14:bwMode="auto" r:id="rId2">
+              <p14:nvContentPartPr>
+                <p14:cNvPr id="11" name="Ink 10">
+                  <a:extLst>
+                    <a:ext uri="{FF2B5EF4-FFF2-40B4-BE49-F238E27FC236}">
+                      <a16:creationId xmlns:a16="http://schemas.microsoft.com/office/drawing/2014/main" id="{DA11823E-DF21-6BE2-F6DE-DC157E98F160}"/>
+                    </a:ext>
+                  </a:extLst>
+                </p14:cNvPr>
+                <p14:cNvContentPartPr/>
+                <p14:nvPr/>
+              </p14:nvContentPartPr>
+              <p14:xfrm>
+                <a:off x="1076784" y="5214167"/>
+                <a:ext cx="1684440" cy="817200"/>
+              </p14:xfrm>
+            </p:contentPart>
+          </mc:Choice>
+          <mc:Fallback xmlns="">
+            <p:pic>
+              <p:nvPicPr>
+                <p:cNvPr id="11" name="Ink 10">
+                  <a:extLst>
+                    <a:ext uri="{FF2B5EF4-FFF2-40B4-BE49-F238E27FC236}">
+                      <a16:creationId xmlns:a16="http://schemas.microsoft.com/office/drawing/2014/main" id="{DA11823E-DF21-6BE2-F6DE-DC157E98F160}"/>
+                    </a:ext>
+                  </a:extLst>
+                </p:cNvPr>
+                <p:cNvPicPr/>
+                <p:nvPr/>
+              </p:nvPicPr>
+              <p:blipFill>
+                <a:blip r:embed="rId3"/>
+                <a:stretch>
+                  <a:fillRect/>
+                </a:stretch>
+              </p:blipFill>
+              <p:spPr>
+                <a:xfrm>
+                  <a:off x="1058784" y="5196167"/>
+                  <a:ext cx="1720080" cy="852840"/>
+                </a:xfrm>
+                <a:prstGeom prst="rect">
+                  <a:avLst/>
+                </a:prstGeom>
+              </p:spPr>
+            </p:pic>
+          </mc:Fallback>
+        </mc:AlternateContent>
+        <mc:AlternateContent xmlns:mc="http://schemas.openxmlformats.org/markup-compatibility/2006" xmlns:p14="http://schemas.microsoft.com/office/powerpoint/2010/main">
+          <mc:Choice Requires="p14">
+            <p:contentPart p14:bwMode="auto" r:id="rId4">
+              <p14:nvContentPartPr>
+                <p14:cNvPr id="12" name="Ink 11">
+                  <a:extLst>
+                    <a:ext uri="{FF2B5EF4-FFF2-40B4-BE49-F238E27FC236}">
+                      <a16:creationId xmlns:a16="http://schemas.microsoft.com/office/drawing/2014/main" id="{BD6176FD-F539-2857-BC09-A93E0C8BA0DC}"/>
+                    </a:ext>
+                  </a:extLst>
+                </p14:cNvPr>
+                <p14:cNvContentPartPr/>
+                <p14:nvPr/>
+              </p14:nvContentPartPr>
+              <p14:xfrm>
+                <a:off x="1350024" y="5343047"/>
+                <a:ext cx="254160" cy="299160"/>
+              </p14:xfrm>
+            </p:contentPart>
+          </mc:Choice>
+          <mc:Fallback xmlns="">
+            <p:pic>
+              <p:nvPicPr>
+                <p:cNvPr id="12" name="Ink 11">
+                  <a:extLst>
+                    <a:ext uri="{FF2B5EF4-FFF2-40B4-BE49-F238E27FC236}">
+                      <a16:creationId xmlns:a16="http://schemas.microsoft.com/office/drawing/2014/main" id="{BD6176FD-F539-2857-BC09-A93E0C8BA0DC}"/>
+                    </a:ext>
+                  </a:extLst>
+                </p:cNvPr>
+                <p:cNvPicPr/>
+                <p:nvPr/>
+              </p:nvPicPr>
+              <p:blipFill>
+                <a:blip r:embed="rId5"/>
+                <a:stretch>
+                  <a:fillRect/>
+                </a:stretch>
+              </p:blipFill>
+              <p:spPr>
+                <a:xfrm>
+                  <a:off x="1331998" y="5325047"/>
+                  <a:ext cx="289851" cy="334800"/>
+                </a:xfrm>
+                <a:prstGeom prst="rect">
+                  <a:avLst/>
+                </a:prstGeom>
+              </p:spPr>
+            </p:pic>
+          </mc:Fallback>
+        </mc:AlternateContent>
+        <mc:AlternateContent xmlns:mc="http://schemas.openxmlformats.org/markup-compatibility/2006" xmlns:p14="http://schemas.microsoft.com/office/powerpoint/2010/main">
+          <mc:Choice Requires="p14">
+            <p:contentPart p14:bwMode="auto" r:id="rId6">
+              <p14:nvContentPartPr>
+                <p14:cNvPr id="13" name="Ink 12">
+                  <a:extLst>
+                    <a:ext uri="{FF2B5EF4-FFF2-40B4-BE49-F238E27FC236}">
+                      <a16:creationId xmlns:a16="http://schemas.microsoft.com/office/drawing/2014/main" id="{45E19B1D-0AF0-5BEA-8993-2C04990F10D4}"/>
+                    </a:ext>
+                  </a:extLst>
+                </p14:cNvPr>
+                <p14:cNvContentPartPr/>
+                <p14:nvPr/>
+              </p14:nvContentPartPr>
+              <p14:xfrm>
+                <a:off x="1601664" y="5354207"/>
+                <a:ext cx="95400" cy="437760"/>
+              </p14:xfrm>
+            </p:contentPart>
+          </mc:Choice>
+          <mc:Fallback xmlns="">
+            <p:pic>
+              <p:nvPicPr>
+                <p:cNvPr id="13" name="Ink 12">
+                  <a:extLst>
+                    <a:ext uri="{FF2B5EF4-FFF2-40B4-BE49-F238E27FC236}">
+                      <a16:creationId xmlns:a16="http://schemas.microsoft.com/office/drawing/2014/main" id="{45E19B1D-0AF0-5BEA-8993-2C04990F10D4}"/>
+                    </a:ext>
+                  </a:extLst>
+                </p:cNvPr>
+                <p:cNvPicPr/>
+                <p:nvPr/>
+              </p:nvPicPr>
+              <p:blipFill>
+                <a:blip r:embed="rId7"/>
+                <a:stretch>
+                  <a:fillRect/>
+                </a:stretch>
+              </p:blipFill>
+              <p:spPr>
+                <a:xfrm>
+                  <a:off x="1583664" y="5336207"/>
+                  <a:ext cx="131040" cy="473400"/>
+                </a:xfrm>
+                <a:prstGeom prst="rect">
+                  <a:avLst/>
+                </a:prstGeom>
+              </p:spPr>
+            </p:pic>
+          </mc:Fallback>
+        </mc:AlternateContent>
+        <mc:AlternateContent xmlns:mc="http://schemas.openxmlformats.org/markup-compatibility/2006" xmlns:p14="http://schemas.microsoft.com/office/powerpoint/2010/main">
+          <mc:Choice Requires="p14">
+            <p:contentPart p14:bwMode="auto" r:id="rId8">
+              <p14:nvContentPartPr>
+                <p14:cNvPr id="14" name="Ink 13">
+                  <a:extLst>
+                    <a:ext uri="{FF2B5EF4-FFF2-40B4-BE49-F238E27FC236}">
+                      <a16:creationId xmlns:a16="http://schemas.microsoft.com/office/drawing/2014/main" id="{5B96F015-C980-BDA8-488F-35D451DDB64A}"/>
+                    </a:ext>
+                  </a:extLst>
+                </p14:cNvPr>
+                <p14:cNvContentPartPr/>
+                <p14:nvPr/>
+              </p14:nvContentPartPr>
+              <p14:xfrm>
+                <a:off x="1673304" y="5438807"/>
+                <a:ext cx="290880" cy="213480"/>
+              </p14:xfrm>
+            </p:contentPart>
+          </mc:Choice>
+          <mc:Fallback xmlns="">
+            <p:pic>
+              <p:nvPicPr>
+                <p:cNvPr id="14" name="Ink 13">
+                  <a:extLst>
+                    <a:ext uri="{FF2B5EF4-FFF2-40B4-BE49-F238E27FC236}">
+                      <a16:creationId xmlns:a16="http://schemas.microsoft.com/office/drawing/2014/main" id="{5B96F015-C980-BDA8-488F-35D451DDB64A}"/>
+                    </a:ext>
+                  </a:extLst>
+                </p:cNvPr>
+                <p:cNvPicPr/>
+                <p:nvPr/>
+              </p:nvPicPr>
+              <p:blipFill>
+                <a:blip r:embed="rId9"/>
+                <a:stretch>
+                  <a:fillRect/>
+                </a:stretch>
+              </p:blipFill>
+              <p:spPr>
+                <a:xfrm>
+                  <a:off x="1655304" y="5420837"/>
+                  <a:ext cx="326520" cy="249060"/>
+                </a:xfrm>
+                <a:prstGeom prst="rect">
+                  <a:avLst/>
+                </a:prstGeom>
+              </p:spPr>
+            </p:pic>
+          </mc:Fallback>
+        </mc:AlternateContent>
+        <mc:AlternateContent xmlns:mc="http://schemas.openxmlformats.org/markup-compatibility/2006" xmlns:p14="http://schemas.microsoft.com/office/powerpoint/2010/main">
+          <mc:Choice Requires="p14">
+            <p:contentPart p14:bwMode="auto" r:id="rId10">
+              <p14:nvContentPartPr>
+                <p14:cNvPr id="15" name="Ink 14">
+                  <a:extLst>
+                    <a:ext uri="{FF2B5EF4-FFF2-40B4-BE49-F238E27FC236}">
+                      <a16:creationId xmlns:a16="http://schemas.microsoft.com/office/drawing/2014/main" id="{96085239-56B9-25C6-524D-CDAB1A9046C2}"/>
+                    </a:ext>
+                  </a:extLst>
+                </p14:cNvPr>
+                <p14:cNvContentPartPr/>
+                <p14:nvPr/>
+              </p14:nvContentPartPr>
+              <p14:xfrm>
+                <a:off x="2217984" y="5431967"/>
+                <a:ext cx="29160" cy="360"/>
+              </p14:xfrm>
+            </p:contentPart>
+          </mc:Choice>
+          <mc:Fallback xmlns="">
+            <p:pic>
+              <p:nvPicPr>
+                <p:cNvPr id="15" name="Ink 14">
+                  <a:extLst>
+                    <a:ext uri="{FF2B5EF4-FFF2-40B4-BE49-F238E27FC236}">
+                      <a16:creationId xmlns:a16="http://schemas.microsoft.com/office/drawing/2014/main" id="{96085239-56B9-25C6-524D-CDAB1A9046C2}"/>
+                    </a:ext>
+                  </a:extLst>
+                </p:cNvPr>
+                <p:cNvPicPr/>
+                <p:nvPr/>
+              </p:nvPicPr>
+              <p:blipFill>
+                <a:blip r:embed="rId11"/>
+                <a:stretch>
+                  <a:fillRect/>
+                </a:stretch>
+              </p:blipFill>
+              <p:spPr>
+                <a:xfrm>
+                  <a:off x="2199984" y="5413967"/>
+                  <a:ext cx="64800" cy="36000"/>
+                </a:xfrm>
+                <a:prstGeom prst="rect">
+                  <a:avLst/>
+                </a:prstGeom>
+              </p:spPr>
+            </p:pic>
+          </mc:Fallback>
+        </mc:AlternateContent>
+        <mc:AlternateContent xmlns:mc="http://schemas.openxmlformats.org/markup-compatibility/2006" xmlns:p14="http://schemas.microsoft.com/office/powerpoint/2010/main">
+          <mc:Choice Requires="p14">
+            <p:contentPart p14:bwMode="auto" r:id="rId12">
+              <p14:nvContentPartPr>
+                <p14:cNvPr id="16" name="Ink 15">
+                  <a:extLst>
+                    <a:ext uri="{FF2B5EF4-FFF2-40B4-BE49-F238E27FC236}">
+                      <a16:creationId xmlns:a16="http://schemas.microsoft.com/office/drawing/2014/main" id="{FFEDC5F0-25BC-3DFA-D5CD-F4E405349BFC}"/>
+                    </a:ext>
+                  </a:extLst>
+                </p14:cNvPr>
+                <p14:cNvContentPartPr/>
+                <p14:nvPr/>
+              </p14:nvContentPartPr>
+              <p14:xfrm>
+                <a:off x="2175864" y="5431247"/>
+                <a:ext cx="288720" cy="390600"/>
+              </p14:xfrm>
+            </p:contentPart>
+          </mc:Choice>
+          <mc:Fallback xmlns="">
+            <p:pic>
+              <p:nvPicPr>
+                <p:cNvPr id="16" name="Ink 15">
+                  <a:extLst>
+                    <a:ext uri="{FF2B5EF4-FFF2-40B4-BE49-F238E27FC236}">
+                      <a16:creationId xmlns:a16="http://schemas.microsoft.com/office/drawing/2014/main" id="{FFEDC5F0-25BC-3DFA-D5CD-F4E405349BFC}"/>
+                    </a:ext>
+                  </a:extLst>
+                </p:cNvPr>
+                <p:cNvPicPr/>
+                <p:nvPr/>
+              </p:nvPicPr>
+              <p:blipFill>
+                <a:blip r:embed="rId13"/>
+                <a:stretch>
+                  <a:fillRect/>
+                </a:stretch>
+              </p:blipFill>
+              <p:spPr>
+                <a:xfrm>
+                  <a:off x="2157864" y="5413247"/>
+                  <a:ext cx="324360" cy="426240"/>
+                </a:xfrm>
+                <a:prstGeom prst="rect">
+                  <a:avLst/>
+                </a:prstGeom>
+              </p:spPr>
+            </p:pic>
+          </mc:Fallback>
+        </mc:AlternateContent>
+      </p:grpSp>
+      <p:grpSp>
+        <p:nvGrpSpPr>
+          <p:cNvPr id="8" name="Group 7">
+            <a:extLst>
+              <a:ext uri="{FF2B5EF4-FFF2-40B4-BE49-F238E27FC236}">
+                <a16:creationId xmlns:a16="http://schemas.microsoft.com/office/drawing/2014/main" id="{8830F95B-826A-2358-4E5D-9FECF9BE1DC5}"/>
+              </a:ext>
+            </a:extLst>
+          </p:cNvPr>
+          <p:cNvGrpSpPr/>
+          <p:nvPr/>
+        </p:nvGrpSpPr>
+        <p:grpSpPr>
+          <a:xfrm>
+            <a:off x="1154904" y="4152887"/>
+            <a:ext cx="1622880" cy="914400"/>
+            <a:chOff x="1154904" y="4152887"/>
+            <a:chExt cx="1622880" cy="914400"/>
+          </a:xfrm>
+        </p:grpSpPr>
+        <mc:AlternateContent xmlns:mc="http://schemas.openxmlformats.org/markup-compatibility/2006" xmlns:p14="http://schemas.microsoft.com/office/powerpoint/2010/main">
+          <mc:Choice Requires="p14">
+            <p:contentPart p14:bwMode="auto" r:id="rId14">
+              <p14:nvContentPartPr>
+                <p14:cNvPr id="4" name="Ink 3">
+                  <a:extLst>
+                    <a:ext uri="{FF2B5EF4-FFF2-40B4-BE49-F238E27FC236}">
+                      <a16:creationId xmlns:a16="http://schemas.microsoft.com/office/drawing/2014/main" id="{652FCA8E-E127-7E98-4F71-98775FFAE66A}"/>
+                    </a:ext>
+                  </a:extLst>
+                </p14:cNvPr>
+                <p14:cNvContentPartPr/>
+                <p14:nvPr/>
+              </p14:nvContentPartPr>
+              <p14:xfrm>
+                <a:off x="1154904" y="4152887"/>
+                <a:ext cx="1622880" cy="914400"/>
+              </p14:xfrm>
+            </p:contentPart>
+          </mc:Choice>
+          <mc:Fallback xmlns="">
+            <p:pic>
+              <p:nvPicPr>
+                <p:cNvPr id="4" name="Ink 3">
+                  <a:extLst>
+                    <a:ext uri="{FF2B5EF4-FFF2-40B4-BE49-F238E27FC236}">
+                      <a16:creationId xmlns:a16="http://schemas.microsoft.com/office/drawing/2014/main" id="{652FCA8E-E127-7E98-4F71-98775FFAE66A}"/>
+                    </a:ext>
+                  </a:extLst>
+                </p:cNvPr>
+                <p:cNvPicPr/>
+                <p:nvPr/>
+              </p:nvPicPr>
+              <p:blipFill>
+                <a:blip r:embed="rId15"/>
+                <a:stretch>
+                  <a:fillRect/>
+                </a:stretch>
+              </p:blipFill>
+              <p:spPr>
+                <a:xfrm>
+                  <a:off x="1137264" y="4135247"/>
+                  <a:ext cx="1658520" cy="950040"/>
+                </a:xfrm>
+                <a:prstGeom prst="rect">
+                  <a:avLst/>
+                </a:prstGeom>
+              </p:spPr>
+            </p:pic>
+          </mc:Fallback>
+        </mc:AlternateContent>
+        <mc:AlternateContent xmlns:mc="http://schemas.openxmlformats.org/markup-compatibility/2006" xmlns:p14="http://schemas.microsoft.com/office/powerpoint/2010/main">
+          <mc:Choice Requires="p14">
+            <p:contentPart p14:bwMode="auto" r:id="rId16">
+              <p14:nvContentPartPr>
+                <p14:cNvPr id="5" name="Ink 4">
+                  <a:extLst>
+                    <a:ext uri="{FF2B5EF4-FFF2-40B4-BE49-F238E27FC236}">
+                      <a16:creationId xmlns:a16="http://schemas.microsoft.com/office/drawing/2014/main" id="{B57240C7-EF58-91A6-28C4-07352DCC9E5D}"/>
+                    </a:ext>
+                  </a:extLst>
+                </p14:cNvPr>
+                <p14:cNvContentPartPr/>
+                <p14:nvPr/>
+              </p14:nvContentPartPr>
+              <p14:xfrm>
+                <a:off x="1387824" y="4339007"/>
+                <a:ext cx="471960" cy="614160"/>
+              </p14:xfrm>
+            </p:contentPart>
+          </mc:Choice>
+          <mc:Fallback xmlns="">
+            <p:pic>
+              <p:nvPicPr>
+                <p:cNvPr id="5" name="Ink 4">
+                  <a:extLst>
+                    <a:ext uri="{FF2B5EF4-FFF2-40B4-BE49-F238E27FC236}">
+                      <a16:creationId xmlns:a16="http://schemas.microsoft.com/office/drawing/2014/main" id="{B57240C7-EF58-91A6-28C4-07352DCC9E5D}"/>
+                    </a:ext>
+                  </a:extLst>
+                </p:cNvPr>
+                <p:cNvPicPr/>
+                <p:nvPr/>
+              </p:nvPicPr>
+              <p:blipFill>
+                <a:blip r:embed="rId17"/>
+                <a:stretch>
+                  <a:fillRect/>
+                </a:stretch>
+              </p:blipFill>
+              <p:spPr>
+                <a:xfrm>
+                  <a:off x="1369824" y="4321007"/>
+                  <a:ext cx="507600" cy="649800"/>
+                </a:xfrm>
+                <a:prstGeom prst="rect">
+                  <a:avLst/>
+                </a:prstGeom>
+              </p:spPr>
+            </p:pic>
+          </mc:Fallback>
+        </mc:AlternateContent>
+        <mc:AlternateContent xmlns:mc="http://schemas.openxmlformats.org/markup-compatibility/2006" xmlns:p14="http://schemas.microsoft.com/office/powerpoint/2010/main">
+          <mc:Choice Requires="p14">
+            <p:contentPart p14:bwMode="auto" r:id="rId18">
+              <p14:nvContentPartPr>
+                <p14:cNvPr id="7" name="Ink 6">
+                  <a:extLst>
+                    <a:ext uri="{FF2B5EF4-FFF2-40B4-BE49-F238E27FC236}">
+                      <a16:creationId xmlns:a16="http://schemas.microsoft.com/office/drawing/2014/main" id="{3E389F3D-CB38-F6F0-ED86-EAA4DD30DDB9}"/>
+                    </a:ext>
+                  </a:extLst>
+                </p14:cNvPr>
+                <p14:cNvContentPartPr/>
+                <p14:nvPr/>
+              </p14:nvContentPartPr>
+              <p14:xfrm>
+                <a:off x="1913424" y="4409207"/>
+                <a:ext cx="566280" cy="528840"/>
+              </p14:xfrm>
+            </p:contentPart>
+          </mc:Choice>
+          <mc:Fallback xmlns="">
+            <p:pic>
+              <p:nvPicPr>
+                <p:cNvPr id="7" name="Ink 6">
+                  <a:extLst>
+                    <a:ext uri="{FF2B5EF4-FFF2-40B4-BE49-F238E27FC236}">
+                      <a16:creationId xmlns:a16="http://schemas.microsoft.com/office/drawing/2014/main" id="{3E389F3D-CB38-F6F0-ED86-EAA4DD30DDB9}"/>
+                    </a:ext>
+                  </a:extLst>
+                </p:cNvPr>
+                <p:cNvPicPr/>
+                <p:nvPr/>
+              </p:nvPicPr>
+              <p:blipFill>
+                <a:blip r:embed="rId19"/>
+                <a:stretch>
+                  <a:fillRect/>
+                </a:stretch>
+              </p:blipFill>
+              <p:spPr>
+                <a:xfrm>
+                  <a:off x="1895424" y="4391207"/>
+                  <a:ext cx="601920" cy="564480"/>
+                </a:xfrm>
+                <a:prstGeom prst="rect">
+                  <a:avLst/>
+                </a:prstGeom>
+              </p:spPr>
+            </p:pic>
+          </mc:Fallback>
+        </mc:AlternateContent>
+      </p:grpSp>
+    </p:spTree>
+    <p:extLst>
+      <p:ext uri="{BB962C8B-B14F-4D97-AF65-F5344CB8AC3E}">
+        <p14:creationId xmlns:p14="http://schemas.microsoft.com/office/powerpoint/2010/main" val="3345228518"/>
+      </p:ext>
+    </p:extLst>
+  </p:cSld>
+  <p:clrMapOvr>
+    <a:masterClrMapping/>
+  </p:clrMapOvr>
+  <p:timing>
+    <p:tnLst>
+      <p:par>
+        <p:cTn id="1" dur="indefinite" restart="never" nodeType="tmRoot">
+          <p:childTnLst>
+            <p:seq concurrent="1" nextAc="seek">
+              <p:cTn id="2" dur="indefinite" nodeType="mainSeq">
+                <p:childTnLst>
+                  <p:par>
+                    <p:cTn id="3" fill="hold">
+                      <p:stCondLst>
+                        <p:cond delay="indefinite"/>
+                      </p:stCondLst>
+                      <p:childTnLst>
+                        <p:par>
+                          <p:cTn id="4" fill="hold">
+                            <p:stCondLst>
+                              <p:cond delay="0"/>
+                            </p:stCondLst>
+                            <p:childTnLst>
+                              <p:par>
+                                <p:cTn id="5" presetID="63" presetClass="entr" presetSubtype="0" fill="hold" nodeType="clickEffect">
+                                  <p:stCondLst>
+                                    <p:cond delay="0"/>
+                                  </p:stCondLst>
+                                  <p:childTnLst>
+                                    <p:set>
+                                      <p:cBhvr>
+                                        <p:cTn id="6" dur="1" fill="hold">
+                                          <p:stCondLst>
+                                            <p:cond delay="0"/>
+                                          </p:stCondLst>
+                                        </p:cTn>
+                                        <p:tgtEl>
+                                          <p:spTgt spid="8"/>
+                                        </p:tgtEl>
+                                        <p:attrNameLst>
+                                          <p:attrName>style.visibility</p:attrName>
+                                        </p:attrNameLst>
+                                      </p:cBhvr>
+                                      <p:to>
+                                        <p:strVal val="visible"/>
+                                      </p:to>
+                                    </p:set>
+                                    <p:anim calcmode="lin" valueType="num">
+                                      <p:cBhvr>
+                                        <p:cTn id="7" dur="2000" fill="hold"/>
+                                        <p:tgtEl>
+                                          <p:spTgt spid="8"/>
+                                        </p:tgtEl>
+                                        <p:attrNameLst>
+                                          <p:attrName>drawProgress</p:attrName>
+                                        </p:attrNameLst>
+                                      </p:cBhvr>
+                                      <p:tavLst>
+                                        <p:tav tm="0">
+                                          <p:val>
+                                            <p:fltVal val="0"/>
+                                          </p:val>
+                                        </p:tav>
+                                        <p:tav tm="100000">
+                                          <p:val>
+                                            <p:fltVal val="1"/>
+                                          </p:val>
+                                        </p:tav>
+                                      </p:tavLst>
+                                    </p:anim>
+                                  </p:childTnLst>
+                                </p:cTn>
+                              </p:par>
+                            </p:childTnLst>
+                          </p:cTn>
+                        </p:par>
+                      </p:childTnLst>
+                    </p:cTn>
+                  </p:par>
+                </p:childTnLst>
+              </p:cTn>
+              <p:prevCondLst>
+                <p:cond evt="onPrev" delay="0">
+                  <p:tgtEl>
+                    <p:sldTgt/>
+                  </p:tgtEl>
+                </p:cond>
+              </p:prevCondLst>
+              <p:nextCondLst>
+                <p:cond evt="onNext" delay="0">
+                  <p:tgtEl>
+                    <p:sldTgt/>
+                  </p:tgtEl>
+                </p:cond>
+              </p:nextCondLst>
+            </p:seq>
+          </p:childTnLst>
+        </p:cTn>
+      </p:par>
+    </p:tnLst>
+  </p:timing>
+</p:sld>
+</file>
+
+<file path=ppt/slides/slide13.xml><?xml version="1.0" encoding="utf-8"?>
+<p:sld xmlns:a="http://schemas.openxmlformats.org/drawingml/2006/main" xmlns:r="http://schemas.openxmlformats.org/officeDocument/2006/relationships" xmlns:p="http://schemas.openxmlformats.org/presentationml/2006/main">
+  <p:cSld>
+    <p:spTree>
+      <p:nvGrpSpPr>
+        <p:cNvPr id="1" name=""/>
+        <p:cNvGrpSpPr/>
+        <p:nvPr/>
+      </p:nvGrpSpPr>
+      <p:grpSpPr>
+        <a:xfrm>
+          <a:off x="0" y="0"/>
+          <a:ext cx="0" cy="0"/>
+          <a:chOff x="0" y="0"/>
+          <a:chExt cx="0" cy="0"/>
+        </a:xfrm>
+      </p:grpSpPr>
+      <p:sp>
+        <p:nvSpPr>
+          <p:cNvPr id="2" name="Title 1">
+            <a:extLst>
+              <a:ext uri="{FF2B5EF4-FFF2-40B4-BE49-F238E27FC236}">
+                <a16:creationId xmlns:a16="http://schemas.microsoft.com/office/drawing/2014/main" id="{E1A3865C-84E8-5B7E-A5DE-2BC4937ED1EC}"/>
+              </a:ext>
+            </a:extLst>
+          </p:cNvPr>
+          <p:cNvSpPr>
+            <a:spLocks noGrp="1"/>
+          </p:cNvSpPr>
+          <p:nvPr>
+            <p:ph type="title"/>
+          </p:nvPr>
+        </p:nvSpPr>
+        <p:spPr/>
+        <p:txBody>
+          <a:bodyPr/>
+          <a:lstStyle/>
+          <a:p>
+            <a:r>
+              <a:rPr lang="en-US" dirty="0"/>
+              <a:t>Stacks</a:t>
+            </a:r>
+          </a:p>
+        </p:txBody>
+      </p:sp>
+      <p:sp>
+        <p:nvSpPr>
+          <p:cNvPr id="3" name="Content Placeholder 2">
+            <a:extLst>
+              <a:ext uri="{FF2B5EF4-FFF2-40B4-BE49-F238E27FC236}">
+                <a16:creationId xmlns:a16="http://schemas.microsoft.com/office/drawing/2014/main" id="{40EC14C3-A18F-122F-48E0-EC76FB6C9942}"/>
+              </a:ext>
+            </a:extLst>
+          </p:cNvPr>
+          <p:cNvSpPr>
+            <a:spLocks noGrp="1"/>
+          </p:cNvSpPr>
+          <p:nvPr>
+            <p:ph idx="1"/>
+          </p:nvPr>
+        </p:nvSpPr>
+        <p:spPr/>
+        <p:txBody>
+          <a:bodyPr/>
+          <a:lstStyle/>
+          <a:p>
+            <a:r>
+              <a:rPr lang="en-US" dirty="0"/>
+              <a:t>For C++ Programming:</a:t>
+            </a:r>
+          </a:p>
+        </p:txBody>
+      </p:sp>
+      <p:grpSp>
+        <p:nvGrpSpPr>
+          <p:cNvPr id="17" name="Group 16">
+            <a:extLst>
+              <a:ext uri="{FF2B5EF4-FFF2-40B4-BE49-F238E27FC236}">
+                <a16:creationId xmlns:a16="http://schemas.microsoft.com/office/drawing/2014/main" id="{83D9310B-1981-6278-D2DF-083437CB4A47}"/>
+              </a:ext>
+            </a:extLst>
+          </p:cNvPr>
+          <p:cNvGrpSpPr/>
+          <p:nvPr/>
+        </p:nvGrpSpPr>
+        <p:grpSpPr>
+          <a:xfrm>
+            <a:off x="1076784" y="5214167"/>
+            <a:ext cx="1684440" cy="817200"/>
+            <a:chOff x="1076784" y="5214167"/>
+            <a:chExt cx="1684440" cy="817200"/>
+          </a:xfrm>
+        </p:grpSpPr>
+        <mc:AlternateContent xmlns:mc="http://schemas.openxmlformats.org/markup-compatibility/2006" xmlns:p14="http://schemas.microsoft.com/office/powerpoint/2010/main">
+          <mc:Choice Requires="p14">
+            <p:contentPart p14:bwMode="auto" r:id="rId2">
+              <p14:nvContentPartPr>
+                <p14:cNvPr id="11" name="Ink 10">
+                  <a:extLst>
+                    <a:ext uri="{FF2B5EF4-FFF2-40B4-BE49-F238E27FC236}">
+                      <a16:creationId xmlns:a16="http://schemas.microsoft.com/office/drawing/2014/main" id="{DA11823E-DF21-6BE2-F6DE-DC157E98F160}"/>
+                    </a:ext>
+                  </a:extLst>
+                </p14:cNvPr>
+                <p14:cNvContentPartPr/>
+                <p14:nvPr/>
+              </p14:nvContentPartPr>
+              <p14:xfrm>
+                <a:off x="1076784" y="5214167"/>
+                <a:ext cx="1684440" cy="817200"/>
+              </p14:xfrm>
+            </p:contentPart>
+          </mc:Choice>
+          <mc:Fallback xmlns="">
+            <p:pic>
+              <p:nvPicPr>
+                <p:cNvPr id="11" name="Ink 10">
+                  <a:extLst>
+                    <a:ext uri="{FF2B5EF4-FFF2-40B4-BE49-F238E27FC236}">
+                      <a16:creationId xmlns:a16="http://schemas.microsoft.com/office/drawing/2014/main" id="{DA11823E-DF21-6BE2-F6DE-DC157E98F160}"/>
+                    </a:ext>
+                  </a:extLst>
+                </p:cNvPr>
+                <p:cNvPicPr/>
+                <p:nvPr/>
+              </p:nvPicPr>
+              <p:blipFill>
+                <a:blip r:embed="rId3"/>
+                <a:stretch>
+                  <a:fillRect/>
+                </a:stretch>
+              </p:blipFill>
+              <p:spPr>
+                <a:xfrm>
+                  <a:off x="1058784" y="5196167"/>
+                  <a:ext cx="1720080" cy="852840"/>
+                </a:xfrm>
+                <a:prstGeom prst="rect">
+                  <a:avLst/>
+                </a:prstGeom>
+              </p:spPr>
+            </p:pic>
+          </mc:Fallback>
+        </mc:AlternateContent>
+        <mc:AlternateContent xmlns:mc="http://schemas.openxmlformats.org/markup-compatibility/2006" xmlns:p14="http://schemas.microsoft.com/office/powerpoint/2010/main">
+          <mc:Choice Requires="p14">
+            <p:contentPart p14:bwMode="auto" r:id="rId4">
+              <p14:nvContentPartPr>
+                <p14:cNvPr id="12" name="Ink 11">
+                  <a:extLst>
+                    <a:ext uri="{FF2B5EF4-FFF2-40B4-BE49-F238E27FC236}">
+                      <a16:creationId xmlns:a16="http://schemas.microsoft.com/office/drawing/2014/main" id="{BD6176FD-F539-2857-BC09-A93E0C8BA0DC}"/>
+                    </a:ext>
+                  </a:extLst>
+                </p14:cNvPr>
+                <p14:cNvContentPartPr/>
+                <p14:nvPr/>
+              </p14:nvContentPartPr>
+              <p14:xfrm>
+                <a:off x="1350024" y="5343047"/>
+                <a:ext cx="254160" cy="299160"/>
+              </p14:xfrm>
+            </p:contentPart>
+          </mc:Choice>
+          <mc:Fallback xmlns="">
+            <p:pic>
+              <p:nvPicPr>
+                <p:cNvPr id="12" name="Ink 11">
+                  <a:extLst>
+                    <a:ext uri="{FF2B5EF4-FFF2-40B4-BE49-F238E27FC236}">
+                      <a16:creationId xmlns:a16="http://schemas.microsoft.com/office/drawing/2014/main" id="{BD6176FD-F539-2857-BC09-A93E0C8BA0DC}"/>
+                    </a:ext>
+                  </a:extLst>
+                </p:cNvPr>
+                <p:cNvPicPr/>
+                <p:nvPr/>
+              </p:nvPicPr>
+              <p:blipFill>
+                <a:blip r:embed="rId5"/>
+                <a:stretch>
+                  <a:fillRect/>
+                </a:stretch>
+              </p:blipFill>
+              <p:spPr>
+                <a:xfrm>
+                  <a:off x="1331998" y="5325047"/>
+                  <a:ext cx="289851" cy="334800"/>
+                </a:xfrm>
+                <a:prstGeom prst="rect">
+                  <a:avLst/>
+                </a:prstGeom>
+              </p:spPr>
+            </p:pic>
+          </mc:Fallback>
+        </mc:AlternateContent>
+        <mc:AlternateContent xmlns:mc="http://schemas.openxmlformats.org/markup-compatibility/2006" xmlns:p14="http://schemas.microsoft.com/office/powerpoint/2010/main">
+          <mc:Choice Requires="p14">
+            <p:contentPart p14:bwMode="auto" r:id="rId6">
+              <p14:nvContentPartPr>
+                <p14:cNvPr id="13" name="Ink 12">
+                  <a:extLst>
+                    <a:ext uri="{FF2B5EF4-FFF2-40B4-BE49-F238E27FC236}">
+                      <a16:creationId xmlns:a16="http://schemas.microsoft.com/office/drawing/2014/main" id="{45E19B1D-0AF0-5BEA-8993-2C04990F10D4}"/>
+                    </a:ext>
+                  </a:extLst>
+                </p14:cNvPr>
+                <p14:cNvContentPartPr/>
+                <p14:nvPr/>
+              </p14:nvContentPartPr>
+              <p14:xfrm>
+                <a:off x="1601664" y="5354207"/>
+                <a:ext cx="95400" cy="437760"/>
+              </p14:xfrm>
+            </p:contentPart>
+          </mc:Choice>
+          <mc:Fallback xmlns="">
+            <p:pic>
+              <p:nvPicPr>
+                <p:cNvPr id="13" name="Ink 12">
+                  <a:extLst>
+                    <a:ext uri="{FF2B5EF4-FFF2-40B4-BE49-F238E27FC236}">
+                      <a16:creationId xmlns:a16="http://schemas.microsoft.com/office/drawing/2014/main" id="{45E19B1D-0AF0-5BEA-8993-2C04990F10D4}"/>
+                    </a:ext>
+                  </a:extLst>
+                </p:cNvPr>
+                <p:cNvPicPr/>
+                <p:nvPr/>
+              </p:nvPicPr>
+              <p:blipFill>
+                <a:blip r:embed="rId7"/>
+                <a:stretch>
+                  <a:fillRect/>
+                </a:stretch>
+              </p:blipFill>
+              <p:spPr>
+                <a:xfrm>
+                  <a:off x="1583664" y="5336207"/>
+                  <a:ext cx="131040" cy="473400"/>
+                </a:xfrm>
+                <a:prstGeom prst="rect">
+                  <a:avLst/>
+                </a:prstGeom>
+              </p:spPr>
+            </p:pic>
+          </mc:Fallback>
+        </mc:AlternateContent>
+        <mc:AlternateContent xmlns:mc="http://schemas.openxmlformats.org/markup-compatibility/2006" xmlns:p14="http://schemas.microsoft.com/office/powerpoint/2010/main">
+          <mc:Choice Requires="p14">
+            <p:contentPart p14:bwMode="auto" r:id="rId8">
+              <p14:nvContentPartPr>
+                <p14:cNvPr id="14" name="Ink 13">
+                  <a:extLst>
+                    <a:ext uri="{FF2B5EF4-FFF2-40B4-BE49-F238E27FC236}">
+                      <a16:creationId xmlns:a16="http://schemas.microsoft.com/office/drawing/2014/main" id="{5B96F015-C980-BDA8-488F-35D451DDB64A}"/>
+                    </a:ext>
+                  </a:extLst>
+                </p14:cNvPr>
+                <p14:cNvContentPartPr/>
+                <p14:nvPr/>
+              </p14:nvContentPartPr>
+              <p14:xfrm>
+                <a:off x="1673304" y="5438807"/>
+                <a:ext cx="290880" cy="213480"/>
+              </p14:xfrm>
+            </p:contentPart>
+          </mc:Choice>
+          <mc:Fallback xmlns="">
+            <p:pic>
+              <p:nvPicPr>
+                <p:cNvPr id="14" name="Ink 13">
+                  <a:extLst>
+                    <a:ext uri="{FF2B5EF4-FFF2-40B4-BE49-F238E27FC236}">
+                      <a16:creationId xmlns:a16="http://schemas.microsoft.com/office/drawing/2014/main" id="{5B96F015-C980-BDA8-488F-35D451DDB64A}"/>
+                    </a:ext>
+                  </a:extLst>
+                </p:cNvPr>
+                <p:cNvPicPr/>
+                <p:nvPr/>
+              </p:nvPicPr>
+              <p:blipFill>
+                <a:blip r:embed="rId9"/>
+                <a:stretch>
+                  <a:fillRect/>
+                </a:stretch>
+              </p:blipFill>
+              <p:spPr>
+                <a:xfrm>
+                  <a:off x="1655304" y="5420837"/>
+                  <a:ext cx="326520" cy="249060"/>
+                </a:xfrm>
+                <a:prstGeom prst="rect">
+                  <a:avLst/>
+                </a:prstGeom>
+              </p:spPr>
+            </p:pic>
+          </mc:Fallback>
+        </mc:AlternateContent>
+        <mc:AlternateContent xmlns:mc="http://schemas.openxmlformats.org/markup-compatibility/2006" xmlns:p14="http://schemas.microsoft.com/office/powerpoint/2010/main">
+          <mc:Choice Requires="p14">
+            <p:contentPart p14:bwMode="auto" r:id="rId10">
+              <p14:nvContentPartPr>
+                <p14:cNvPr id="15" name="Ink 14">
+                  <a:extLst>
+                    <a:ext uri="{FF2B5EF4-FFF2-40B4-BE49-F238E27FC236}">
+                      <a16:creationId xmlns:a16="http://schemas.microsoft.com/office/drawing/2014/main" id="{96085239-56B9-25C6-524D-CDAB1A9046C2}"/>
+                    </a:ext>
+                  </a:extLst>
+                </p14:cNvPr>
+                <p14:cNvContentPartPr/>
+                <p14:nvPr/>
+              </p14:nvContentPartPr>
+              <p14:xfrm>
+                <a:off x="2217984" y="5431967"/>
+                <a:ext cx="29160" cy="360"/>
+              </p14:xfrm>
+            </p:contentPart>
+          </mc:Choice>
+          <mc:Fallback xmlns="">
+            <p:pic>
+              <p:nvPicPr>
+                <p:cNvPr id="15" name="Ink 14">
+                  <a:extLst>
+                    <a:ext uri="{FF2B5EF4-FFF2-40B4-BE49-F238E27FC236}">
+                      <a16:creationId xmlns:a16="http://schemas.microsoft.com/office/drawing/2014/main" id="{96085239-56B9-25C6-524D-CDAB1A9046C2}"/>
+                    </a:ext>
+                  </a:extLst>
+                </p:cNvPr>
+                <p:cNvPicPr/>
+                <p:nvPr/>
+              </p:nvPicPr>
+              <p:blipFill>
+                <a:blip r:embed="rId11"/>
+                <a:stretch>
+                  <a:fillRect/>
+                </a:stretch>
+              </p:blipFill>
+              <p:spPr>
+                <a:xfrm>
+                  <a:off x="2199984" y="5413967"/>
+                  <a:ext cx="64800" cy="36000"/>
+                </a:xfrm>
+                <a:prstGeom prst="rect">
+                  <a:avLst/>
+                </a:prstGeom>
+              </p:spPr>
+            </p:pic>
+          </mc:Fallback>
+        </mc:AlternateContent>
+        <mc:AlternateContent xmlns:mc="http://schemas.openxmlformats.org/markup-compatibility/2006" xmlns:p14="http://schemas.microsoft.com/office/powerpoint/2010/main">
+          <mc:Choice Requires="p14">
+            <p:contentPart p14:bwMode="auto" r:id="rId12">
+              <p14:nvContentPartPr>
+                <p14:cNvPr id="16" name="Ink 15">
+                  <a:extLst>
+                    <a:ext uri="{FF2B5EF4-FFF2-40B4-BE49-F238E27FC236}">
+                      <a16:creationId xmlns:a16="http://schemas.microsoft.com/office/drawing/2014/main" id="{FFEDC5F0-25BC-3DFA-D5CD-F4E405349BFC}"/>
+                    </a:ext>
+                  </a:extLst>
+                </p14:cNvPr>
+                <p14:cNvContentPartPr/>
+                <p14:nvPr/>
+              </p14:nvContentPartPr>
+              <p14:xfrm>
+                <a:off x="2175864" y="5431247"/>
+                <a:ext cx="288720" cy="390600"/>
+              </p14:xfrm>
+            </p:contentPart>
+          </mc:Choice>
+          <mc:Fallback xmlns="">
+            <p:pic>
+              <p:nvPicPr>
+                <p:cNvPr id="16" name="Ink 15">
+                  <a:extLst>
+                    <a:ext uri="{FF2B5EF4-FFF2-40B4-BE49-F238E27FC236}">
+                      <a16:creationId xmlns:a16="http://schemas.microsoft.com/office/drawing/2014/main" id="{FFEDC5F0-25BC-3DFA-D5CD-F4E405349BFC}"/>
+                    </a:ext>
+                  </a:extLst>
+                </p:cNvPr>
+                <p:cNvPicPr/>
+                <p:nvPr/>
+              </p:nvPicPr>
+              <p:blipFill>
+                <a:blip r:embed="rId13"/>
+                <a:stretch>
+                  <a:fillRect/>
+                </a:stretch>
+              </p:blipFill>
+              <p:spPr>
+                <a:xfrm>
+                  <a:off x="2157864" y="5413247"/>
+                  <a:ext cx="324360" cy="426240"/>
+                </a:xfrm>
+                <a:prstGeom prst="rect">
+                  <a:avLst/>
+                </a:prstGeom>
+              </p:spPr>
+            </p:pic>
+          </mc:Fallback>
+        </mc:AlternateContent>
+      </p:grpSp>
+      <p:grpSp>
+        <p:nvGrpSpPr>
+          <p:cNvPr id="8" name="Group 7">
+            <a:extLst>
+              <a:ext uri="{FF2B5EF4-FFF2-40B4-BE49-F238E27FC236}">
+                <a16:creationId xmlns:a16="http://schemas.microsoft.com/office/drawing/2014/main" id="{8830F95B-826A-2358-4E5D-9FECF9BE1DC5}"/>
+              </a:ext>
+            </a:extLst>
+          </p:cNvPr>
+          <p:cNvGrpSpPr/>
+          <p:nvPr/>
+        </p:nvGrpSpPr>
+        <p:grpSpPr>
+          <a:xfrm>
+            <a:off x="1154904" y="4152887"/>
+            <a:ext cx="1622880" cy="914400"/>
+            <a:chOff x="1154904" y="4152887"/>
+            <a:chExt cx="1622880" cy="914400"/>
+          </a:xfrm>
+        </p:grpSpPr>
+        <mc:AlternateContent xmlns:mc="http://schemas.openxmlformats.org/markup-compatibility/2006" xmlns:p14="http://schemas.microsoft.com/office/powerpoint/2010/main">
+          <mc:Choice Requires="p14">
+            <p:contentPart p14:bwMode="auto" r:id="rId14">
+              <p14:nvContentPartPr>
+                <p14:cNvPr id="4" name="Ink 3">
+                  <a:extLst>
+                    <a:ext uri="{FF2B5EF4-FFF2-40B4-BE49-F238E27FC236}">
+                      <a16:creationId xmlns:a16="http://schemas.microsoft.com/office/drawing/2014/main" id="{652FCA8E-E127-7E98-4F71-98775FFAE66A}"/>
+                    </a:ext>
+                  </a:extLst>
+                </p14:cNvPr>
+                <p14:cNvContentPartPr/>
+                <p14:nvPr/>
+              </p14:nvContentPartPr>
+              <p14:xfrm>
+                <a:off x="1154904" y="4152887"/>
+                <a:ext cx="1622880" cy="914400"/>
+              </p14:xfrm>
+            </p:contentPart>
+          </mc:Choice>
+          <mc:Fallback xmlns="">
+            <p:pic>
+              <p:nvPicPr>
+                <p:cNvPr id="4" name="Ink 3">
+                  <a:extLst>
+                    <a:ext uri="{FF2B5EF4-FFF2-40B4-BE49-F238E27FC236}">
+                      <a16:creationId xmlns:a16="http://schemas.microsoft.com/office/drawing/2014/main" id="{652FCA8E-E127-7E98-4F71-98775FFAE66A}"/>
+                    </a:ext>
+                  </a:extLst>
+                </p:cNvPr>
+                <p:cNvPicPr/>
+                <p:nvPr/>
+              </p:nvPicPr>
+              <p:blipFill>
+                <a:blip r:embed="rId15"/>
+                <a:stretch>
+                  <a:fillRect/>
+                </a:stretch>
+              </p:blipFill>
+              <p:spPr>
+                <a:xfrm>
+                  <a:off x="1136904" y="4134887"/>
+                  <a:ext cx="1658520" cy="950040"/>
+                </a:xfrm>
+                <a:prstGeom prst="rect">
+                  <a:avLst/>
+                </a:prstGeom>
+              </p:spPr>
+            </p:pic>
+          </mc:Fallback>
+        </mc:AlternateContent>
+        <mc:AlternateContent xmlns:mc="http://schemas.openxmlformats.org/markup-compatibility/2006" xmlns:p14="http://schemas.microsoft.com/office/powerpoint/2010/main">
+          <mc:Choice Requires="p14">
+            <p:contentPart p14:bwMode="auto" r:id="rId16">
+              <p14:nvContentPartPr>
+                <p14:cNvPr id="5" name="Ink 4">
+                  <a:extLst>
+                    <a:ext uri="{FF2B5EF4-FFF2-40B4-BE49-F238E27FC236}">
+                      <a16:creationId xmlns:a16="http://schemas.microsoft.com/office/drawing/2014/main" id="{B57240C7-EF58-91A6-28C4-07352DCC9E5D}"/>
+                    </a:ext>
+                  </a:extLst>
+                </p14:cNvPr>
+                <p14:cNvContentPartPr/>
+                <p14:nvPr/>
+              </p14:nvContentPartPr>
+              <p14:xfrm>
+                <a:off x="1387824" y="4339007"/>
+                <a:ext cx="471960" cy="614160"/>
+              </p14:xfrm>
+            </p:contentPart>
+          </mc:Choice>
+          <mc:Fallback xmlns="">
+            <p:pic>
+              <p:nvPicPr>
+                <p:cNvPr id="5" name="Ink 4">
+                  <a:extLst>
+                    <a:ext uri="{FF2B5EF4-FFF2-40B4-BE49-F238E27FC236}">
+                      <a16:creationId xmlns:a16="http://schemas.microsoft.com/office/drawing/2014/main" id="{B57240C7-EF58-91A6-28C4-07352DCC9E5D}"/>
+                    </a:ext>
+                  </a:extLst>
+                </p:cNvPr>
+                <p:cNvPicPr/>
+                <p:nvPr/>
+              </p:nvPicPr>
+              <p:blipFill>
+                <a:blip r:embed="rId17"/>
+                <a:stretch>
+                  <a:fillRect/>
+                </a:stretch>
+              </p:blipFill>
+              <p:spPr>
+                <a:xfrm>
+                  <a:off x="1369824" y="4321007"/>
+                  <a:ext cx="507600" cy="649800"/>
+                </a:xfrm>
+                <a:prstGeom prst="rect">
+                  <a:avLst/>
+                </a:prstGeom>
+              </p:spPr>
+            </p:pic>
+          </mc:Fallback>
+        </mc:AlternateContent>
+        <mc:AlternateContent xmlns:mc="http://schemas.openxmlformats.org/markup-compatibility/2006" xmlns:p14="http://schemas.microsoft.com/office/powerpoint/2010/main">
+          <mc:Choice Requires="p14">
+            <p:contentPart p14:bwMode="auto" r:id="rId18">
+              <p14:nvContentPartPr>
+                <p14:cNvPr id="7" name="Ink 6">
+                  <a:extLst>
+                    <a:ext uri="{FF2B5EF4-FFF2-40B4-BE49-F238E27FC236}">
+                      <a16:creationId xmlns:a16="http://schemas.microsoft.com/office/drawing/2014/main" id="{3E389F3D-CB38-F6F0-ED86-EAA4DD30DDB9}"/>
+                    </a:ext>
+                  </a:extLst>
+                </p14:cNvPr>
+                <p14:cNvContentPartPr/>
+                <p14:nvPr/>
+              </p14:nvContentPartPr>
+              <p14:xfrm>
+                <a:off x="1913424" y="4409207"/>
+                <a:ext cx="566280" cy="528840"/>
+              </p14:xfrm>
+            </p:contentPart>
+          </mc:Choice>
+          <mc:Fallback xmlns="">
+            <p:pic>
+              <p:nvPicPr>
+                <p:cNvPr id="7" name="Ink 6">
+                  <a:extLst>
+                    <a:ext uri="{FF2B5EF4-FFF2-40B4-BE49-F238E27FC236}">
+                      <a16:creationId xmlns:a16="http://schemas.microsoft.com/office/drawing/2014/main" id="{3E389F3D-CB38-F6F0-ED86-EAA4DD30DDB9}"/>
+                    </a:ext>
+                  </a:extLst>
+                </p:cNvPr>
+                <p:cNvPicPr/>
+                <p:nvPr/>
+              </p:nvPicPr>
+              <p:blipFill>
+                <a:blip r:embed="rId19"/>
+                <a:stretch>
+                  <a:fillRect/>
+                </a:stretch>
+              </p:blipFill>
+              <p:spPr>
+                <a:xfrm>
+                  <a:off x="1895435" y="4391219"/>
+                  <a:ext cx="601897" cy="564456"/>
+                </a:xfrm>
+                <a:prstGeom prst="rect">
+                  <a:avLst/>
+                </a:prstGeom>
+              </p:spPr>
+            </p:pic>
+          </mc:Fallback>
+        </mc:AlternateContent>
+      </p:grpSp>
+      <p:grpSp>
+        <p:nvGrpSpPr>
+          <p:cNvPr id="31" name="Group 30">
+            <a:extLst>
+              <a:ext uri="{FF2B5EF4-FFF2-40B4-BE49-F238E27FC236}">
+                <a16:creationId xmlns:a16="http://schemas.microsoft.com/office/drawing/2014/main" id="{1D2C20F8-E23C-A01C-72F2-A9D0D04DA7D5}"/>
+              </a:ext>
+            </a:extLst>
+          </p:cNvPr>
+          <p:cNvGrpSpPr/>
+          <p:nvPr/>
+        </p:nvGrpSpPr>
+        <p:grpSpPr>
+          <a:xfrm>
+            <a:off x="996864" y="3160727"/>
+            <a:ext cx="2823480" cy="978840"/>
+            <a:chOff x="996864" y="3160727"/>
+            <a:chExt cx="2823480" cy="978840"/>
+          </a:xfrm>
+        </p:grpSpPr>
+        <mc:AlternateContent xmlns:mc="http://schemas.openxmlformats.org/markup-compatibility/2006" xmlns:p14="http://schemas.microsoft.com/office/powerpoint/2010/main">
+          <mc:Choice Requires="p14">
+            <p:contentPart p14:bwMode="auto" r:id="rId20">
+              <p14:nvContentPartPr>
+                <p14:cNvPr id="6" name="Ink 5">
+                  <a:extLst>
+                    <a:ext uri="{FF2B5EF4-FFF2-40B4-BE49-F238E27FC236}">
+                      <a16:creationId xmlns:a16="http://schemas.microsoft.com/office/drawing/2014/main" id="{214ED110-CF34-262B-EA35-7AB3509EEACC}"/>
+                    </a:ext>
+                  </a:extLst>
+                </p14:cNvPr>
+                <p14:cNvContentPartPr/>
+                <p14:nvPr/>
+              </p14:nvContentPartPr>
+              <p14:xfrm>
+                <a:off x="1216104" y="3370607"/>
+                <a:ext cx="194760" cy="205200"/>
+              </p14:xfrm>
+            </p:contentPart>
+          </mc:Choice>
+          <mc:Fallback xmlns="">
+            <p:pic>
+              <p:nvPicPr>
+                <p:cNvPr id="6" name="Ink 5">
+                  <a:extLst>
+                    <a:ext uri="{FF2B5EF4-FFF2-40B4-BE49-F238E27FC236}">
+                      <a16:creationId xmlns:a16="http://schemas.microsoft.com/office/drawing/2014/main" id="{214ED110-CF34-262B-EA35-7AB3509EEACC}"/>
+                    </a:ext>
+                  </a:extLst>
+                </p:cNvPr>
+                <p:cNvPicPr/>
+                <p:nvPr/>
+              </p:nvPicPr>
+              <p:blipFill>
+                <a:blip r:embed="rId21"/>
+                <a:stretch>
+                  <a:fillRect/>
+                </a:stretch>
+              </p:blipFill>
+              <p:spPr>
+                <a:xfrm>
+                  <a:off x="1198464" y="3352607"/>
+                  <a:ext cx="230400" cy="240840"/>
+                </a:xfrm>
+                <a:prstGeom prst="rect">
+                  <a:avLst/>
+                </a:prstGeom>
+              </p:spPr>
+            </p:pic>
+          </mc:Fallback>
+        </mc:AlternateContent>
+        <mc:AlternateContent xmlns:mc="http://schemas.openxmlformats.org/markup-compatibility/2006" xmlns:p14="http://schemas.microsoft.com/office/powerpoint/2010/main">
+          <mc:Choice Requires="p14">
+            <p:contentPart p14:bwMode="auto" r:id="rId22">
+              <p14:nvContentPartPr>
+                <p14:cNvPr id="9" name="Ink 8">
+                  <a:extLst>
+                    <a:ext uri="{FF2B5EF4-FFF2-40B4-BE49-F238E27FC236}">
+                      <a16:creationId xmlns:a16="http://schemas.microsoft.com/office/drawing/2014/main" id="{02E0492E-BBD8-493A-4D0F-CAC102D97B73}"/>
+                    </a:ext>
+                  </a:extLst>
+                </p14:cNvPr>
+                <p14:cNvContentPartPr/>
+                <p14:nvPr/>
+              </p14:nvContentPartPr>
+              <p14:xfrm>
+                <a:off x="1254984" y="3579767"/>
+                <a:ext cx="16560" cy="210600"/>
+              </p14:xfrm>
+            </p:contentPart>
+          </mc:Choice>
+          <mc:Fallback xmlns="">
+            <p:pic>
+              <p:nvPicPr>
+                <p:cNvPr id="9" name="Ink 8">
+                  <a:extLst>
+                    <a:ext uri="{FF2B5EF4-FFF2-40B4-BE49-F238E27FC236}">
+                      <a16:creationId xmlns:a16="http://schemas.microsoft.com/office/drawing/2014/main" id="{02E0492E-BBD8-493A-4D0F-CAC102D97B73}"/>
+                    </a:ext>
+                  </a:extLst>
+                </p:cNvPr>
+                <p:cNvPicPr/>
+                <p:nvPr/>
+              </p:nvPicPr>
+              <p:blipFill>
+                <a:blip r:embed="rId23"/>
+                <a:stretch>
+                  <a:fillRect/>
+                </a:stretch>
+              </p:blipFill>
+              <p:spPr>
+                <a:xfrm>
+                  <a:off x="1236984" y="3562127"/>
+                  <a:ext cx="52200" cy="246240"/>
+                </a:xfrm>
+                <a:prstGeom prst="rect">
+                  <a:avLst/>
+                </a:prstGeom>
+              </p:spPr>
+            </p:pic>
+          </mc:Fallback>
+        </mc:AlternateContent>
+        <mc:AlternateContent xmlns:mc="http://schemas.openxmlformats.org/markup-compatibility/2006" xmlns:p14="http://schemas.microsoft.com/office/powerpoint/2010/main">
+          <mc:Choice Requires="p14">
+            <p:contentPart p14:bwMode="auto" r:id="rId24">
+              <p14:nvContentPartPr>
+                <p14:cNvPr id="10" name="Ink 9">
+                  <a:extLst>
+                    <a:ext uri="{FF2B5EF4-FFF2-40B4-BE49-F238E27FC236}">
+                      <a16:creationId xmlns:a16="http://schemas.microsoft.com/office/drawing/2014/main" id="{4B4391B2-DB82-190F-3D62-6D22E0FC1E6C}"/>
+                    </a:ext>
+                  </a:extLst>
+                </p14:cNvPr>
+                <p14:cNvContentPartPr/>
+                <p14:nvPr/>
+              </p14:nvContentPartPr>
+              <p14:xfrm>
+                <a:off x="1377024" y="3580487"/>
+                <a:ext cx="131040" cy="183960"/>
+              </p14:xfrm>
+            </p:contentPart>
+          </mc:Choice>
+          <mc:Fallback xmlns="">
+            <p:pic>
+              <p:nvPicPr>
+                <p:cNvPr id="10" name="Ink 9">
+                  <a:extLst>
+                    <a:ext uri="{FF2B5EF4-FFF2-40B4-BE49-F238E27FC236}">
+                      <a16:creationId xmlns:a16="http://schemas.microsoft.com/office/drawing/2014/main" id="{4B4391B2-DB82-190F-3D62-6D22E0FC1E6C}"/>
+                    </a:ext>
+                  </a:extLst>
+                </p:cNvPr>
+                <p:cNvPicPr/>
+                <p:nvPr/>
+              </p:nvPicPr>
+              <p:blipFill>
+                <a:blip r:embed="rId25"/>
+                <a:stretch>
+                  <a:fillRect/>
+                </a:stretch>
+              </p:blipFill>
+              <p:spPr>
+                <a:xfrm>
+                  <a:off x="1359384" y="3562847"/>
+                  <a:ext cx="166680" cy="219600"/>
+                </a:xfrm>
+                <a:prstGeom prst="rect">
+                  <a:avLst/>
+                </a:prstGeom>
+              </p:spPr>
+            </p:pic>
+          </mc:Fallback>
+        </mc:AlternateContent>
+        <mc:AlternateContent xmlns:mc="http://schemas.openxmlformats.org/markup-compatibility/2006" xmlns:p14="http://schemas.microsoft.com/office/powerpoint/2010/main">
+          <mc:Choice Requires="p14">
+            <p:contentPart p14:bwMode="auto" r:id="rId26">
+              <p14:nvContentPartPr>
+                <p14:cNvPr id="18" name="Ink 17">
+                  <a:extLst>
+                    <a:ext uri="{FF2B5EF4-FFF2-40B4-BE49-F238E27FC236}">
+                      <a16:creationId xmlns:a16="http://schemas.microsoft.com/office/drawing/2014/main" id="{A05FC516-5059-E101-B14F-EC29175D9EF0}"/>
+                    </a:ext>
+                  </a:extLst>
+                </p14:cNvPr>
+                <p14:cNvContentPartPr/>
+                <p14:nvPr/>
+              </p14:nvContentPartPr>
+              <p14:xfrm>
+                <a:off x="1572864" y="3564287"/>
+                <a:ext cx="116640" cy="172800"/>
+              </p14:xfrm>
+            </p:contentPart>
+          </mc:Choice>
+          <mc:Fallback xmlns="">
+            <p:pic>
+              <p:nvPicPr>
+                <p:cNvPr id="18" name="Ink 17">
+                  <a:extLst>
+                    <a:ext uri="{FF2B5EF4-FFF2-40B4-BE49-F238E27FC236}">
+                      <a16:creationId xmlns:a16="http://schemas.microsoft.com/office/drawing/2014/main" id="{A05FC516-5059-E101-B14F-EC29175D9EF0}"/>
+                    </a:ext>
+                  </a:extLst>
+                </p:cNvPr>
+                <p:cNvPicPr/>
+                <p:nvPr/>
+              </p:nvPicPr>
+              <p:blipFill>
+                <a:blip r:embed="rId27"/>
+                <a:stretch>
+                  <a:fillRect/>
+                </a:stretch>
+              </p:blipFill>
+              <p:spPr>
+                <a:xfrm>
+                  <a:off x="1554864" y="3546647"/>
+                  <a:ext cx="152280" cy="208440"/>
+                </a:xfrm>
+                <a:prstGeom prst="rect">
+                  <a:avLst/>
+                </a:prstGeom>
+              </p:spPr>
+            </p:pic>
+          </mc:Fallback>
+        </mc:AlternateContent>
+        <mc:AlternateContent xmlns:mc="http://schemas.openxmlformats.org/markup-compatibility/2006" xmlns:p14="http://schemas.microsoft.com/office/powerpoint/2010/main">
+          <mc:Choice Requires="p14">
+            <p:contentPart p14:bwMode="auto" r:id="rId28">
+              <p14:nvContentPartPr>
+                <p14:cNvPr id="19" name="Ink 18">
+                  <a:extLst>
+                    <a:ext uri="{FF2B5EF4-FFF2-40B4-BE49-F238E27FC236}">
+                      <a16:creationId xmlns:a16="http://schemas.microsoft.com/office/drawing/2014/main" id="{74194FA9-4EAD-65E0-F31E-C74C98A7F4FC}"/>
+                    </a:ext>
+                  </a:extLst>
+                </p14:cNvPr>
+                <p14:cNvContentPartPr/>
+                <p14:nvPr/>
+              </p14:nvContentPartPr>
+              <p14:xfrm>
+                <a:off x="1758264" y="3571847"/>
+                <a:ext cx="118440" cy="157680"/>
+              </p14:xfrm>
+            </p:contentPart>
+          </mc:Choice>
+          <mc:Fallback xmlns="">
+            <p:pic>
+              <p:nvPicPr>
+                <p:cNvPr id="19" name="Ink 18">
+                  <a:extLst>
+                    <a:ext uri="{FF2B5EF4-FFF2-40B4-BE49-F238E27FC236}">
+                      <a16:creationId xmlns:a16="http://schemas.microsoft.com/office/drawing/2014/main" id="{74194FA9-4EAD-65E0-F31E-C74C98A7F4FC}"/>
+                    </a:ext>
+                  </a:extLst>
+                </p:cNvPr>
+                <p:cNvPicPr/>
+                <p:nvPr/>
+              </p:nvPicPr>
+              <p:blipFill>
+                <a:blip r:embed="rId29"/>
+                <a:stretch>
+                  <a:fillRect/>
+                </a:stretch>
+              </p:blipFill>
+              <p:spPr>
+                <a:xfrm>
+                  <a:off x="1740264" y="3554207"/>
+                  <a:ext cx="154080" cy="193320"/>
+                </a:xfrm>
+                <a:prstGeom prst="rect">
+                  <a:avLst/>
+                </a:prstGeom>
+              </p:spPr>
+            </p:pic>
+          </mc:Fallback>
+        </mc:AlternateContent>
+        <mc:AlternateContent xmlns:mc="http://schemas.openxmlformats.org/markup-compatibility/2006" xmlns:p14="http://schemas.microsoft.com/office/powerpoint/2010/main">
+          <mc:Choice Requires="p14">
+            <p:contentPart p14:bwMode="auto" r:id="rId30">
+              <p14:nvContentPartPr>
+                <p14:cNvPr id="20" name="Ink 19">
+                  <a:extLst>
+                    <a:ext uri="{FF2B5EF4-FFF2-40B4-BE49-F238E27FC236}">
+                      <a16:creationId xmlns:a16="http://schemas.microsoft.com/office/drawing/2014/main" id="{6F58FEB6-2ED6-886A-9F28-A4BE519685C0}"/>
+                    </a:ext>
+                  </a:extLst>
+                </p14:cNvPr>
+                <p14:cNvContentPartPr/>
+                <p14:nvPr/>
+              </p14:nvContentPartPr>
+              <p14:xfrm>
+                <a:off x="2234184" y="3246767"/>
+                <a:ext cx="76680" cy="545040"/>
+              </p14:xfrm>
+            </p:contentPart>
+          </mc:Choice>
+          <mc:Fallback xmlns="">
+            <p:pic>
+              <p:nvPicPr>
+                <p:cNvPr id="20" name="Ink 19">
+                  <a:extLst>
+                    <a:ext uri="{FF2B5EF4-FFF2-40B4-BE49-F238E27FC236}">
+                      <a16:creationId xmlns:a16="http://schemas.microsoft.com/office/drawing/2014/main" id="{6F58FEB6-2ED6-886A-9F28-A4BE519685C0}"/>
+                    </a:ext>
+                  </a:extLst>
+                </p:cNvPr>
+                <p:cNvPicPr/>
+                <p:nvPr/>
+              </p:nvPicPr>
+              <p:blipFill>
+                <a:blip r:embed="rId31"/>
+                <a:stretch>
+                  <a:fillRect/>
+                </a:stretch>
+              </p:blipFill>
+              <p:spPr>
+                <a:xfrm>
+                  <a:off x="2216544" y="3228767"/>
+                  <a:ext cx="112320" cy="580680"/>
+                </a:xfrm>
+                <a:prstGeom prst="rect">
+                  <a:avLst/>
+                </a:prstGeom>
+              </p:spPr>
+            </p:pic>
+          </mc:Fallback>
+        </mc:AlternateContent>
+        <mc:AlternateContent xmlns:mc="http://schemas.openxmlformats.org/markup-compatibility/2006" xmlns:p14="http://schemas.microsoft.com/office/powerpoint/2010/main">
+          <mc:Choice Requires="p14">
+            <p:contentPart p14:bwMode="auto" r:id="rId32">
+              <p14:nvContentPartPr>
+                <p14:cNvPr id="21" name="Ink 20">
+                  <a:extLst>
+                    <a:ext uri="{FF2B5EF4-FFF2-40B4-BE49-F238E27FC236}">
+                      <a16:creationId xmlns:a16="http://schemas.microsoft.com/office/drawing/2014/main" id="{10C22B14-98DF-B680-62B2-EB3E13D0D679}"/>
+                    </a:ext>
+                  </a:extLst>
+                </p14:cNvPr>
+                <p14:cNvContentPartPr/>
+                <p14:nvPr/>
+              </p14:nvContentPartPr>
+              <p14:xfrm>
+                <a:off x="2170104" y="3329567"/>
+                <a:ext cx="329040" cy="212400"/>
+              </p14:xfrm>
+            </p:contentPart>
+          </mc:Choice>
+          <mc:Fallback xmlns="">
+            <p:pic>
+              <p:nvPicPr>
+                <p:cNvPr id="21" name="Ink 20">
+                  <a:extLst>
+                    <a:ext uri="{FF2B5EF4-FFF2-40B4-BE49-F238E27FC236}">
+                      <a16:creationId xmlns:a16="http://schemas.microsoft.com/office/drawing/2014/main" id="{10C22B14-98DF-B680-62B2-EB3E13D0D679}"/>
+                    </a:ext>
+                  </a:extLst>
+                </p:cNvPr>
+                <p:cNvPicPr/>
+                <p:nvPr/>
+              </p:nvPicPr>
+              <p:blipFill>
+                <a:blip r:embed="rId33"/>
+                <a:stretch>
+                  <a:fillRect/>
+                </a:stretch>
+              </p:blipFill>
+              <p:spPr>
+                <a:xfrm>
+                  <a:off x="2152464" y="3311567"/>
+                  <a:ext cx="364680" cy="248040"/>
+                </a:xfrm>
+                <a:prstGeom prst="rect">
+                  <a:avLst/>
+                </a:prstGeom>
+              </p:spPr>
+            </p:pic>
+          </mc:Fallback>
+        </mc:AlternateContent>
+        <mc:AlternateContent xmlns:mc="http://schemas.openxmlformats.org/markup-compatibility/2006" xmlns:p14="http://schemas.microsoft.com/office/powerpoint/2010/main">
+          <mc:Choice Requires="p14">
+            <p:contentPart p14:bwMode="auto" r:id="rId34">
+              <p14:nvContentPartPr>
+                <p14:cNvPr id="22" name="Ink 21">
+                  <a:extLst>
+                    <a:ext uri="{FF2B5EF4-FFF2-40B4-BE49-F238E27FC236}">
+                      <a16:creationId xmlns:a16="http://schemas.microsoft.com/office/drawing/2014/main" id="{10FC1A4D-D3B7-DFFD-FD07-0BBB47E624B1}"/>
+                    </a:ext>
+                  </a:extLst>
+                </p14:cNvPr>
+                <p14:cNvContentPartPr/>
+                <p14:nvPr/>
+              </p14:nvContentPartPr>
+              <p14:xfrm>
+                <a:off x="2409504" y="3556367"/>
+                <a:ext cx="200880" cy="184320"/>
+              </p14:xfrm>
+            </p:contentPart>
+          </mc:Choice>
+          <mc:Fallback xmlns="">
+            <p:pic>
+              <p:nvPicPr>
+                <p:cNvPr id="22" name="Ink 21">
+                  <a:extLst>
+                    <a:ext uri="{FF2B5EF4-FFF2-40B4-BE49-F238E27FC236}">
+                      <a16:creationId xmlns:a16="http://schemas.microsoft.com/office/drawing/2014/main" id="{10FC1A4D-D3B7-DFFD-FD07-0BBB47E624B1}"/>
+                    </a:ext>
+                  </a:extLst>
+                </p:cNvPr>
+                <p:cNvPicPr/>
+                <p:nvPr/>
+              </p:nvPicPr>
+              <p:blipFill>
+                <a:blip r:embed="rId35"/>
+                <a:stretch>
+                  <a:fillRect/>
+                </a:stretch>
+              </p:blipFill>
+              <p:spPr>
+                <a:xfrm>
+                  <a:off x="2391864" y="3538727"/>
+                  <a:ext cx="236520" cy="219960"/>
+                </a:xfrm>
+                <a:prstGeom prst="rect">
+                  <a:avLst/>
+                </a:prstGeom>
+              </p:spPr>
+            </p:pic>
+          </mc:Fallback>
+        </mc:AlternateContent>
+        <mc:AlternateContent xmlns:mc="http://schemas.openxmlformats.org/markup-compatibility/2006" xmlns:p14="http://schemas.microsoft.com/office/powerpoint/2010/main">
+          <mc:Choice Requires="p14">
+            <p:contentPart p14:bwMode="auto" r:id="rId36">
+              <p14:nvContentPartPr>
+                <p14:cNvPr id="23" name="Ink 22">
+                  <a:extLst>
+                    <a:ext uri="{FF2B5EF4-FFF2-40B4-BE49-F238E27FC236}">
+                      <a16:creationId xmlns:a16="http://schemas.microsoft.com/office/drawing/2014/main" id="{91207B69-CFBE-16CA-583B-E62C8E5E327D}"/>
+                    </a:ext>
+                  </a:extLst>
+                </p14:cNvPr>
+                <p14:cNvContentPartPr/>
+                <p14:nvPr/>
+              </p14:nvContentPartPr>
+              <p14:xfrm>
+                <a:off x="2647824" y="3647807"/>
+                <a:ext cx="157680" cy="217440"/>
+              </p14:xfrm>
+            </p:contentPart>
+          </mc:Choice>
+          <mc:Fallback xmlns="">
+            <p:pic>
+              <p:nvPicPr>
+                <p:cNvPr id="23" name="Ink 22">
+                  <a:extLst>
+                    <a:ext uri="{FF2B5EF4-FFF2-40B4-BE49-F238E27FC236}">
+                      <a16:creationId xmlns:a16="http://schemas.microsoft.com/office/drawing/2014/main" id="{91207B69-CFBE-16CA-583B-E62C8E5E327D}"/>
+                    </a:ext>
+                  </a:extLst>
+                </p:cNvPr>
+                <p:cNvPicPr/>
+                <p:nvPr/>
+              </p:nvPicPr>
+              <p:blipFill>
+                <a:blip r:embed="rId37"/>
+                <a:stretch>
+                  <a:fillRect/>
+                </a:stretch>
+              </p:blipFill>
+              <p:spPr>
+                <a:xfrm>
+                  <a:off x="2629824" y="3629807"/>
+                  <a:ext cx="193320" cy="253080"/>
+                </a:xfrm>
+                <a:prstGeom prst="rect">
+                  <a:avLst/>
+                </a:prstGeom>
+              </p:spPr>
+            </p:pic>
+          </mc:Fallback>
+        </mc:AlternateContent>
+        <mc:AlternateContent xmlns:mc="http://schemas.openxmlformats.org/markup-compatibility/2006" xmlns:p14="http://schemas.microsoft.com/office/powerpoint/2010/main">
+          <mc:Choice Requires="p14">
+            <p:contentPart p14:bwMode="auto" r:id="rId38">
+              <p14:nvContentPartPr>
+                <p14:cNvPr id="24" name="Ink 23">
+                  <a:extLst>
+                    <a:ext uri="{FF2B5EF4-FFF2-40B4-BE49-F238E27FC236}">
+                      <a16:creationId xmlns:a16="http://schemas.microsoft.com/office/drawing/2014/main" id="{D83B35DB-FFAB-5064-F110-2713AE7045DC}"/>
+                    </a:ext>
+                  </a:extLst>
+                </p14:cNvPr>
+                <p14:cNvContentPartPr/>
+                <p14:nvPr/>
+              </p14:nvContentPartPr>
+              <p14:xfrm>
+                <a:off x="2721624" y="3665807"/>
+                <a:ext cx="270360" cy="318960"/>
+              </p14:xfrm>
+            </p:contentPart>
+          </mc:Choice>
+          <mc:Fallback xmlns="">
+            <p:pic>
+              <p:nvPicPr>
+                <p:cNvPr id="24" name="Ink 23">
+                  <a:extLst>
+                    <a:ext uri="{FF2B5EF4-FFF2-40B4-BE49-F238E27FC236}">
+                      <a16:creationId xmlns:a16="http://schemas.microsoft.com/office/drawing/2014/main" id="{D83B35DB-FFAB-5064-F110-2713AE7045DC}"/>
+                    </a:ext>
+                  </a:extLst>
+                </p:cNvPr>
+                <p:cNvPicPr/>
+                <p:nvPr/>
+              </p:nvPicPr>
+              <p:blipFill>
+                <a:blip r:embed="rId39"/>
+                <a:stretch>
+                  <a:fillRect/>
+                </a:stretch>
+              </p:blipFill>
+              <p:spPr>
+                <a:xfrm>
+                  <a:off x="2703624" y="3647807"/>
+                  <a:ext cx="306000" cy="354600"/>
+                </a:xfrm>
+                <a:prstGeom prst="rect">
+                  <a:avLst/>
+                </a:prstGeom>
+              </p:spPr>
+            </p:pic>
+          </mc:Fallback>
+        </mc:AlternateContent>
+        <mc:AlternateContent xmlns:mc="http://schemas.openxmlformats.org/markup-compatibility/2006" xmlns:p14="http://schemas.microsoft.com/office/powerpoint/2010/main">
+          <mc:Choice Requires="p14">
+            <p:contentPart p14:bwMode="auto" r:id="rId40">
+              <p14:nvContentPartPr>
+                <p14:cNvPr id="25" name="Ink 24">
+                  <a:extLst>
+                    <a:ext uri="{FF2B5EF4-FFF2-40B4-BE49-F238E27FC236}">
+                      <a16:creationId xmlns:a16="http://schemas.microsoft.com/office/drawing/2014/main" id="{247F5DEB-16C1-B730-2A20-E913EC73BA02}"/>
+                    </a:ext>
+                  </a:extLst>
+                </p14:cNvPr>
+                <p14:cNvContentPartPr/>
+                <p14:nvPr/>
+              </p14:nvContentPartPr>
+              <p14:xfrm>
+                <a:off x="3060744" y="3649607"/>
+                <a:ext cx="148320" cy="145080"/>
+              </p14:xfrm>
+            </p:contentPart>
+          </mc:Choice>
+          <mc:Fallback xmlns="">
+            <p:pic>
+              <p:nvPicPr>
+                <p:cNvPr id="25" name="Ink 24">
+                  <a:extLst>
+                    <a:ext uri="{FF2B5EF4-FFF2-40B4-BE49-F238E27FC236}">
+                      <a16:creationId xmlns:a16="http://schemas.microsoft.com/office/drawing/2014/main" id="{247F5DEB-16C1-B730-2A20-E913EC73BA02}"/>
+                    </a:ext>
+                  </a:extLst>
+                </p:cNvPr>
+                <p:cNvPicPr/>
+                <p:nvPr/>
+              </p:nvPicPr>
+              <p:blipFill>
+                <a:blip r:embed="rId41"/>
+                <a:stretch>
+                  <a:fillRect/>
+                </a:stretch>
+              </p:blipFill>
+              <p:spPr>
+                <a:xfrm>
+                  <a:off x="3042744" y="3631967"/>
+                  <a:ext cx="183960" cy="180720"/>
+                </a:xfrm>
+                <a:prstGeom prst="rect">
+                  <a:avLst/>
+                </a:prstGeom>
+              </p:spPr>
+            </p:pic>
+          </mc:Fallback>
+        </mc:AlternateContent>
+        <mc:AlternateContent xmlns:mc="http://schemas.openxmlformats.org/markup-compatibility/2006" xmlns:p14="http://schemas.microsoft.com/office/powerpoint/2010/main">
+          <mc:Choice Requires="p14">
+            <p:contentPart p14:bwMode="auto" r:id="rId42">
+              <p14:nvContentPartPr>
+                <p14:cNvPr id="26" name="Ink 25">
+                  <a:extLst>
+                    <a:ext uri="{FF2B5EF4-FFF2-40B4-BE49-F238E27FC236}">
+                      <a16:creationId xmlns:a16="http://schemas.microsoft.com/office/drawing/2014/main" id="{73F1BD2A-44E5-71FB-797F-E97F7BEF0C5D}"/>
+                    </a:ext>
+                  </a:extLst>
+                </p14:cNvPr>
+                <p14:cNvContentPartPr/>
+                <p14:nvPr/>
+              </p14:nvContentPartPr>
+              <p14:xfrm>
+                <a:off x="3254064" y="3703247"/>
+                <a:ext cx="132120" cy="166320"/>
+              </p14:xfrm>
+            </p:contentPart>
+          </mc:Choice>
+          <mc:Fallback xmlns="">
+            <p:pic>
+              <p:nvPicPr>
+                <p:cNvPr id="26" name="Ink 25">
+                  <a:extLst>
+                    <a:ext uri="{FF2B5EF4-FFF2-40B4-BE49-F238E27FC236}">
+                      <a16:creationId xmlns:a16="http://schemas.microsoft.com/office/drawing/2014/main" id="{73F1BD2A-44E5-71FB-797F-E97F7BEF0C5D}"/>
+                    </a:ext>
+                  </a:extLst>
+                </p:cNvPr>
+                <p:cNvPicPr/>
+                <p:nvPr/>
+              </p:nvPicPr>
+              <p:blipFill>
+                <a:blip r:embed="rId43"/>
+                <a:stretch>
+                  <a:fillRect/>
+                </a:stretch>
+              </p:blipFill>
+              <p:spPr>
+                <a:xfrm>
+                  <a:off x="3236064" y="3685247"/>
+                  <a:ext cx="167760" cy="201960"/>
+                </a:xfrm>
+                <a:prstGeom prst="rect">
+                  <a:avLst/>
+                </a:prstGeom>
+              </p:spPr>
+            </p:pic>
+          </mc:Fallback>
+        </mc:AlternateContent>
+        <mc:AlternateContent xmlns:mc="http://schemas.openxmlformats.org/markup-compatibility/2006" xmlns:p14="http://schemas.microsoft.com/office/powerpoint/2010/main">
+          <mc:Choice Requires="p14">
+            <p:contentPart p14:bwMode="auto" r:id="rId44">
+              <p14:nvContentPartPr>
+                <p14:cNvPr id="27" name="Ink 26">
+                  <a:extLst>
+                    <a:ext uri="{FF2B5EF4-FFF2-40B4-BE49-F238E27FC236}">
+                      <a16:creationId xmlns:a16="http://schemas.microsoft.com/office/drawing/2014/main" id="{1C23BF32-5371-DAFC-3599-BD62EF9084F6}"/>
+                    </a:ext>
+                  </a:extLst>
+                </p14:cNvPr>
+                <p14:cNvContentPartPr/>
+                <p14:nvPr/>
+              </p14:nvContentPartPr>
+              <p14:xfrm>
+                <a:off x="3467904" y="3716927"/>
+                <a:ext cx="270720" cy="173880"/>
+              </p14:xfrm>
+            </p:contentPart>
+          </mc:Choice>
+          <mc:Fallback xmlns="">
+            <p:pic>
+              <p:nvPicPr>
+                <p:cNvPr id="27" name="Ink 26">
+                  <a:extLst>
+                    <a:ext uri="{FF2B5EF4-FFF2-40B4-BE49-F238E27FC236}">
+                      <a16:creationId xmlns:a16="http://schemas.microsoft.com/office/drawing/2014/main" id="{1C23BF32-5371-DAFC-3599-BD62EF9084F6}"/>
+                    </a:ext>
+                  </a:extLst>
+                </p:cNvPr>
+                <p:cNvPicPr/>
+                <p:nvPr/>
+              </p:nvPicPr>
+              <p:blipFill>
+                <a:blip r:embed="rId45"/>
+                <a:stretch>
+                  <a:fillRect/>
+                </a:stretch>
+              </p:blipFill>
+              <p:spPr>
+                <a:xfrm>
+                  <a:off x="3450264" y="3699287"/>
+                  <a:ext cx="306360" cy="209520"/>
+                </a:xfrm>
+                <a:prstGeom prst="rect">
+                  <a:avLst/>
+                </a:prstGeom>
+              </p:spPr>
+            </p:pic>
+          </mc:Fallback>
+        </mc:AlternateContent>
+        <mc:AlternateContent xmlns:mc="http://schemas.openxmlformats.org/markup-compatibility/2006" xmlns:p14="http://schemas.microsoft.com/office/powerpoint/2010/main">
+          <mc:Choice Requires="p14">
+            <p:contentPart p14:bwMode="auto" r:id="rId46">
+              <p14:nvContentPartPr>
+                <p14:cNvPr id="30" name="Ink 29">
+                  <a:extLst>
+                    <a:ext uri="{FF2B5EF4-FFF2-40B4-BE49-F238E27FC236}">
+                      <a16:creationId xmlns:a16="http://schemas.microsoft.com/office/drawing/2014/main" id="{0F84CD54-1A9D-CEF7-B47C-B12D72DA779C}"/>
+                    </a:ext>
+                  </a:extLst>
+                </p14:cNvPr>
+                <p14:cNvContentPartPr/>
+                <p14:nvPr/>
+              </p14:nvContentPartPr>
+              <p14:xfrm>
+                <a:off x="996864" y="3160727"/>
+                <a:ext cx="2823480" cy="978840"/>
+              </p14:xfrm>
+            </p:contentPart>
+          </mc:Choice>
+          <mc:Fallback xmlns="">
+            <p:pic>
+              <p:nvPicPr>
+                <p:cNvPr id="30" name="Ink 29">
+                  <a:extLst>
+                    <a:ext uri="{FF2B5EF4-FFF2-40B4-BE49-F238E27FC236}">
+                      <a16:creationId xmlns:a16="http://schemas.microsoft.com/office/drawing/2014/main" id="{0F84CD54-1A9D-CEF7-B47C-B12D72DA779C}"/>
+                    </a:ext>
+                  </a:extLst>
+                </p:cNvPr>
+                <p:cNvPicPr/>
+                <p:nvPr/>
+              </p:nvPicPr>
+              <p:blipFill>
+                <a:blip r:embed="rId47"/>
+                <a:stretch>
+                  <a:fillRect/>
+                </a:stretch>
+              </p:blipFill>
+              <p:spPr>
+                <a:xfrm>
+                  <a:off x="978864" y="3142727"/>
+                  <a:ext cx="2859120" cy="1014480"/>
+                </a:xfrm>
+                <a:prstGeom prst="rect">
+                  <a:avLst/>
+                </a:prstGeom>
+              </p:spPr>
+            </p:pic>
+          </mc:Fallback>
+        </mc:AlternateContent>
+      </p:grpSp>
+    </p:spTree>
+    <p:extLst>
+      <p:ext uri="{BB962C8B-B14F-4D97-AF65-F5344CB8AC3E}">
+        <p14:creationId xmlns:p14="http://schemas.microsoft.com/office/powerpoint/2010/main" val="4291797436"/>
+      </p:ext>
+    </p:extLst>
+  </p:cSld>
+  <p:clrMapOvr>
+    <a:masterClrMapping/>
+  </p:clrMapOvr>
+  <p:timing>
+    <p:tnLst>
+      <p:par>
+        <p:cTn id="1" dur="indefinite" restart="never" nodeType="tmRoot">
+          <p:childTnLst>
+            <p:seq concurrent="1" nextAc="seek">
+              <p:cTn id="2" dur="indefinite" nodeType="mainSeq">
+                <p:childTnLst>
+                  <p:par>
+                    <p:cTn id="3" fill="hold">
+                      <p:stCondLst>
+                        <p:cond delay="indefinite"/>
+                      </p:stCondLst>
+                      <p:childTnLst>
+                        <p:par>
+                          <p:cTn id="4" fill="hold">
+                            <p:stCondLst>
+                              <p:cond delay="0"/>
+                            </p:stCondLst>
+                            <p:childTnLst>
+                              <p:par>
+                                <p:cTn id="5" presetID="63" presetClass="entr" presetSubtype="0" fill="hold" nodeType="clickEffect">
+                                  <p:stCondLst>
+                                    <p:cond delay="0"/>
+                                  </p:stCondLst>
+                                  <p:childTnLst>
+                                    <p:set>
+                                      <p:cBhvr>
+                                        <p:cTn id="6" dur="1" fill="hold">
+                                          <p:stCondLst>
+                                            <p:cond delay="0"/>
+                                          </p:stCondLst>
+                                        </p:cTn>
+                                        <p:tgtEl>
+                                          <p:spTgt spid="31"/>
+                                        </p:tgtEl>
+                                        <p:attrNameLst>
+                                          <p:attrName>style.visibility</p:attrName>
+                                        </p:attrNameLst>
+                                      </p:cBhvr>
+                                      <p:to>
+                                        <p:strVal val="visible"/>
+                                      </p:to>
+                                    </p:set>
+                                    <p:anim calcmode="lin" valueType="num">
+                                      <p:cBhvr>
+                                        <p:cTn id="7" dur="2000" fill="hold"/>
+                                        <p:tgtEl>
+                                          <p:spTgt spid="31"/>
+                                        </p:tgtEl>
+                                        <p:attrNameLst>
+                                          <p:attrName>drawProgress</p:attrName>
+                                        </p:attrNameLst>
+                                      </p:cBhvr>
+                                      <p:tavLst>
+                                        <p:tav tm="0">
+                                          <p:val>
+                                            <p:fltVal val="0"/>
+                                          </p:val>
+                                        </p:tav>
+                                        <p:tav tm="100000">
+                                          <p:val>
+                                            <p:fltVal val="1"/>
+                                          </p:val>
+                                        </p:tav>
+                                      </p:tavLst>
+                                    </p:anim>
+                                  </p:childTnLst>
+                                </p:cTn>
+                              </p:par>
+                            </p:childTnLst>
+                          </p:cTn>
+                        </p:par>
+                      </p:childTnLst>
+                    </p:cTn>
+                  </p:par>
+                </p:childTnLst>
+              </p:cTn>
+              <p:prevCondLst>
+                <p:cond evt="onPrev" delay="0">
+                  <p:tgtEl>
+                    <p:sldTgt/>
+                  </p:tgtEl>
+                </p:cond>
+              </p:prevCondLst>
+              <p:nextCondLst>
+                <p:cond evt="onNext" delay="0">
+                  <p:tgtEl>
+                    <p:sldTgt/>
+                  </p:tgtEl>
+                </p:cond>
+              </p:nextCondLst>
+            </p:seq>
+          </p:childTnLst>
+        </p:cTn>
+      </p:par>
+    </p:tnLst>
+  </p:timing>
+</p:sld>
+</file>
+
+<file path=ppt/slides/slide14.xml><?xml version="1.0" encoding="utf-8"?>
 <p:sld xmlns:a="http://schemas.openxmlformats.org/drawingml/2006/main" xmlns:r="http://schemas.openxmlformats.org/officeDocument/2006/relationships" xmlns:p="http://schemas.openxmlformats.org/presentationml/2006/main">
   <p:cSld>
     <p:spTree>
@@ -6897,691 +9649,6 @@
               </p:blipFill>
               <p:spPr>
                 <a:xfrm>
-                  <a:off x="1137264" y="4135247"/>
-                  <a:ext cx="1658520" cy="950040"/>
-                </a:xfrm>
-                <a:prstGeom prst="rect">
-                  <a:avLst/>
-                </a:prstGeom>
-              </p:spPr>
-            </p:pic>
-          </mc:Fallback>
-        </mc:AlternateContent>
-        <mc:AlternateContent xmlns:mc="http://schemas.openxmlformats.org/markup-compatibility/2006">
-          <mc:Choice xmlns:p14="http://schemas.microsoft.com/office/powerpoint/2010/main" Requires="p14">
-            <p:contentPart p14:bwMode="auto" r:id="rId16">
-              <p14:nvContentPartPr>
-                <p14:cNvPr id="5" name="Ink 4">
-                  <a:extLst>
-                    <a:ext uri="{FF2B5EF4-FFF2-40B4-BE49-F238E27FC236}">
-                      <a16:creationId xmlns:a16="http://schemas.microsoft.com/office/drawing/2014/main" id="{B57240C7-EF58-91A6-28C4-07352DCC9E5D}"/>
-                    </a:ext>
-                  </a:extLst>
-                </p14:cNvPr>
-                <p14:cNvContentPartPr/>
-                <p14:nvPr/>
-              </p14:nvContentPartPr>
-              <p14:xfrm>
-                <a:off x="1387824" y="4339007"/>
-                <a:ext cx="471960" cy="614160"/>
-              </p14:xfrm>
-            </p:contentPart>
-          </mc:Choice>
-          <mc:Fallback>
-            <p:pic>
-              <p:nvPicPr>
-                <p:cNvPr id="5" name="Ink 4">
-                  <a:extLst>
-                    <a:ext uri="{FF2B5EF4-FFF2-40B4-BE49-F238E27FC236}">
-                      <a16:creationId xmlns:a16="http://schemas.microsoft.com/office/drawing/2014/main" id="{B57240C7-EF58-91A6-28C4-07352DCC9E5D}"/>
-                    </a:ext>
-                  </a:extLst>
-                </p:cNvPr>
-                <p:cNvPicPr/>
-                <p:nvPr/>
-              </p:nvPicPr>
-              <p:blipFill>
-                <a:blip r:embed="rId17"/>
-                <a:stretch>
-                  <a:fillRect/>
-                </a:stretch>
-              </p:blipFill>
-              <p:spPr>
-                <a:xfrm>
-                  <a:off x="1369824" y="4321007"/>
-                  <a:ext cx="507600" cy="649800"/>
-                </a:xfrm>
-                <a:prstGeom prst="rect">
-                  <a:avLst/>
-                </a:prstGeom>
-              </p:spPr>
-            </p:pic>
-          </mc:Fallback>
-        </mc:AlternateContent>
-        <mc:AlternateContent xmlns:mc="http://schemas.openxmlformats.org/markup-compatibility/2006">
-          <mc:Choice xmlns:p14="http://schemas.microsoft.com/office/powerpoint/2010/main" Requires="p14">
-            <p:contentPart p14:bwMode="auto" r:id="rId18">
-              <p14:nvContentPartPr>
-                <p14:cNvPr id="7" name="Ink 6">
-                  <a:extLst>
-                    <a:ext uri="{FF2B5EF4-FFF2-40B4-BE49-F238E27FC236}">
-                      <a16:creationId xmlns:a16="http://schemas.microsoft.com/office/drawing/2014/main" id="{3E389F3D-CB38-F6F0-ED86-EAA4DD30DDB9}"/>
-                    </a:ext>
-                  </a:extLst>
-                </p14:cNvPr>
-                <p14:cNvContentPartPr/>
-                <p14:nvPr/>
-              </p14:nvContentPartPr>
-              <p14:xfrm>
-                <a:off x="1913424" y="4409207"/>
-                <a:ext cx="566280" cy="528840"/>
-              </p14:xfrm>
-            </p:contentPart>
-          </mc:Choice>
-          <mc:Fallback>
-            <p:pic>
-              <p:nvPicPr>
-                <p:cNvPr id="7" name="Ink 6">
-                  <a:extLst>
-                    <a:ext uri="{FF2B5EF4-FFF2-40B4-BE49-F238E27FC236}">
-                      <a16:creationId xmlns:a16="http://schemas.microsoft.com/office/drawing/2014/main" id="{3E389F3D-CB38-F6F0-ED86-EAA4DD30DDB9}"/>
-                    </a:ext>
-                  </a:extLst>
-                </p:cNvPr>
-                <p:cNvPicPr/>
-                <p:nvPr/>
-              </p:nvPicPr>
-              <p:blipFill>
-                <a:blip r:embed="rId19"/>
-                <a:stretch>
-                  <a:fillRect/>
-                </a:stretch>
-              </p:blipFill>
-              <p:spPr>
-                <a:xfrm>
-                  <a:off x="1895424" y="4391207"/>
-                  <a:ext cx="601920" cy="564480"/>
-                </a:xfrm>
-                <a:prstGeom prst="rect">
-                  <a:avLst/>
-                </a:prstGeom>
-              </p:spPr>
-            </p:pic>
-          </mc:Fallback>
-        </mc:AlternateContent>
-      </p:grpSp>
-    </p:spTree>
-    <p:extLst>
-      <p:ext uri="{BB962C8B-B14F-4D97-AF65-F5344CB8AC3E}">
-        <p14:creationId xmlns:p14="http://schemas.microsoft.com/office/powerpoint/2010/main" val="3345228518"/>
-      </p:ext>
-    </p:extLst>
-  </p:cSld>
-  <p:clrMapOvr>
-    <a:masterClrMapping/>
-  </p:clrMapOvr>
-  <p:timing>
-    <p:tnLst>
-      <p:par>
-        <p:cTn id="1" dur="indefinite" restart="never" nodeType="tmRoot">
-          <p:childTnLst>
-            <p:seq concurrent="1" nextAc="seek">
-              <p:cTn id="2" dur="indefinite" nodeType="mainSeq">
-                <p:childTnLst>
-                  <p:par>
-                    <p:cTn id="3" fill="hold">
-                      <p:stCondLst>
-                        <p:cond delay="indefinite"/>
-                      </p:stCondLst>
-                      <p:childTnLst>
-                        <p:par>
-                          <p:cTn id="4" fill="hold">
-                            <p:stCondLst>
-                              <p:cond delay="0"/>
-                            </p:stCondLst>
-                            <p:childTnLst>
-                              <p:par>
-                                <p:cTn id="5" presetID="63" presetClass="entr" presetSubtype="0" fill="hold" nodeType="clickEffect">
-                                  <p:stCondLst>
-                                    <p:cond delay="0"/>
-                                  </p:stCondLst>
-                                  <p:childTnLst>
-                                    <p:set>
-                                      <p:cBhvr>
-                                        <p:cTn id="6" dur="1" fill="hold">
-                                          <p:stCondLst>
-                                            <p:cond delay="0"/>
-                                          </p:stCondLst>
-                                        </p:cTn>
-                                        <p:tgtEl>
-                                          <p:spTgt spid="8"/>
-                                        </p:tgtEl>
-                                        <p:attrNameLst>
-                                          <p:attrName>style.visibility</p:attrName>
-                                        </p:attrNameLst>
-                                      </p:cBhvr>
-                                      <p:to>
-                                        <p:strVal val="visible"/>
-                                      </p:to>
-                                    </p:set>
-                                    <p:anim calcmode="lin" valueType="num">
-                                      <p:cBhvr>
-                                        <p:cTn id="7" dur="2000" fill="hold"/>
-                                        <p:tgtEl>
-                                          <p:spTgt spid="8"/>
-                                        </p:tgtEl>
-                                        <p:attrNameLst>
-                                          <p:attrName>drawProgress</p:attrName>
-                                        </p:attrNameLst>
-                                      </p:cBhvr>
-                                      <p:tavLst>
-                                        <p:tav tm="0">
-                                          <p:val>
-                                            <p:fltVal val="0"/>
-                                          </p:val>
-                                        </p:tav>
-                                        <p:tav tm="100000">
-                                          <p:val>
-                                            <p:fltVal val="1"/>
-                                          </p:val>
-                                        </p:tav>
-                                      </p:tavLst>
-                                    </p:anim>
-                                  </p:childTnLst>
-                                </p:cTn>
-                              </p:par>
-                            </p:childTnLst>
-                          </p:cTn>
-                        </p:par>
-                      </p:childTnLst>
-                    </p:cTn>
-                  </p:par>
-                </p:childTnLst>
-              </p:cTn>
-              <p:prevCondLst>
-                <p:cond evt="onPrev" delay="0">
-                  <p:tgtEl>
-                    <p:sldTgt/>
-                  </p:tgtEl>
-                </p:cond>
-              </p:prevCondLst>
-              <p:nextCondLst>
-                <p:cond evt="onNext" delay="0">
-                  <p:tgtEl>
-                    <p:sldTgt/>
-                  </p:tgtEl>
-                </p:cond>
-              </p:nextCondLst>
-            </p:seq>
-          </p:childTnLst>
-        </p:cTn>
-      </p:par>
-    </p:tnLst>
-  </p:timing>
-</p:sld>
-</file>
-
-<file path=ppt/slides/slide13.xml><?xml version="1.0" encoding="utf-8"?>
-<p:sld xmlns:a="http://schemas.openxmlformats.org/drawingml/2006/main" xmlns:r="http://schemas.openxmlformats.org/officeDocument/2006/relationships" xmlns:p="http://schemas.openxmlformats.org/presentationml/2006/main">
-  <p:cSld>
-    <p:spTree>
-      <p:nvGrpSpPr>
-        <p:cNvPr id="1" name=""/>
-        <p:cNvGrpSpPr/>
-        <p:nvPr/>
-      </p:nvGrpSpPr>
-      <p:grpSpPr>
-        <a:xfrm>
-          <a:off x="0" y="0"/>
-          <a:ext cx="0" cy="0"/>
-          <a:chOff x="0" y="0"/>
-          <a:chExt cx="0" cy="0"/>
-        </a:xfrm>
-      </p:grpSpPr>
-      <p:sp>
-        <p:nvSpPr>
-          <p:cNvPr id="2" name="Title 1">
-            <a:extLst>
-              <a:ext uri="{FF2B5EF4-FFF2-40B4-BE49-F238E27FC236}">
-                <a16:creationId xmlns:a16="http://schemas.microsoft.com/office/drawing/2014/main" id="{E1A3865C-84E8-5B7E-A5DE-2BC4937ED1EC}"/>
-              </a:ext>
-            </a:extLst>
-          </p:cNvPr>
-          <p:cNvSpPr>
-            <a:spLocks noGrp="1"/>
-          </p:cNvSpPr>
-          <p:nvPr>
-            <p:ph type="title"/>
-          </p:nvPr>
-        </p:nvSpPr>
-        <p:spPr/>
-        <p:txBody>
-          <a:bodyPr/>
-          <a:lstStyle/>
-          <a:p>
-            <a:r>
-              <a:rPr lang="en-US" dirty="0"/>
-              <a:t>Stacks</a:t>
-            </a:r>
-          </a:p>
-        </p:txBody>
-      </p:sp>
-      <p:sp>
-        <p:nvSpPr>
-          <p:cNvPr id="3" name="Content Placeholder 2">
-            <a:extLst>
-              <a:ext uri="{FF2B5EF4-FFF2-40B4-BE49-F238E27FC236}">
-                <a16:creationId xmlns:a16="http://schemas.microsoft.com/office/drawing/2014/main" id="{40EC14C3-A18F-122F-48E0-EC76FB6C9942}"/>
-              </a:ext>
-            </a:extLst>
-          </p:cNvPr>
-          <p:cNvSpPr>
-            <a:spLocks noGrp="1"/>
-          </p:cNvSpPr>
-          <p:nvPr>
-            <p:ph idx="1"/>
-          </p:nvPr>
-        </p:nvSpPr>
-        <p:spPr/>
-        <p:txBody>
-          <a:bodyPr/>
-          <a:lstStyle/>
-          <a:p>
-            <a:r>
-              <a:rPr lang="en-US" dirty="0"/>
-              <a:t>For C++ Programming:</a:t>
-            </a:r>
-          </a:p>
-        </p:txBody>
-      </p:sp>
-      <p:grpSp>
-        <p:nvGrpSpPr>
-          <p:cNvPr id="17" name="Group 16">
-            <a:extLst>
-              <a:ext uri="{FF2B5EF4-FFF2-40B4-BE49-F238E27FC236}">
-                <a16:creationId xmlns:a16="http://schemas.microsoft.com/office/drawing/2014/main" id="{83D9310B-1981-6278-D2DF-083437CB4A47}"/>
-              </a:ext>
-            </a:extLst>
-          </p:cNvPr>
-          <p:cNvGrpSpPr/>
-          <p:nvPr/>
-        </p:nvGrpSpPr>
-        <p:grpSpPr>
-          <a:xfrm>
-            <a:off x="1076784" y="5214167"/>
-            <a:ext cx="1684440" cy="817200"/>
-            <a:chOff x="1076784" y="5214167"/>
-            <a:chExt cx="1684440" cy="817200"/>
-          </a:xfrm>
-        </p:grpSpPr>
-        <mc:AlternateContent xmlns:mc="http://schemas.openxmlformats.org/markup-compatibility/2006">
-          <mc:Choice xmlns:p14="http://schemas.microsoft.com/office/powerpoint/2010/main" Requires="p14">
-            <p:contentPart p14:bwMode="auto" r:id="rId2">
-              <p14:nvContentPartPr>
-                <p14:cNvPr id="11" name="Ink 10">
-                  <a:extLst>
-                    <a:ext uri="{FF2B5EF4-FFF2-40B4-BE49-F238E27FC236}">
-                      <a16:creationId xmlns:a16="http://schemas.microsoft.com/office/drawing/2014/main" id="{DA11823E-DF21-6BE2-F6DE-DC157E98F160}"/>
-                    </a:ext>
-                  </a:extLst>
-                </p14:cNvPr>
-                <p14:cNvContentPartPr/>
-                <p14:nvPr/>
-              </p14:nvContentPartPr>
-              <p14:xfrm>
-                <a:off x="1076784" y="5214167"/>
-                <a:ext cx="1684440" cy="817200"/>
-              </p14:xfrm>
-            </p:contentPart>
-          </mc:Choice>
-          <mc:Fallback>
-            <p:pic>
-              <p:nvPicPr>
-                <p:cNvPr id="11" name="Ink 10">
-                  <a:extLst>
-                    <a:ext uri="{FF2B5EF4-FFF2-40B4-BE49-F238E27FC236}">
-                      <a16:creationId xmlns:a16="http://schemas.microsoft.com/office/drawing/2014/main" id="{DA11823E-DF21-6BE2-F6DE-DC157E98F160}"/>
-                    </a:ext>
-                  </a:extLst>
-                </p:cNvPr>
-                <p:cNvPicPr/>
-                <p:nvPr/>
-              </p:nvPicPr>
-              <p:blipFill>
-                <a:blip r:embed="rId3"/>
-                <a:stretch>
-                  <a:fillRect/>
-                </a:stretch>
-              </p:blipFill>
-              <p:spPr>
-                <a:xfrm>
-                  <a:off x="1058784" y="5196167"/>
-                  <a:ext cx="1720080" cy="852840"/>
-                </a:xfrm>
-                <a:prstGeom prst="rect">
-                  <a:avLst/>
-                </a:prstGeom>
-              </p:spPr>
-            </p:pic>
-          </mc:Fallback>
-        </mc:AlternateContent>
-        <mc:AlternateContent xmlns:mc="http://schemas.openxmlformats.org/markup-compatibility/2006">
-          <mc:Choice xmlns:p14="http://schemas.microsoft.com/office/powerpoint/2010/main" Requires="p14">
-            <p:contentPart p14:bwMode="auto" r:id="rId4">
-              <p14:nvContentPartPr>
-                <p14:cNvPr id="12" name="Ink 11">
-                  <a:extLst>
-                    <a:ext uri="{FF2B5EF4-FFF2-40B4-BE49-F238E27FC236}">
-                      <a16:creationId xmlns:a16="http://schemas.microsoft.com/office/drawing/2014/main" id="{BD6176FD-F539-2857-BC09-A93E0C8BA0DC}"/>
-                    </a:ext>
-                  </a:extLst>
-                </p14:cNvPr>
-                <p14:cNvContentPartPr/>
-                <p14:nvPr/>
-              </p14:nvContentPartPr>
-              <p14:xfrm>
-                <a:off x="1350024" y="5343047"/>
-                <a:ext cx="254160" cy="299160"/>
-              </p14:xfrm>
-            </p:contentPart>
-          </mc:Choice>
-          <mc:Fallback>
-            <p:pic>
-              <p:nvPicPr>
-                <p:cNvPr id="12" name="Ink 11">
-                  <a:extLst>
-                    <a:ext uri="{FF2B5EF4-FFF2-40B4-BE49-F238E27FC236}">
-                      <a16:creationId xmlns:a16="http://schemas.microsoft.com/office/drawing/2014/main" id="{BD6176FD-F539-2857-BC09-A93E0C8BA0DC}"/>
-                    </a:ext>
-                  </a:extLst>
-                </p:cNvPr>
-                <p:cNvPicPr/>
-                <p:nvPr/>
-              </p:nvPicPr>
-              <p:blipFill>
-                <a:blip r:embed="rId5"/>
-                <a:stretch>
-                  <a:fillRect/>
-                </a:stretch>
-              </p:blipFill>
-              <p:spPr>
-                <a:xfrm>
-                  <a:off x="1331998" y="5325047"/>
-                  <a:ext cx="289851" cy="334800"/>
-                </a:xfrm>
-                <a:prstGeom prst="rect">
-                  <a:avLst/>
-                </a:prstGeom>
-              </p:spPr>
-            </p:pic>
-          </mc:Fallback>
-        </mc:AlternateContent>
-        <mc:AlternateContent xmlns:mc="http://schemas.openxmlformats.org/markup-compatibility/2006">
-          <mc:Choice xmlns:p14="http://schemas.microsoft.com/office/powerpoint/2010/main" Requires="p14">
-            <p:contentPart p14:bwMode="auto" r:id="rId6">
-              <p14:nvContentPartPr>
-                <p14:cNvPr id="13" name="Ink 12">
-                  <a:extLst>
-                    <a:ext uri="{FF2B5EF4-FFF2-40B4-BE49-F238E27FC236}">
-                      <a16:creationId xmlns:a16="http://schemas.microsoft.com/office/drawing/2014/main" id="{45E19B1D-0AF0-5BEA-8993-2C04990F10D4}"/>
-                    </a:ext>
-                  </a:extLst>
-                </p14:cNvPr>
-                <p14:cNvContentPartPr/>
-                <p14:nvPr/>
-              </p14:nvContentPartPr>
-              <p14:xfrm>
-                <a:off x="1601664" y="5354207"/>
-                <a:ext cx="95400" cy="437760"/>
-              </p14:xfrm>
-            </p:contentPart>
-          </mc:Choice>
-          <mc:Fallback>
-            <p:pic>
-              <p:nvPicPr>
-                <p:cNvPr id="13" name="Ink 12">
-                  <a:extLst>
-                    <a:ext uri="{FF2B5EF4-FFF2-40B4-BE49-F238E27FC236}">
-                      <a16:creationId xmlns:a16="http://schemas.microsoft.com/office/drawing/2014/main" id="{45E19B1D-0AF0-5BEA-8993-2C04990F10D4}"/>
-                    </a:ext>
-                  </a:extLst>
-                </p:cNvPr>
-                <p:cNvPicPr/>
-                <p:nvPr/>
-              </p:nvPicPr>
-              <p:blipFill>
-                <a:blip r:embed="rId7"/>
-                <a:stretch>
-                  <a:fillRect/>
-                </a:stretch>
-              </p:blipFill>
-              <p:spPr>
-                <a:xfrm>
-                  <a:off x="1583664" y="5336207"/>
-                  <a:ext cx="131040" cy="473400"/>
-                </a:xfrm>
-                <a:prstGeom prst="rect">
-                  <a:avLst/>
-                </a:prstGeom>
-              </p:spPr>
-            </p:pic>
-          </mc:Fallback>
-        </mc:AlternateContent>
-        <mc:AlternateContent xmlns:mc="http://schemas.openxmlformats.org/markup-compatibility/2006">
-          <mc:Choice xmlns:p14="http://schemas.microsoft.com/office/powerpoint/2010/main" Requires="p14">
-            <p:contentPart p14:bwMode="auto" r:id="rId8">
-              <p14:nvContentPartPr>
-                <p14:cNvPr id="14" name="Ink 13">
-                  <a:extLst>
-                    <a:ext uri="{FF2B5EF4-FFF2-40B4-BE49-F238E27FC236}">
-                      <a16:creationId xmlns:a16="http://schemas.microsoft.com/office/drawing/2014/main" id="{5B96F015-C980-BDA8-488F-35D451DDB64A}"/>
-                    </a:ext>
-                  </a:extLst>
-                </p14:cNvPr>
-                <p14:cNvContentPartPr/>
-                <p14:nvPr/>
-              </p14:nvContentPartPr>
-              <p14:xfrm>
-                <a:off x="1673304" y="5438807"/>
-                <a:ext cx="290880" cy="213480"/>
-              </p14:xfrm>
-            </p:contentPart>
-          </mc:Choice>
-          <mc:Fallback>
-            <p:pic>
-              <p:nvPicPr>
-                <p:cNvPr id="14" name="Ink 13">
-                  <a:extLst>
-                    <a:ext uri="{FF2B5EF4-FFF2-40B4-BE49-F238E27FC236}">
-                      <a16:creationId xmlns:a16="http://schemas.microsoft.com/office/drawing/2014/main" id="{5B96F015-C980-BDA8-488F-35D451DDB64A}"/>
-                    </a:ext>
-                  </a:extLst>
-                </p:cNvPr>
-                <p:cNvPicPr/>
-                <p:nvPr/>
-              </p:nvPicPr>
-              <p:blipFill>
-                <a:blip r:embed="rId9"/>
-                <a:stretch>
-                  <a:fillRect/>
-                </a:stretch>
-              </p:blipFill>
-              <p:spPr>
-                <a:xfrm>
-                  <a:off x="1655304" y="5420837"/>
-                  <a:ext cx="326520" cy="249060"/>
-                </a:xfrm>
-                <a:prstGeom prst="rect">
-                  <a:avLst/>
-                </a:prstGeom>
-              </p:spPr>
-            </p:pic>
-          </mc:Fallback>
-        </mc:AlternateContent>
-        <mc:AlternateContent xmlns:mc="http://schemas.openxmlformats.org/markup-compatibility/2006">
-          <mc:Choice xmlns:p14="http://schemas.microsoft.com/office/powerpoint/2010/main" Requires="p14">
-            <p:contentPart p14:bwMode="auto" r:id="rId10">
-              <p14:nvContentPartPr>
-                <p14:cNvPr id="15" name="Ink 14">
-                  <a:extLst>
-                    <a:ext uri="{FF2B5EF4-FFF2-40B4-BE49-F238E27FC236}">
-                      <a16:creationId xmlns:a16="http://schemas.microsoft.com/office/drawing/2014/main" id="{96085239-56B9-25C6-524D-CDAB1A9046C2}"/>
-                    </a:ext>
-                  </a:extLst>
-                </p14:cNvPr>
-                <p14:cNvContentPartPr/>
-                <p14:nvPr/>
-              </p14:nvContentPartPr>
-              <p14:xfrm>
-                <a:off x="2217984" y="5431967"/>
-                <a:ext cx="29160" cy="360"/>
-              </p14:xfrm>
-            </p:contentPart>
-          </mc:Choice>
-          <mc:Fallback>
-            <p:pic>
-              <p:nvPicPr>
-                <p:cNvPr id="15" name="Ink 14">
-                  <a:extLst>
-                    <a:ext uri="{FF2B5EF4-FFF2-40B4-BE49-F238E27FC236}">
-                      <a16:creationId xmlns:a16="http://schemas.microsoft.com/office/drawing/2014/main" id="{96085239-56B9-25C6-524D-CDAB1A9046C2}"/>
-                    </a:ext>
-                  </a:extLst>
-                </p:cNvPr>
-                <p:cNvPicPr/>
-                <p:nvPr/>
-              </p:nvPicPr>
-              <p:blipFill>
-                <a:blip r:embed="rId11"/>
-                <a:stretch>
-                  <a:fillRect/>
-                </a:stretch>
-              </p:blipFill>
-              <p:spPr>
-                <a:xfrm>
-                  <a:off x="2199984" y="5413967"/>
-                  <a:ext cx="64800" cy="36000"/>
-                </a:xfrm>
-                <a:prstGeom prst="rect">
-                  <a:avLst/>
-                </a:prstGeom>
-              </p:spPr>
-            </p:pic>
-          </mc:Fallback>
-        </mc:AlternateContent>
-        <mc:AlternateContent xmlns:mc="http://schemas.openxmlformats.org/markup-compatibility/2006">
-          <mc:Choice xmlns:p14="http://schemas.microsoft.com/office/powerpoint/2010/main" Requires="p14">
-            <p:contentPart p14:bwMode="auto" r:id="rId12">
-              <p14:nvContentPartPr>
-                <p14:cNvPr id="16" name="Ink 15">
-                  <a:extLst>
-                    <a:ext uri="{FF2B5EF4-FFF2-40B4-BE49-F238E27FC236}">
-                      <a16:creationId xmlns:a16="http://schemas.microsoft.com/office/drawing/2014/main" id="{FFEDC5F0-25BC-3DFA-D5CD-F4E405349BFC}"/>
-                    </a:ext>
-                  </a:extLst>
-                </p14:cNvPr>
-                <p14:cNvContentPartPr/>
-                <p14:nvPr/>
-              </p14:nvContentPartPr>
-              <p14:xfrm>
-                <a:off x="2175864" y="5431247"/>
-                <a:ext cx="288720" cy="390600"/>
-              </p14:xfrm>
-            </p:contentPart>
-          </mc:Choice>
-          <mc:Fallback>
-            <p:pic>
-              <p:nvPicPr>
-                <p:cNvPr id="16" name="Ink 15">
-                  <a:extLst>
-                    <a:ext uri="{FF2B5EF4-FFF2-40B4-BE49-F238E27FC236}">
-                      <a16:creationId xmlns:a16="http://schemas.microsoft.com/office/drawing/2014/main" id="{FFEDC5F0-25BC-3DFA-D5CD-F4E405349BFC}"/>
-                    </a:ext>
-                  </a:extLst>
-                </p:cNvPr>
-                <p:cNvPicPr/>
-                <p:nvPr/>
-              </p:nvPicPr>
-              <p:blipFill>
-                <a:blip r:embed="rId13"/>
-                <a:stretch>
-                  <a:fillRect/>
-                </a:stretch>
-              </p:blipFill>
-              <p:spPr>
-                <a:xfrm>
-                  <a:off x="2157864" y="5413247"/>
-                  <a:ext cx="324360" cy="426240"/>
-                </a:xfrm>
-                <a:prstGeom prst="rect">
-                  <a:avLst/>
-                </a:prstGeom>
-              </p:spPr>
-            </p:pic>
-          </mc:Fallback>
-        </mc:AlternateContent>
-      </p:grpSp>
-      <p:grpSp>
-        <p:nvGrpSpPr>
-          <p:cNvPr id="8" name="Group 7">
-            <a:extLst>
-              <a:ext uri="{FF2B5EF4-FFF2-40B4-BE49-F238E27FC236}">
-                <a16:creationId xmlns:a16="http://schemas.microsoft.com/office/drawing/2014/main" id="{8830F95B-826A-2358-4E5D-9FECF9BE1DC5}"/>
-              </a:ext>
-            </a:extLst>
-          </p:cNvPr>
-          <p:cNvGrpSpPr/>
-          <p:nvPr/>
-        </p:nvGrpSpPr>
-        <p:grpSpPr>
-          <a:xfrm>
-            <a:off x="1154904" y="4152887"/>
-            <a:ext cx="1622880" cy="914400"/>
-            <a:chOff x="1154904" y="4152887"/>
-            <a:chExt cx="1622880" cy="914400"/>
-          </a:xfrm>
-        </p:grpSpPr>
-        <mc:AlternateContent xmlns:mc="http://schemas.openxmlformats.org/markup-compatibility/2006">
-          <mc:Choice xmlns:p14="http://schemas.microsoft.com/office/powerpoint/2010/main" Requires="p14">
-            <p:contentPart p14:bwMode="auto" r:id="rId14">
-              <p14:nvContentPartPr>
-                <p14:cNvPr id="4" name="Ink 3">
-                  <a:extLst>
-                    <a:ext uri="{FF2B5EF4-FFF2-40B4-BE49-F238E27FC236}">
-                      <a16:creationId xmlns:a16="http://schemas.microsoft.com/office/drawing/2014/main" id="{652FCA8E-E127-7E98-4F71-98775FFAE66A}"/>
-                    </a:ext>
-                  </a:extLst>
-                </p14:cNvPr>
-                <p14:cNvContentPartPr/>
-                <p14:nvPr/>
-              </p14:nvContentPartPr>
-              <p14:xfrm>
-                <a:off x="1154904" y="4152887"/>
-                <a:ext cx="1622880" cy="914400"/>
-              </p14:xfrm>
-            </p:contentPart>
-          </mc:Choice>
-          <mc:Fallback>
-            <p:pic>
-              <p:nvPicPr>
-                <p:cNvPr id="4" name="Ink 3">
-                  <a:extLst>
-                    <a:ext uri="{FF2B5EF4-FFF2-40B4-BE49-F238E27FC236}">
-                      <a16:creationId xmlns:a16="http://schemas.microsoft.com/office/drawing/2014/main" id="{652FCA8E-E127-7E98-4F71-98775FFAE66A}"/>
-                    </a:ext>
-                  </a:extLst>
-                </p:cNvPr>
-                <p:cNvPicPr/>
-                <p:nvPr/>
-              </p:nvPicPr>
-              <p:blipFill>
-                <a:blip r:embed="rId15"/>
-                <a:stretch>
-                  <a:fillRect/>
-                </a:stretch>
-              </p:blipFill>
-              <p:spPr>
-                <a:xfrm>
                   <a:off x="1136904" y="4134887"/>
                   <a:ext cx="1658520" cy="950040"/>
                 </a:xfrm>
@@ -7756,8 +9823,8 @@
               </p:blipFill>
               <p:spPr>
                 <a:xfrm>
-                  <a:off x="1198464" y="3352607"/>
-                  <a:ext cx="230400" cy="240840"/>
+                  <a:off x="1198104" y="3352639"/>
+                  <a:ext cx="230400" cy="240778"/>
                 </a:xfrm>
                 <a:prstGeom prst="rect">
                   <a:avLst/>
@@ -7807,7 +9874,7 @@
               </p:blipFill>
               <p:spPr>
                 <a:xfrm>
-                  <a:off x="1236984" y="3562127"/>
+                  <a:off x="1236984" y="3561767"/>
                   <a:ext cx="52200" cy="246240"/>
                 </a:xfrm>
                 <a:prstGeom prst="rect">
@@ -7858,8 +9925,8 @@
               </p:blipFill>
               <p:spPr>
                 <a:xfrm>
-                  <a:off x="1359384" y="3562847"/>
-                  <a:ext cx="166680" cy="219600"/>
+                  <a:off x="1358974" y="3562487"/>
+                  <a:ext cx="166778" cy="219600"/>
                 </a:xfrm>
                 <a:prstGeom prst="rect">
                   <a:avLst/>
@@ -7909,7 +9976,7 @@
               </p:blipFill>
               <p:spPr>
                 <a:xfrm>
-                  <a:off x="1554864" y="3546647"/>
+                  <a:off x="1554864" y="3546287"/>
                   <a:ext cx="152280" cy="208440"/>
                 </a:xfrm>
                 <a:prstGeom prst="rect">
@@ -7960,7 +10027,7 @@
               </p:blipFill>
               <p:spPr>
                 <a:xfrm>
-                  <a:off x="1740264" y="3554207"/>
+                  <a:off x="1740264" y="3553847"/>
                   <a:ext cx="154080" cy="193320"/>
                 </a:xfrm>
                 <a:prstGeom prst="rect">
@@ -8011,7 +10078,7 @@
               </p:blipFill>
               <p:spPr>
                 <a:xfrm>
-                  <a:off x="2216544" y="3228767"/>
+                  <a:off x="2216184" y="3228767"/>
                   <a:ext cx="112320" cy="580680"/>
                 </a:xfrm>
                 <a:prstGeom prst="rect">
@@ -8062,8 +10129,8 @@
               </p:blipFill>
               <p:spPr>
                 <a:xfrm>
-                  <a:off x="2152464" y="3311567"/>
-                  <a:ext cx="364680" cy="248040"/>
+                  <a:off x="2152104" y="3311597"/>
+                  <a:ext cx="364680" cy="247980"/>
                 </a:xfrm>
                 <a:prstGeom prst="rect">
                   <a:avLst/>
@@ -8113,8 +10180,8 @@
               </p:blipFill>
               <p:spPr>
                 <a:xfrm>
-                  <a:off x="2391864" y="3538727"/>
-                  <a:ext cx="236520" cy="219960"/>
+                  <a:off x="2391472" y="3538367"/>
+                  <a:ext cx="236584" cy="219960"/>
                 </a:xfrm>
                 <a:prstGeom prst="rect">
                   <a:avLst/>
@@ -8164,8 +10231,8 @@
               </p:blipFill>
               <p:spPr>
                 <a:xfrm>
-                  <a:off x="2629824" y="3629807"/>
-                  <a:ext cx="193320" cy="253080"/>
+                  <a:off x="2629824" y="3629837"/>
+                  <a:ext cx="193320" cy="253021"/>
                 </a:xfrm>
                 <a:prstGeom prst="rect">
                   <a:avLst/>
@@ -8266,8 +10333,8 @@
               </p:blipFill>
               <p:spPr>
                 <a:xfrm>
-                  <a:off x="3042744" y="3631967"/>
-                  <a:ext cx="183960" cy="180720"/>
+                  <a:off x="3042744" y="3631562"/>
+                  <a:ext cx="183960" cy="180809"/>
                 </a:xfrm>
                 <a:prstGeom prst="rect">
                   <a:avLst/>
@@ -8317,8 +10384,8 @@
               </p:blipFill>
               <p:spPr>
                 <a:xfrm>
-                  <a:off x="3236064" y="3685247"/>
-                  <a:ext cx="167760" cy="201960"/>
+                  <a:off x="3236113" y="3685286"/>
+                  <a:ext cx="167663" cy="201883"/>
                 </a:xfrm>
                 <a:prstGeom prst="rect">
                   <a:avLst/>
@@ -8368,7 +10435,7 @@
               </p:blipFill>
               <p:spPr>
                 <a:xfrm>
-                  <a:off x="3450264" y="3699287"/>
+                  <a:off x="3449904" y="3698927"/>
                   <a:ext cx="306360" cy="209520"/>
                 </a:xfrm>
                 <a:prstGeom prst="rect">
@@ -8463,7 +10530,7 @@
     </p:spTree>
     <p:extLst>
       <p:ext uri="{BB962C8B-B14F-4D97-AF65-F5344CB8AC3E}">
-        <p14:creationId xmlns:p14="http://schemas.microsoft.com/office/powerpoint/2010/main" val="4291797436"/>
+        <p14:creationId xmlns:p14="http://schemas.microsoft.com/office/powerpoint/2010/main" val="2801410708"/>
       </p:ext>
     </p:extLst>
   </p:cSld>
@@ -8571,7 +10638,7 @@
 </p:sld>
 </file>
 
-<file path=ppt/slides/slide14.xml><?xml version="1.0" encoding="utf-8"?>
+<file path=ppt/slides/slide15.xml><?xml version="1.0" encoding="utf-8"?>
 <p:sld xmlns:a="http://schemas.openxmlformats.org/drawingml/2006/main" xmlns:r="http://schemas.openxmlformats.org/officeDocument/2006/relationships" xmlns:p="http://schemas.openxmlformats.org/presentationml/2006/main">
   <p:cSld>
     <p:spTree>
@@ -8853,98 +10920,6 @@
     <p:extLst>
       <p:ext uri="{BB962C8B-B14F-4D97-AF65-F5344CB8AC3E}">
         <p14:creationId xmlns:p14="http://schemas.microsoft.com/office/powerpoint/2010/main" val="3284301165"/>
-      </p:ext>
-    </p:extLst>
-  </p:cSld>
-  <p:clrMapOvr>
-    <a:masterClrMapping/>
-  </p:clrMapOvr>
-</p:sld>
-</file>
-
-<file path=ppt/slides/slide15.xml><?xml version="1.0" encoding="utf-8"?>
-<p:sld xmlns:a="http://schemas.openxmlformats.org/drawingml/2006/main" xmlns:r="http://schemas.openxmlformats.org/officeDocument/2006/relationships" xmlns:p="http://schemas.openxmlformats.org/presentationml/2006/main">
-  <p:cSld>
-    <p:spTree>
-      <p:nvGrpSpPr>
-        <p:cNvPr id="1" name=""/>
-        <p:cNvGrpSpPr/>
-        <p:nvPr/>
-      </p:nvGrpSpPr>
-      <p:grpSpPr>
-        <a:xfrm>
-          <a:off x="0" y="0"/>
-          <a:ext cx="0" cy="0"/>
-          <a:chOff x="0" y="0"/>
-          <a:chExt cx="0" cy="0"/>
-        </a:xfrm>
-      </p:grpSpPr>
-      <p:sp>
-        <p:nvSpPr>
-          <p:cNvPr id="2" name="Title 1">
-            <a:extLst>
-              <a:ext uri="{FF2B5EF4-FFF2-40B4-BE49-F238E27FC236}">
-                <a16:creationId xmlns:a16="http://schemas.microsoft.com/office/drawing/2014/main" id="{E1A3865C-84E8-5B7E-A5DE-2BC4937ED1EC}"/>
-              </a:ext>
-            </a:extLst>
-          </p:cNvPr>
-          <p:cNvSpPr>
-            <a:spLocks noGrp="1"/>
-          </p:cNvSpPr>
-          <p:nvPr>
-            <p:ph type="title"/>
-          </p:nvPr>
-        </p:nvSpPr>
-        <p:spPr/>
-        <p:txBody>
-          <a:bodyPr/>
-          <a:lstStyle/>
-          <a:p>
-            <a:r>
-              <a:rPr lang="en-US" dirty="0"/>
-              <a:t>Stacks</a:t>
-            </a:r>
-          </a:p>
-        </p:txBody>
-      </p:sp>
-      <p:sp>
-        <p:nvSpPr>
-          <p:cNvPr id="3" name="Content Placeholder 2">
-            <a:extLst>
-              <a:ext uri="{FF2B5EF4-FFF2-40B4-BE49-F238E27FC236}">
-                <a16:creationId xmlns:a16="http://schemas.microsoft.com/office/drawing/2014/main" id="{40EC14C3-A18F-122F-48E0-EC76FB6C9942}"/>
-              </a:ext>
-            </a:extLst>
-          </p:cNvPr>
-          <p:cNvSpPr>
-            <a:spLocks noGrp="1"/>
-          </p:cNvSpPr>
-          <p:nvPr>
-            <p:ph idx="1"/>
-          </p:nvPr>
-        </p:nvSpPr>
-        <p:spPr/>
-        <p:txBody>
-          <a:bodyPr/>
-          <a:lstStyle/>
-          <a:p>
-            <a:r>
-              <a:rPr lang="en-US" dirty="0"/>
-              <a:t>Tradeoffs:</a:t>
-            </a:r>
-          </a:p>
-          <a:p>
-            <a:r>
-              <a:rPr lang="en-US" dirty="0"/>
-              <a:t>Speed</a:t>
-            </a:r>
-          </a:p>
-        </p:txBody>
-      </p:sp>
-    </p:spTree>
-    <p:extLst>
-      <p:ext uri="{BB962C8B-B14F-4D97-AF65-F5344CB8AC3E}">
-        <p14:creationId xmlns:p14="http://schemas.microsoft.com/office/powerpoint/2010/main" val="3673167045"/>
       </p:ext>
     </p:extLst>
   </p:cSld>
@@ -9031,54 +11006,12 @@
               <a:t>Speed</a:t>
             </a:r>
           </a:p>
-          <a:p>
-            <a:r>
-              <a:rPr lang="en-US" dirty="0"/>
-              <a:t>This Guy</a:t>
-            </a:r>
-          </a:p>
         </p:txBody>
       </p:sp>
-      <p:pic>
-        <p:nvPicPr>
-          <p:cNvPr id="5" name="Picture 4" descr="A person in a suit&#10;&#10;Description automatically generated">
-            <a:extLst>
-              <a:ext uri="{FF2B5EF4-FFF2-40B4-BE49-F238E27FC236}">
-                <a16:creationId xmlns:a16="http://schemas.microsoft.com/office/drawing/2014/main" id="{838044C8-7A5D-4F5E-62EE-69430DB76A2F}"/>
-              </a:ext>
-            </a:extLst>
-          </p:cNvPr>
-          <p:cNvPicPr>
-            <a:picLocks noChangeAspect="1"/>
-          </p:cNvPicPr>
-          <p:nvPr/>
-        </p:nvPicPr>
-        <p:blipFill>
-          <a:blip r:embed="rId2">
-            <a:extLst>
-              <a:ext uri="{28A0092B-C50C-407E-A947-70E740481C1C}">
-                <a14:useLocalDpi xmlns:a14="http://schemas.microsoft.com/office/drawing/2010/main" val="0"/>
-              </a:ext>
-            </a:extLst>
-          </a:blip>
-          <a:stretch>
-            <a:fillRect/>
-          </a:stretch>
-        </p:blipFill>
-        <p:spPr>
-          <a:xfrm>
-            <a:off x="2827860" y="3136390"/>
-            <a:ext cx="2232337" cy="3086180"/>
-          </a:xfrm>
-          <a:prstGeom prst="rect">
-            <a:avLst/>
-          </a:prstGeom>
-        </p:spPr>
-      </p:pic>
     </p:spTree>
     <p:extLst>
       <p:ext uri="{BB962C8B-B14F-4D97-AF65-F5344CB8AC3E}">
-        <p14:creationId xmlns:p14="http://schemas.microsoft.com/office/powerpoint/2010/main" val="1906787196"/>
+        <p14:creationId xmlns:p14="http://schemas.microsoft.com/office/powerpoint/2010/main" val="3673167045"/>
       </p:ext>
     </p:extLst>
   </p:cSld>
@@ -9209,57 +11142,10 @@
           </a:prstGeom>
         </p:spPr>
       </p:pic>
-      <p:sp>
-        <p:nvSpPr>
-          <p:cNvPr id="4" name="TextBox 3">
-            <a:extLst>
-              <a:ext uri="{FF2B5EF4-FFF2-40B4-BE49-F238E27FC236}">
-                <a16:creationId xmlns:a16="http://schemas.microsoft.com/office/drawing/2014/main" id="{731D8899-D8DE-D096-5DA3-9408B8F97484}"/>
-              </a:ext>
-            </a:extLst>
-          </p:cNvPr>
-          <p:cNvSpPr txBox="1"/>
-          <p:nvPr/>
-        </p:nvSpPr>
-        <p:spPr>
-          <a:xfrm>
-            <a:off x="5408908" y="3429000"/>
-            <a:ext cx="3572360" cy="1200329"/>
-          </a:xfrm>
-          <a:prstGeom prst="rect">
-            <a:avLst/>
-          </a:prstGeom>
-          <a:noFill/>
-        </p:spPr>
-        <p:txBody>
-          <a:bodyPr wrap="square" rtlCol="0">
-            <a:spAutoFit/>
-          </a:bodyPr>
-          <a:lstStyle/>
-          <a:p>
-            <a:r>
-              <a:rPr lang="en-US" dirty="0"/>
-              <a:t>Making your own systems</a:t>
-            </a:r>
-          </a:p>
-          <a:p>
-            <a:r>
-              <a:rPr lang="en-US" dirty="0"/>
-              <a:t>vs.</a:t>
-            </a:r>
-          </a:p>
-          <a:p>
-            <a:r>
-              <a:rPr lang="en-US" dirty="0"/>
-              <a:t>Using systems He created</a:t>
-            </a:r>
-          </a:p>
-        </p:txBody>
-      </p:sp>
     </p:spTree>
     <p:extLst>
       <p:ext uri="{BB962C8B-B14F-4D97-AF65-F5344CB8AC3E}">
-        <p14:creationId xmlns:p14="http://schemas.microsoft.com/office/powerpoint/2010/main" val="3494312529"/>
+        <p14:creationId xmlns:p14="http://schemas.microsoft.com/office/powerpoint/2010/main" val="1906787196"/>
       </p:ext>
     </p:extLst>
   </p:cSld>
@@ -9330,29 +11216,72 @@
             <p:ph idx="1"/>
           </p:nvPr>
         </p:nvSpPr>
-        <p:spPr>
-          <a:xfrm>
-            <a:off x="685800" y="1880435"/>
-            <a:ext cx="7772400" cy="4114800"/>
-          </a:xfrm>
-        </p:spPr>
+        <p:spPr/>
         <p:txBody>
           <a:bodyPr/>
           <a:lstStyle/>
           <a:p>
             <a:r>
               <a:rPr lang="en-US" dirty="0"/>
-              <a:t>Python Stack:</a:t>
+              <a:t>Tradeoffs:</a:t>
+            </a:r>
+          </a:p>
+          <a:p>
+            <a:r>
+              <a:rPr lang="en-US" dirty="0"/>
+              <a:t>Speed</a:t>
+            </a:r>
+          </a:p>
+          <a:p>
+            <a:r>
+              <a:rPr lang="en-US" dirty="0"/>
+              <a:t>This Guy</a:t>
             </a:r>
           </a:p>
         </p:txBody>
       </p:sp>
+      <p:pic>
+        <p:nvPicPr>
+          <p:cNvPr id="5" name="Picture 4" descr="A person in a suit&#10;&#10;Description automatically generated">
+            <a:extLst>
+              <a:ext uri="{FF2B5EF4-FFF2-40B4-BE49-F238E27FC236}">
+                <a16:creationId xmlns:a16="http://schemas.microsoft.com/office/drawing/2014/main" id="{838044C8-7A5D-4F5E-62EE-69430DB76A2F}"/>
+              </a:ext>
+            </a:extLst>
+          </p:cNvPr>
+          <p:cNvPicPr>
+            <a:picLocks noChangeAspect="1"/>
+          </p:cNvPicPr>
+          <p:nvPr/>
+        </p:nvPicPr>
+        <p:blipFill>
+          <a:blip r:embed="rId2">
+            <a:extLst>
+              <a:ext uri="{28A0092B-C50C-407E-A947-70E740481C1C}">
+                <a14:useLocalDpi xmlns:a14="http://schemas.microsoft.com/office/drawing/2010/main" val="0"/>
+              </a:ext>
+            </a:extLst>
+          </a:blip>
+          <a:stretch>
+            <a:fillRect/>
+          </a:stretch>
+        </p:blipFill>
+        <p:spPr>
+          <a:xfrm>
+            <a:off x="2827860" y="3136390"/>
+            <a:ext cx="2232337" cy="3086180"/>
+          </a:xfrm>
+          <a:prstGeom prst="rect">
+            <a:avLst/>
+          </a:prstGeom>
+        </p:spPr>
+      </p:pic>
       <p:sp>
         <p:nvSpPr>
-          <p:cNvPr id="28" name="TextBox 27">
-            <a:extLst>
-              <a:ext uri="{FF2B5EF4-FFF2-40B4-BE49-F238E27FC236}">
-                <a16:creationId xmlns:a16="http://schemas.microsoft.com/office/drawing/2014/main" id="{E0CE9450-C807-6672-E4DD-84AD7D9C1B83}"/>
+          <p:cNvPr id="4" name="TextBox 3">
+            <a:extLst>
+              <a:ext uri="{FF2B5EF4-FFF2-40B4-BE49-F238E27FC236}">
+                <a16:creationId xmlns:a16="http://schemas.microsoft.com/office/drawing/2014/main" id="{731D8899-D8DE-D096-5DA3-9408B8F97484}"/>
               </a:ext>
             </a:extLst>
           </p:cNvPr>
@@ -9361,18 +11290,13 @@
         </p:nvSpPr>
         <p:spPr>
           <a:xfrm>
-            <a:off x="1383225" y="5060197"/>
-            <a:ext cx="3459996" cy="461665"/>
+            <a:off x="5408908" y="3429000"/>
+            <a:ext cx="3572360" cy="1200329"/>
           </a:xfrm>
           <a:prstGeom prst="rect">
             <a:avLst/>
           </a:prstGeom>
           <a:noFill/>
-          <a:ln>
-            <a:solidFill>
-              <a:schemeClr val="tx1"/>
-            </a:solidFill>
-          </a:ln>
         </p:spPr>
         <p:txBody>
           <a:bodyPr wrap="square" rtlCol="0">
@@ -9380,383 +11304,21 @@
           </a:bodyPr>
           <a:lstStyle/>
           <a:p>
-            <a:pPr algn="ctr"/>
             <a:r>
               <a:rPr lang="en-US" dirty="0"/>
-              <a:t>CPU</a:t>
-            </a:r>
-          </a:p>
-        </p:txBody>
-      </p:sp>
-      <p:sp>
-        <p:nvSpPr>
-          <p:cNvPr id="29" name="TextBox 28">
-            <a:extLst>
-              <a:ext uri="{FF2B5EF4-FFF2-40B4-BE49-F238E27FC236}">
-                <a16:creationId xmlns:a16="http://schemas.microsoft.com/office/drawing/2014/main" id="{7E7E8F8C-12E4-D2F8-9943-81A2B07F024B}"/>
-              </a:ext>
-            </a:extLst>
-          </p:cNvPr>
-          <p:cNvSpPr txBox="1"/>
-          <p:nvPr/>
-        </p:nvSpPr>
-        <p:spPr>
-          <a:xfrm>
-            <a:off x="1383225" y="4553356"/>
-            <a:ext cx="3459996" cy="461665"/>
-          </a:xfrm>
-          <a:prstGeom prst="rect">
-            <a:avLst/>
-          </a:prstGeom>
-          <a:noFill/>
-          <a:ln>
-            <a:solidFill>
-              <a:schemeClr val="tx1"/>
-            </a:solidFill>
-          </a:ln>
-        </p:spPr>
-        <p:txBody>
-          <a:bodyPr wrap="square" rtlCol="0">
-            <a:spAutoFit/>
-          </a:bodyPr>
-          <a:lstStyle/>
-          <a:p>
-            <a:pPr algn="ctr"/>
+              <a:t>Making your own systems</a:t>
+            </a:r>
+          </a:p>
+          <a:p>
             <a:r>
               <a:rPr lang="en-US" dirty="0"/>
-              <a:t>OS</a:t>
-            </a:r>
-          </a:p>
-        </p:txBody>
-      </p:sp>
-      <p:sp>
-        <p:nvSpPr>
-          <p:cNvPr id="32" name="TextBox 31">
-            <a:extLst>
-              <a:ext uri="{FF2B5EF4-FFF2-40B4-BE49-F238E27FC236}">
-                <a16:creationId xmlns:a16="http://schemas.microsoft.com/office/drawing/2014/main" id="{A18D1FFF-96A4-D76D-ACC3-B7CDE1A30AEF}"/>
-              </a:ext>
-            </a:extLst>
-          </p:cNvPr>
-          <p:cNvSpPr txBox="1"/>
-          <p:nvPr/>
-        </p:nvSpPr>
-        <p:spPr>
-          <a:xfrm>
-            <a:off x="4998204" y="3116616"/>
-            <a:ext cx="3459996" cy="461665"/>
-          </a:xfrm>
-          <a:prstGeom prst="rect">
-            <a:avLst/>
-          </a:prstGeom>
-          <a:noFill/>
-          <a:ln>
-            <a:solidFill>
-              <a:schemeClr val="tx1"/>
-            </a:solidFill>
-          </a:ln>
-        </p:spPr>
-        <p:txBody>
-          <a:bodyPr wrap="square" rtlCol="0">
-            <a:spAutoFit/>
-          </a:bodyPr>
-          <a:lstStyle/>
-          <a:p>
-            <a:pPr algn="ctr"/>
+              <a:t>vs.</a:t>
+            </a:r>
+          </a:p>
+          <a:p>
             <a:r>
               <a:rPr lang="en-US" dirty="0"/>
-              <a:t>Python Interpreter</a:t>
-            </a:r>
-          </a:p>
-        </p:txBody>
-      </p:sp>
-      <p:sp>
-        <p:nvSpPr>
-          <p:cNvPr id="34" name="TextBox 33">
-            <a:extLst>
-              <a:ext uri="{FF2B5EF4-FFF2-40B4-BE49-F238E27FC236}">
-                <a16:creationId xmlns:a16="http://schemas.microsoft.com/office/drawing/2014/main" id="{C938F9C2-5B91-FCF1-C6D8-DFC1726F3709}"/>
-              </a:ext>
-            </a:extLst>
-          </p:cNvPr>
-          <p:cNvSpPr txBox="1"/>
-          <p:nvPr/>
-        </p:nvSpPr>
-        <p:spPr>
-          <a:xfrm>
-            <a:off x="4998204" y="2609775"/>
-            <a:ext cx="3459996" cy="461665"/>
-          </a:xfrm>
-          <a:prstGeom prst="rect">
-            <a:avLst/>
-          </a:prstGeom>
-          <a:noFill/>
-          <a:ln>
-            <a:solidFill>
-              <a:schemeClr val="tx1"/>
-            </a:solidFill>
-          </a:ln>
-        </p:spPr>
-        <p:txBody>
-          <a:bodyPr wrap="square" rtlCol="0">
-            <a:spAutoFit/>
-          </a:bodyPr>
-          <a:lstStyle/>
-          <a:p>
-            <a:pPr algn="ctr"/>
-            <a:r>
-              <a:rPr lang="en-US" dirty="0"/>
-              <a:t>Bytecode Interpreter</a:t>
-            </a:r>
-          </a:p>
-        </p:txBody>
-      </p:sp>
-      <p:sp>
-        <p:nvSpPr>
-          <p:cNvPr id="35" name="TextBox 34">
-            <a:extLst>
-              <a:ext uri="{FF2B5EF4-FFF2-40B4-BE49-F238E27FC236}">
-                <a16:creationId xmlns:a16="http://schemas.microsoft.com/office/drawing/2014/main" id="{51516E88-BBC7-1E13-EF68-6EC641E99440}"/>
-              </a:ext>
-            </a:extLst>
-          </p:cNvPr>
-          <p:cNvSpPr txBox="1"/>
-          <p:nvPr/>
-        </p:nvSpPr>
-        <p:spPr>
-          <a:xfrm>
-            <a:off x="4998204" y="2102934"/>
-            <a:ext cx="3459996" cy="461665"/>
-          </a:xfrm>
-          <a:prstGeom prst="rect">
-            <a:avLst/>
-          </a:prstGeom>
-          <a:noFill/>
-          <a:ln>
-            <a:solidFill>
-              <a:schemeClr val="tx1"/>
-            </a:solidFill>
-          </a:ln>
-        </p:spPr>
-        <p:txBody>
-          <a:bodyPr wrap="square" rtlCol="0">
-            <a:spAutoFit/>
-          </a:bodyPr>
-          <a:lstStyle/>
-          <a:p>
-            <a:pPr algn="ctr"/>
-            <a:r>
-              <a:rPr lang="en-US" dirty="0"/>
-              <a:t>Your Code</a:t>
-            </a:r>
-          </a:p>
-        </p:txBody>
-      </p:sp>
-      <p:sp>
-        <p:nvSpPr>
-          <p:cNvPr id="4" name="TextBox 3">
-            <a:extLst>
-              <a:ext uri="{FF2B5EF4-FFF2-40B4-BE49-F238E27FC236}">
-                <a16:creationId xmlns:a16="http://schemas.microsoft.com/office/drawing/2014/main" id="{5272038D-0F94-56B4-D892-C8EAD551FE63}"/>
-              </a:ext>
-            </a:extLst>
-          </p:cNvPr>
-          <p:cNvSpPr txBox="1"/>
-          <p:nvPr/>
-        </p:nvSpPr>
-        <p:spPr>
-          <a:xfrm>
-            <a:off x="5850609" y="5612214"/>
-            <a:ext cx="1910166" cy="461665"/>
-          </a:xfrm>
-          <a:prstGeom prst="rect">
-            <a:avLst/>
-          </a:prstGeom>
-          <a:noFill/>
-          <a:ln>
-            <a:solidFill>
-              <a:schemeClr val="tx1"/>
-            </a:solidFill>
-          </a:ln>
-        </p:spPr>
-        <p:txBody>
-          <a:bodyPr wrap="square" rtlCol="0">
-            <a:spAutoFit/>
-          </a:bodyPr>
-          <a:lstStyle/>
-          <a:p>
-            <a:pPr algn="ctr"/>
-            <a:r>
-              <a:rPr lang="en-US" dirty="0"/>
-              <a:t>CPU</a:t>
-            </a:r>
-          </a:p>
-        </p:txBody>
-      </p:sp>
-      <p:sp>
-        <p:nvSpPr>
-          <p:cNvPr id="5" name="TextBox 4">
-            <a:extLst>
-              <a:ext uri="{FF2B5EF4-FFF2-40B4-BE49-F238E27FC236}">
-                <a16:creationId xmlns:a16="http://schemas.microsoft.com/office/drawing/2014/main" id="{A45ED982-A9D8-4B8E-07C7-F7B6AA78E6CF}"/>
-              </a:ext>
-            </a:extLst>
-          </p:cNvPr>
-          <p:cNvSpPr txBox="1"/>
-          <p:nvPr/>
-        </p:nvSpPr>
-        <p:spPr>
-          <a:xfrm>
-            <a:off x="5850609" y="5105373"/>
-            <a:ext cx="1910166" cy="461665"/>
-          </a:xfrm>
-          <a:prstGeom prst="rect">
-            <a:avLst/>
-          </a:prstGeom>
-          <a:noFill/>
-          <a:ln>
-            <a:solidFill>
-              <a:schemeClr val="tx1"/>
-            </a:solidFill>
-          </a:ln>
-        </p:spPr>
-        <p:txBody>
-          <a:bodyPr wrap="square" rtlCol="0">
-            <a:spAutoFit/>
-          </a:bodyPr>
-          <a:lstStyle/>
-          <a:p>
-            <a:pPr algn="ctr"/>
-            <a:r>
-              <a:rPr lang="en-US" dirty="0"/>
-              <a:t>OS</a:t>
-            </a:r>
-          </a:p>
-        </p:txBody>
-      </p:sp>
-      <p:sp>
-        <p:nvSpPr>
-          <p:cNvPr id="6" name="TextBox 5">
-            <a:extLst>
-              <a:ext uri="{FF2B5EF4-FFF2-40B4-BE49-F238E27FC236}">
-                <a16:creationId xmlns:a16="http://schemas.microsoft.com/office/drawing/2014/main" id="{059A0A7F-5197-2859-543F-77E0EF0AF579}"/>
-              </a:ext>
-            </a:extLst>
-          </p:cNvPr>
-          <p:cNvSpPr txBox="1"/>
-          <p:nvPr/>
-        </p:nvSpPr>
-        <p:spPr>
-          <a:xfrm>
-            <a:off x="5850609" y="4598532"/>
-            <a:ext cx="1910166" cy="461665"/>
-          </a:xfrm>
-          <a:prstGeom prst="rect">
-            <a:avLst/>
-          </a:prstGeom>
-          <a:noFill/>
-          <a:ln>
-            <a:solidFill>
-              <a:schemeClr val="tx1"/>
-            </a:solidFill>
-          </a:ln>
-        </p:spPr>
-        <p:txBody>
-          <a:bodyPr wrap="square" rtlCol="0">
-            <a:spAutoFit/>
-          </a:bodyPr>
-          <a:lstStyle/>
-          <a:p>
-            <a:pPr algn="ctr"/>
-            <a:r>
-              <a:rPr lang="en-US" dirty="0"/>
-              <a:t>Browser</a:t>
-            </a:r>
-          </a:p>
-        </p:txBody>
-      </p:sp>
-      <p:sp>
-        <p:nvSpPr>
-          <p:cNvPr id="7" name="TextBox 6">
-            <a:extLst>
-              <a:ext uri="{FF2B5EF4-FFF2-40B4-BE49-F238E27FC236}">
-                <a16:creationId xmlns:a16="http://schemas.microsoft.com/office/drawing/2014/main" id="{D2285612-9D7C-39CC-DB1B-7E4DA9F03B4D}"/>
-              </a:ext>
-            </a:extLst>
-          </p:cNvPr>
-          <p:cNvSpPr txBox="1"/>
-          <p:nvPr/>
-        </p:nvSpPr>
-        <p:spPr>
-          <a:xfrm>
-            <a:off x="5850609" y="4091691"/>
-            <a:ext cx="1910166" cy="461665"/>
-          </a:xfrm>
-          <a:prstGeom prst="rect">
-            <a:avLst/>
-          </a:prstGeom>
-          <a:noFill/>
-          <a:ln>
-            <a:solidFill>
-              <a:schemeClr val="tx1"/>
-            </a:solidFill>
-          </a:ln>
-        </p:spPr>
-        <p:txBody>
-          <a:bodyPr wrap="square" rtlCol="0">
-            <a:spAutoFit/>
-          </a:bodyPr>
-          <a:lstStyle/>
-          <a:p>
-            <a:pPr algn="ctr"/>
-            <a:r>
-              <a:rPr lang="en-US" dirty="0"/>
-              <a:t>JS Interpreter</a:t>
-            </a:r>
-          </a:p>
-        </p:txBody>
-      </p:sp>
-      <p:sp>
-        <p:nvSpPr>
-          <p:cNvPr id="8" name="TextBox 7">
-            <a:extLst>
-              <a:ext uri="{FF2B5EF4-FFF2-40B4-BE49-F238E27FC236}">
-                <a16:creationId xmlns:a16="http://schemas.microsoft.com/office/drawing/2014/main" id="{CE2ECA95-36BB-3C14-3082-1F0FB5B82CE3}"/>
-              </a:ext>
-            </a:extLst>
-          </p:cNvPr>
-          <p:cNvSpPr txBox="1"/>
-          <p:nvPr/>
-        </p:nvSpPr>
-        <p:spPr>
-          <a:xfrm>
-            <a:off x="4417984" y="3584850"/>
-            <a:ext cx="4775415" cy="461665"/>
-          </a:xfrm>
-          <a:prstGeom prst="rect">
-            <a:avLst/>
-          </a:prstGeom>
-          <a:noFill/>
-          <a:ln>
-            <a:solidFill>
-              <a:schemeClr val="tx1"/>
-            </a:solidFill>
-          </a:ln>
-        </p:spPr>
-        <p:txBody>
-          <a:bodyPr wrap="square" rtlCol="0">
-            <a:spAutoFit/>
-          </a:bodyPr>
-          <a:lstStyle/>
-          <a:p>
-            <a:pPr algn="ctr"/>
-            <a:r>
-              <a:rPr lang="en-US" dirty="0" err="1"/>
-              <a:t>WebAssembly</a:t>
-            </a:r>
-            <a:r>
-              <a:rPr lang="en-US" dirty="0"/>
-              <a:t> Interpreter </a:t>
+              <a:t>Using systems He created</a:t>
             </a:r>
           </a:p>
         </p:txBody>
@@ -9764,7 +11326,7 @@
     </p:spTree>
     <p:extLst>
       <p:ext uri="{BB962C8B-B14F-4D97-AF65-F5344CB8AC3E}">
-        <p14:creationId xmlns:p14="http://schemas.microsoft.com/office/powerpoint/2010/main" val="2585367299"/>
+        <p14:creationId xmlns:p14="http://schemas.microsoft.com/office/powerpoint/2010/main" val="3494312529"/>
       </p:ext>
     </p:extLst>
   </p:cSld>
@@ -10242,7 +11804,12 @@
             <p:ph idx="1"/>
           </p:nvPr>
         </p:nvSpPr>
-        <p:spPr/>
+        <p:spPr>
+          <a:xfrm>
+            <a:off x="685800" y="1880435"/>
+            <a:ext cx="7772400" cy="4114800"/>
+          </a:xfrm>
+        </p:spPr>
         <p:txBody>
           <a:bodyPr/>
           <a:lstStyle/>
@@ -10350,7 +11917,7 @@
         </p:nvSpPr>
         <p:spPr>
           <a:xfrm>
-            <a:off x="1383225" y="4046515"/>
+            <a:off x="4998204" y="3116616"/>
             <a:ext cx="3459996" cy="461665"/>
           </a:xfrm>
           <a:prstGeom prst="rect">
@@ -10391,7 +11958,7 @@
         </p:nvSpPr>
         <p:spPr>
           <a:xfrm>
-            <a:off x="1383225" y="3539674"/>
+            <a:off x="4998204" y="2609775"/>
             <a:ext cx="3459996" cy="461665"/>
           </a:xfrm>
           <a:prstGeom prst="rect">
@@ -10432,7 +11999,7 @@
         </p:nvSpPr>
         <p:spPr>
           <a:xfrm>
-            <a:off x="1383225" y="3032833"/>
+            <a:off x="4998204" y="2102934"/>
             <a:ext cx="3459996" cy="461665"/>
           </a:xfrm>
           <a:prstGeom prst="rect">
@@ -10459,10 +12026,219 @@
           </a:p>
         </p:txBody>
       </p:sp>
+      <p:sp>
+        <p:nvSpPr>
+          <p:cNvPr id="4" name="TextBox 3">
+            <a:extLst>
+              <a:ext uri="{FF2B5EF4-FFF2-40B4-BE49-F238E27FC236}">
+                <a16:creationId xmlns:a16="http://schemas.microsoft.com/office/drawing/2014/main" id="{5272038D-0F94-56B4-D892-C8EAD551FE63}"/>
+              </a:ext>
+            </a:extLst>
+          </p:cNvPr>
+          <p:cNvSpPr txBox="1"/>
+          <p:nvPr/>
+        </p:nvSpPr>
+        <p:spPr>
+          <a:xfrm>
+            <a:off x="5850609" y="5612214"/>
+            <a:ext cx="1910166" cy="461665"/>
+          </a:xfrm>
+          <a:prstGeom prst="rect">
+            <a:avLst/>
+          </a:prstGeom>
+          <a:noFill/>
+          <a:ln>
+            <a:solidFill>
+              <a:schemeClr val="tx1"/>
+            </a:solidFill>
+          </a:ln>
+        </p:spPr>
+        <p:txBody>
+          <a:bodyPr wrap="square" rtlCol="0">
+            <a:spAutoFit/>
+          </a:bodyPr>
+          <a:lstStyle/>
+          <a:p>
+            <a:pPr algn="ctr"/>
+            <a:r>
+              <a:rPr lang="en-US" dirty="0"/>
+              <a:t>CPU</a:t>
+            </a:r>
+          </a:p>
+        </p:txBody>
+      </p:sp>
+      <p:sp>
+        <p:nvSpPr>
+          <p:cNvPr id="5" name="TextBox 4">
+            <a:extLst>
+              <a:ext uri="{FF2B5EF4-FFF2-40B4-BE49-F238E27FC236}">
+                <a16:creationId xmlns:a16="http://schemas.microsoft.com/office/drawing/2014/main" id="{A45ED982-A9D8-4B8E-07C7-F7B6AA78E6CF}"/>
+              </a:ext>
+            </a:extLst>
+          </p:cNvPr>
+          <p:cNvSpPr txBox="1"/>
+          <p:nvPr/>
+        </p:nvSpPr>
+        <p:spPr>
+          <a:xfrm>
+            <a:off x="5850609" y="5105373"/>
+            <a:ext cx="1910166" cy="461665"/>
+          </a:xfrm>
+          <a:prstGeom prst="rect">
+            <a:avLst/>
+          </a:prstGeom>
+          <a:noFill/>
+          <a:ln>
+            <a:solidFill>
+              <a:schemeClr val="tx1"/>
+            </a:solidFill>
+          </a:ln>
+        </p:spPr>
+        <p:txBody>
+          <a:bodyPr wrap="square" rtlCol="0">
+            <a:spAutoFit/>
+          </a:bodyPr>
+          <a:lstStyle/>
+          <a:p>
+            <a:pPr algn="ctr"/>
+            <a:r>
+              <a:rPr lang="en-US" dirty="0"/>
+              <a:t>OS</a:t>
+            </a:r>
+          </a:p>
+        </p:txBody>
+      </p:sp>
+      <p:sp>
+        <p:nvSpPr>
+          <p:cNvPr id="6" name="TextBox 5">
+            <a:extLst>
+              <a:ext uri="{FF2B5EF4-FFF2-40B4-BE49-F238E27FC236}">
+                <a16:creationId xmlns:a16="http://schemas.microsoft.com/office/drawing/2014/main" id="{059A0A7F-5197-2859-543F-77E0EF0AF579}"/>
+              </a:ext>
+            </a:extLst>
+          </p:cNvPr>
+          <p:cNvSpPr txBox="1"/>
+          <p:nvPr/>
+        </p:nvSpPr>
+        <p:spPr>
+          <a:xfrm>
+            <a:off x="5850609" y="4598532"/>
+            <a:ext cx="1910166" cy="461665"/>
+          </a:xfrm>
+          <a:prstGeom prst="rect">
+            <a:avLst/>
+          </a:prstGeom>
+          <a:noFill/>
+          <a:ln>
+            <a:solidFill>
+              <a:schemeClr val="tx1"/>
+            </a:solidFill>
+          </a:ln>
+        </p:spPr>
+        <p:txBody>
+          <a:bodyPr wrap="square" rtlCol="0">
+            <a:spAutoFit/>
+          </a:bodyPr>
+          <a:lstStyle/>
+          <a:p>
+            <a:pPr algn="ctr"/>
+            <a:r>
+              <a:rPr lang="en-US" dirty="0"/>
+              <a:t>Browser</a:t>
+            </a:r>
+          </a:p>
+        </p:txBody>
+      </p:sp>
+      <p:sp>
+        <p:nvSpPr>
+          <p:cNvPr id="7" name="TextBox 6">
+            <a:extLst>
+              <a:ext uri="{FF2B5EF4-FFF2-40B4-BE49-F238E27FC236}">
+                <a16:creationId xmlns:a16="http://schemas.microsoft.com/office/drawing/2014/main" id="{D2285612-9D7C-39CC-DB1B-7E4DA9F03B4D}"/>
+              </a:ext>
+            </a:extLst>
+          </p:cNvPr>
+          <p:cNvSpPr txBox="1"/>
+          <p:nvPr/>
+        </p:nvSpPr>
+        <p:spPr>
+          <a:xfrm>
+            <a:off x="5850609" y="4091691"/>
+            <a:ext cx="1910166" cy="461665"/>
+          </a:xfrm>
+          <a:prstGeom prst="rect">
+            <a:avLst/>
+          </a:prstGeom>
+          <a:noFill/>
+          <a:ln>
+            <a:solidFill>
+              <a:schemeClr val="tx1"/>
+            </a:solidFill>
+          </a:ln>
+        </p:spPr>
+        <p:txBody>
+          <a:bodyPr wrap="square" rtlCol="0">
+            <a:spAutoFit/>
+          </a:bodyPr>
+          <a:lstStyle/>
+          <a:p>
+            <a:pPr algn="ctr"/>
+            <a:r>
+              <a:rPr lang="en-US" dirty="0"/>
+              <a:t>JS Interpreter</a:t>
+            </a:r>
+          </a:p>
+        </p:txBody>
+      </p:sp>
+      <p:sp>
+        <p:nvSpPr>
+          <p:cNvPr id="8" name="TextBox 7">
+            <a:extLst>
+              <a:ext uri="{FF2B5EF4-FFF2-40B4-BE49-F238E27FC236}">
+                <a16:creationId xmlns:a16="http://schemas.microsoft.com/office/drawing/2014/main" id="{CE2ECA95-36BB-3C14-3082-1F0FB5B82CE3}"/>
+              </a:ext>
+            </a:extLst>
+          </p:cNvPr>
+          <p:cNvSpPr txBox="1"/>
+          <p:nvPr/>
+        </p:nvSpPr>
+        <p:spPr>
+          <a:xfrm>
+            <a:off x="4417984" y="3584850"/>
+            <a:ext cx="4775415" cy="461665"/>
+          </a:xfrm>
+          <a:prstGeom prst="rect">
+            <a:avLst/>
+          </a:prstGeom>
+          <a:noFill/>
+          <a:ln>
+            <a:solidFill>
+              <a:schemeClr val="tx1"/>
+            </a:solidFill>
+          </a:ln>
+        </p:spPr>
+        <p:txBody>
+          <a:bodyPr wrap="square" rtlCol="0">
+            <a:spAutoFit/>
+          </a:bodyPr>
+          <a:lstStyle/>
+          <a:p>
+            <a:pPr algn="ctr"/>
+            <a:r>
+              <a:rPr lang="en-US" dirty="0" err="1"/>
+              <a:t>WebAssembly</a:t>
+            </a:r>
+            <a:r>
+              <a:rPr lang="en-US" dirty="0"/>
+              <a:t> Interpreter </a:t>
+            </a:r>
+          </a:p>
+        </p:txBody>
+      </p:sp>
     </p:spTree>
     <p:extLst>
       <p:ext uri="{BB962C8B-B14F-4D97-AF65-F5344CB8AC3E}">
-        <p14:creationId xmlns:p14="http://schemas.microsoft.com/office/powerpoint/2010/main" val="2951427422"/>
+        <p14:creationId xmlns:p14="http://schemas.microsoft.com/office/powerpoint/2010/main" val="2585367299"/>
       </p:ext>
     </p:extLst>
   </p:cSld>
@@ -10517,243 +12293,46 @@
           </a:p>
         </p:txBody>
       </p:sp>
-      <p:sp>
-        <p:nvSpPr>
-          <p:cNvPr id="3" name="Content Placeholder 2">
-            <a:extLst>
-              <a:ext uri="{FF2B5EF4-FFF2-40B4-BE49-F238E27FC236}">
-                <a16:creationId xmlns:a16="http://schemas.microsoft.com/office/drawing/2014/main" id="{40EC14C3-A18F-122F-48E0-EC76FB6C9942}"/>
-              </a:ext>
-            </a:extLst>
-          </p:cNvPr>
-          <p:cNvSpPr>
-            <a:spLocks noGrp="1"/>
-          </p:cNvSpPr>
-          <p:nvPr>
-            <p:ph idx="1"/>
-          </p:nvPr>
-        </p:nvSpPr>
-        <p:spPr/>
-        <p:txBody>
-          <a:bodyPr/>
-          <a:lstStyle/>
-          <a:p>
-            <a:r>
-              <a:rPr lang="en-US" dirty="0"/>
-              <a:t>Python Stack:</a:t>
-            </a:r>
-          </a:p>
-        </p:txBody>
-      </p:sp>
-      <p:sp>
-        <p:nvSpPr>
-          <p:cNvPr id="28" name="TextBox 27">
-            <a:extLst>
-              <a:ext uri="{FF2B5EF4-FFF2-40B4-BE49-F238E27FC236}">
-                <a16:creationId xmlns:a16="http://schemas.microsoft.com/office/drawing/2014/main" id="{E0CE9450-C807-6672-E4DD-84AD7D9C1B83}"/>
-              </a:ext>
-            </a:extLst>
-          </p:cNvPr>
-          <p:cNvSpPr txBox="1"/>
+      <p:pic>
+        <p:nvPicPr>
+          <p:cNvPr id="6" name="Picture 5" descr="A tower of babylon with a crowd of people&#10;&#10;Description automatically generated">
+            <a:extLst>
+              <a:ext uri="{FF2B5EF4-FFF2-40B4-BE49-F238E27FC236}">
+                <a16:creationId xmlns:a16="http://schemas.microsoft.com/office/drawing/2014/main" id="{3D268C40-A600-6527-4262-B32FDA0BFBB4}"/>
+              </a:ext>
+            </a:extLst>
+          </p:cNvPr>
+          <p:cNvPicPr>
+            <a:picLocks noChangeAspect="1"/>
+          </p:cNvPicPr>
           <p:nvPr/>
-        </p:nvSpPr>
+        </p:nvPicPr>
+        <p:blipFill>
+          <a:blip r:embed="rId2">
+            <a:extLst>
+              <a:ext uri="{28A0092B-C50C-407E-A947-70E740481C1C}">
+                <a14:useLocalDpi xmlns:a14="http://schemas.microsoft.com/office/drawing/2010/main" val="0"/>
+              </a:ext>
+            </a:extLst>
+          </a:blip>
+          <a:stretch>
+            <a:fillRect/>
+          </a:stretch>
+        </p:blipFill>
         <p:spPr>
           <a:xfrm>
-            <a:off x="1383225" y="5060197"/>
-            <a:ext cx="3459996" cy="461665"/>
+            <a:off x="0" y="312539"/>
+            <a:ext cx="9144000" cy="6232922"/>
           </a:xfrm>
           <a:prstGeom prst="rect">
             <a:avLst/>
           </a:prstGeom>
-          <a:noFill/>
-          <a:ln>
-            <a:solidFill>
-              <a:schemeClr val="tx1"/>
-            </a:solidFill>
-          </a:ln>
         </p:spPr>
-        <p:txBody>
-          <a:bodyPr wrap="square" rtlCol="0">
-            <a:spAutoFit/>
-          </a:bodyPr>
-          <a:lstStyle/>
-          <a:p>
-            <a:pPr algn="ctr"/>
-            <a:r>
-              <a:rPr lang="en-US" dirty="0"/>
-              <a:t>CPU</a:t>
-            </a:r>
-          </a:p>
-        </p:txBody>
-      </p:sp>
-      <p:sp>
-        <p:nvSpPr>
-          <p:cNvPr id="29" name="TextBox 28">
-            <a:extLst>
-              <a:ext uri="{FF2B5EF4-FFF2-40B4-BE49-F238E27FC236}">
-                <a16:creationId xmlns:a16="http://schemas.microsoft.com/office/drawing/2014/main" id="{7E7E8F8C-12E4-D2F8-9943-81A2B07F024B}"/>
-              </a:ext>
-            </a:extLst>
-          </p:cNvPr>
-          <p:cNvSpPr txBox="1"/>
-          <p:nvPr/>
-        </p:nvSpPr>
-        <p:spPr>
-          <a:xfrm>
-            <a:off x="1383225" y="4553356"/>
-            <a:ext cx="3459996" cy="461665"/>
-          </a:xfrm>
-          <a:prstGeom prst="rect">
-            <a:avLst/>
-          </a:prstGeom>
-          <a:noFill/>
-          <a:ln>
-            <a:solidFill>
-              <a:schemeClr val="tx1"/>
-            </a:solidFill>
-          </a:ln>
-        </p:spPr>
-        <p:txBody>
-          <a:bodyPr wrap="square" rtlCol="0">
-            <a:spAutoFit/>
-          </a:bodyPr>
-          <a:lstStyle/>
-          <a:p>
-            <a:pPr algn="ctr"/>
-            <a:r>
-              <a:rPr lang="en-US" dirty="0"/>
-              <a:t>OS</a:t>
-            </a:r>
-          </a:p>
-        </p:txBody>
-      </p:sp>
-      <p:sp>
-        <p:nvSpPr>
-          <p:cNvPr id="32" name="TextBox 31">
-            <a:extLst>
-              <a:ext uri="{FF2B5EF4-FFF2-40B4-BE49-F238E27FC236}">
-                <a16:creationId xmlns:a16="http://schemas.microsoft.com/office/drawing/2014/main" id="{A18D1FFF-96A4-D76D-ACC3-B7CDE1A30AEF}"/>
-              </a:ext>
-            </a:extLst>
-          </p:cNvPr>
-          <p:cNvSpPr txBox="1"/>
-          <p:nvPr/>
-        </p:nvSpPr>
-        <p:spPr>
-          <a:xfrm>
-            <a:off x="1383225" y="4046515"/>
-            <a:ext cx="3459996" cy="461665"/>
-          </a:xfrm>
-          <a:prstGeom prst="rect">
-            <a:avLst/>
-          </a:prstGeom>
-          <a:noFill/>
-          <a:ln>
-            <a:solidFill>
-              <a:schemeClr val="tx1"/>
-            </a:solidFill>
-          </a:ln>
-        </p:spPr>
-        <p:txBody>
-          <a:bodyPr wrap="square" rtlCol="0">
-            <a:spAutoFit/>
-          </a:bodyPr>
-          <a:lstStyle/>
-          <a:p>
-            <a:pPr algn="ctr"/>
-            <a:r>
-              <a:rPr lang="en-US" dirty="0"/>
-              <a:t>Python Interpreter</a:t>
-            </a:r>
-          </a:p>
-        </p:txBody>
-      </p:sp>
-      <p:sp>
-        <p:nvSpPr>
-          <p:cNvPr id="34" name="TextBox 33">
-            <a:extLst>
-              <a:ext uri="{FF2B5EF4-FFF2-40B4-BE49-F238E27FC236}">
-                <a16:creationId xmlns:a16="http://schemas.microsoft.com/office/drawing/2014/main" id="{C938F9C2-5B91-FCF1-C6D8-DFC1726F3709}"/>
-              </a:ext>
-            </a:extLst>
-          </p:cNvPr>
-          <p:cNvSpPr txBox="1"/>
-          <p:nvPr/>
-        </p:nvSpPr>
-        <p:spPr>
-          <a:xfrm>
-            <a:off x="1383225" y="3539674"/>
-            <a:ext cx="3459996" cy="461665"/>
-          </a:xfrm>
-          <a:prstGeom prst="rect">
-            <a:avLst/>
-          </a:prstGeom>
-          <a:noFill/>
-          <a:ln>
-            <a:solidFill>
-              <a:schemeClr val="tx1"/>
-            </a:solidFill>
-          </a:ln>
-        </p:spPr>
-        <p:txBody>
-          <a:bodyPr wrap="square" rtlCol="0">
-            <a:spAutoFit/>
-          </a:bodyPr>
-          <a:lstStyle/>
-          <a:p>
-            <a:pPr algn="ctr"/>
-            <a:r>
-              <a:rPr lang="en-US" dirty="0"/>
-              <a:t>Bytecode Interpreter</a:t>
-            </a:r>
-          </a:p>
-        </p:txBody>
-      </p:sp>
-      <p:sp>
-        <p:nvSpPr>
-          <p:cNvPr id="35" name="TextBox 34">
-            <a:extLst>
-              <a:ext uri="{FF2B5EF4-FFF2-40B4-BE49-F238E27FC236}">
-                <a16:creationId xmlns:a16="http://schemas.microsoft.com/office/drawing/2014/main" id="{51516E88-BBC7-1E13-EF68-6EC641E99440}"/>
-              </a:ext>
-            </a:extLst>
-          </p:cNvPr>
-          <p:cNvSpPr txBox="1"/>
-          <p:nvPr/>
-        </p:nvSpPr>
-        <p:spPr>
-          <a:xfrm>
-            <a:off x="1383225" y="3032833"/>
-            <a:ext cx="3459996" cy="461665"/>
-          </a:xfrm>
-          <a:prstGeom prst="rect">
-            <a:avLst/>
-          </a:prstGeom>
-          <a:noFill/>
-          <a:ln>
-            <a:solidFill>
-              <a:schemeClr val="tx1"/>
-            </a:solidFill>
-          </a:ln>
-        </p:spPr>
-        <p:txBody>
-          <a:bodyPr wrap="square" rtlCol="0">
-            <a:spAutoFit/>
-          </a:bodyPr>
-          <a:lstStyle/>
-          <a:p>
-            <a:pPr algn="ctr"/>
-            <a:r>
-              <a:rPr lang="en-US" dirty="0"/>
-              <a:t>Your Code</a:t>
-            </a:r>
-          </a:p>
-        </p:txBody>
-      </p:sp>
+      </p:pic>
     </p:spTree>
     <p:extLst>
       <p:ext uri="{BB962C8B-B14F-4D97-AF65-F5344CB8AC3E}">
-        <p14:creationId xmlns:p14="http://schemas.microsoft.com/office/powerpoint/2010/main" val="3017148165"/>
+        <p14:creationId xmlns:p14="http://schemas.microsoft.com/office/powerpoint/2010/main" val="97689926"/>
       </p:ext>
     </p:extLst>
   </p:cSld>
@@ -10808,391 +12387,6 @@
           </a:p>
         </p:txBody>
       </p:sp>
-      <p:sp>
-        <p:nvSpPr>
-          <p:cNvPr id="3" name="Content Placeholder 2">
-            <a:extLst>
-              <a:ext uri="{FF2B5EF4-FFF2-40B4-BE49-F238E27FC236}">
-                <a16:creationId xmlns:a16="http://schemas.microsoft.com/office/drawing/2014/main" id="{40EC14C3-A18F-122F-48E0-EC76FB6C9942}"/>
-              </a:ext>
-            </a:extLst>
-          </p:cNvPr>
-          <p:cNvSpPr>
-            <a:spLocks noGrp="1"/>
-          </p:cNvSpPr>
-          <p:nvPr>
-            <p:ph idx="1"/>
-          </p:nvPr>
-        </p:nvSpPr>
-        <p:spPr/>
-        <p:txBody>
-          <a:bodyPr/>
-          <a:lstStyle/>
-          <a:p>
-            <a:r>
-              <a:rPr lang="en-US" dirty="0"/>
-              <a:t>Python Stack:</a:t>
-            </a:r>
-          </a:p>
-        </p:txBody>
-      </p:sp>
-      <p:sp>
-        <p:nvSpPr>
-          <p:cNvPr id="28" name="TextBox 27">
-            <a:extLst>
-              <a:ext uri="{FF2B5EF4-FFF2-40B4-BE49-F238E27FC236}">
-                <a16:creationId xmlns:a16="http://schemas.microsoft.com/office/drawing/2014/main" id="{E0CE9450-C807-6672-E4DD-84AD7D9C1B83}"/>
-              </a:ext>
-            </a:extLst>
-          </p:cNvPr>
-          <p:cNvSpPr txBox="1"/>
-          <p:nvPr/>
-        </p:nvSpPr>
-        <p:spPr>
-          <a:xfrm>
-            <a:off x="1383225" y="5060197"/>
-            <a:ext cx="3459996" cy="461665"/>
-          </a:xfrm>
-          <a:prstGeom prst="rect">
-            <a:avLst/>
-          </a:prstGeom>
-          <a:noFill/>
-          <a:ln>
-            <a:solidFill>
-              <a:schemeClr val="tx1"/>
-            </a:solidFill>
-          </a:ln>
-        </p:spPr>
-        <p:txBody>
-          <a:bodyPr wrap="square" rtlCol="0">
-            <a:spAutoFit/>
-          </a:bodyPr>
-          <a:lstStyle/>
-          <a:p>
-            <a:pPr algn="ctr"/>
-            <a:r>
-              <a:rPr lang="en-US" dirty="0"/>
-              <a:t>CPU</a:t>
-            </a:r>
-          </a:p>
-        </p:txBody>
-      </p:sp>
-      <p:sp>
-        <p:nvSpPr>
-          <p:cNvPr id="29" name="TextBox 28">
-            <a:extLst>
-              <a:ext uri="{FF2B5EF4-FFF2-40B4-BE49-F238E27FC236}">
-                <a16:creationId xmlns:a16="http://schemas.microsoft.com/office/drawing/2014/main" id="{7E7E8F8C-12E4-D2F8-9943-81A2B07F024B}"/>
-              </a:ext>
-            </a:extLst>
-          </p:cNvPr>
-          <p:cNvSpPr txBox="1"/>
-          <p:nvPr/>
-        </p:nvSpPr>
-        <p:spPr>
-          <a:xfrm>
-            <a:off x="1383225" y="4553356"/>
-            <a:ext cx="3459996" cy="461665"/>
-          </a:xfrm>
-          <a:prstGeom prst="rect">
-            <a:avLst/>
-          </a:prstGeom>
-          <a:noFill/>
-          <a:ln>
-            <a:solidFill>
-              <a:schemeClr val="tx1"/>
-            </a:solidFill>
-          </a:ln>
-        </p:spPr>
-        <p:txBody>
-          <a:bodyPr wrap="square" rtlCol="0">
-            <a:spAutoFit/>
-          </a:bodyPr>
-          <a:lstStyle/>
-          <a:p>
-            <a:pPr algn="ctr"/>
-            <a:r>
-              <a:rPr lang="en-US" dirty="0"/>
-              <a:t>OS</a:t>
-            </a:r>
-          </a:p>
-        </p:txBody>
-      </p:sp>
-      <p:sp>
-        <p:nvSpPr>
-          <p:cNvPr id="32" name="TextBox 31">
-            <a:extLst>
-              <a:ext uri="{FF2B5EF4-FFF2-40B4-BE49-F238E27FC236}">
-                <a16:creationId xmlns:a16="http://schemas.microsoft.com/office/drawing/2014/main" id="{A18D1FFF-96A4-D76D-ACC3-B7CDE1A30AEF}"/>
-              </a:ext>
-            </a:extLst>
-          </p:cNvPr>
-          <p:cNvSpPr txBox="1"/>
-          <p:nvPr/>
-        </p:nvSpPr>
-        <p:spPr>
-          <a:xfrm>
-            <a:off x="1383225" y="4046515"/>
-            <a:ext cx="3459996" cy="461665"/>
-          </a:xfrm>
-          <a:prstGeom prst="rect">
-            <a:avLst/>
-          </a:prstGeom>
-          <a:noFill/>
-          <a:ln>
-            <a:solidFill>
-              <a:schemeClr val="tx1"/>
-            </a:solidFill>
-          </a:ln>
-        </p:spPr>
-        <p:txBody>
-          <a:bodyPr wrap="square" rtlCol="0">
-            <a:spAutoFit/>
-          </a:bodyPr>
-          <a:lstStyle/>
-          <a:p>
-            <a:pPr algn="ctr"/>
-            <a:r>
-              <a:rPr lang="en-US" dirty="0"/>
-              <a:t>Python Interpreter</a:t>
-            </a:r>
-          </a:p>
-        </p:txBody>
-      </p:sp>
-      <p:sp>
-        <p:nvSpPr>
-          <p:cNvPr id="34" name="TextBox 33">
-            <a:extLst>
-              <a:ext uri="{FF2B5EF4-FFF2-40B4-BE49-F238E27FC236}">
-                <a16:creationId xmlns:a16="http://schemas.microsoft.com/office/drawing/2014/main" id="{C938F9C2-5B91-FCF1-C6D8-DFC1726F3709}"/>
-              </a:ext>
-            </a:extLst>
-          </p:cNvPr>
-          <p:cNvSpPr txBox="1"/>
-          <p:nvPr/>
-        </p:nvSpPr>
-        <p:spPr>
-          <a:xfrm>
-            <a:off x="1383225" y="3539674"/>
-            <a:ext cx="3459996" cy="461665"/>
-          </a:xfrm>
-          <a:prstGeom prst="rect">
-            <a:avLst/>
-          </a:prstGeom>
-          <a:noFill/>
-          <a:ln>
-            <a:solidFill>
-              <a:schemeClr val="tx1"/>
-            </a:solidFill>
-          </a:ln>
-        </p:spPr>
-        <p:txBody>
-          <a:bodyPr wrap="square" rtlCol="0">
-            <a:spAutoFit/>
-          </a:bodyPr>
-          <a:lstStyle/>
-          <a:p>
-            <a:pPr algn="ctr"/>
-            <a:r>
-              <a:rPr lang="en-US" dirty="0"/>
-              <a:t>Bytecode Interpreter</a:t>
-            </a:r>
-          </a:p>
-        </p:txBody>
-      </p:sp>
-      <p:sp>
-        <p:nvSpPr>
-          <p:cNvPr id="35" name="TextBox 34">
-            <a:extLst>
-              <a:ext uri="{FF2B5EF4-FFF2-40B4-BE49-F238E27FC236}">
-                <a16:creationId xmlns:a16="http://schemas.microsoft.com/office/drawing/2014/main" id="{51516E88-BBC7-1E13-EF68-6EC641E99440}"/>
-              </a:ext>
-            </a:extLst>
-          </p:cNvPr>
-          <p:cNvSpPr txBox="1"/>
-          <p:nvPr/>
-        </p:nvSpPr>
-        <p:spPr>
-          <a:xfrm>
-            <a:off x="1383225" y="3032833"/>
-            <a:ext cx="3459996" cy="461665"/>
-          </a:xfrm>
-          <a:prstGeom prst="rect">
-            <a:avLst/>
-          </a:prstGeom>
-          <a:noFill/>
-          <a:ln>
-            <a:solidFill>
-              <a:schemeClr val="tx1"/>
-            </a:solidFill>
-          </a:ln>
-        </p:spPr>
-        <p:txBody>
-          <a:bodyPr wrap="square" rtlCol="0">
-            <a:spAutoFit/>
-          </a:bodyPr>
-          <a:lstStyle/>
-          <a:p>
-            <a:pPr algn="ctr"/>
-            <a:r>
-              <a:rPr lang="en-US" dirty="0"/>
-              <a:t>Your Code</a:t>
-            </a:r>
-          </a:p>
-        </p:txBody>
-      </p:sp>
-    </p:spTree>
-    <p:extLst>
-      <p:ext uri="{BB962C8B-B14F-4D97-AF65-F5344CB8AC3E}">
-        <p14:creationId xmlns:p14="http://schemas.microsoft.com/office/powerpoint/2010/main" val="97768369"/>
-      </p:ext>
-    </p:extLst>
-  </p:cSld>
-  <p:clrMapOvr>
-    <a:masterClrMapping/>
-  </p:clrMapOvr>
-</p:sld>
-</file>
-
-<file path=ppt/slides/slide23.xml><?xml version="1.0" encoding="utf-8"?>
-<p:sld xmlns:a="http://schemas.openxmlformats.org/drawingml/2006/main" xmlns:r="http://schemas.openxmlformats.org/officeDocument/2006/relationships" xmlns:p="http://schemas.openxmlformats.org/presentationml/2006/main">
-  <p:cSld>
-    <p:spTree>
-      <p:nvGrpSpPr>
-        <p:cNvPr id="1" name=""/>
-        <p:cNvGrpSpPr/>
-        <p:nvPr/>
-      </p:nvGrpSpPr>
-      <p:grpSpPr>
-        <a:xfrm>
-          <a:off x="0" y="0"/>
-          <a:ext cx="0" cy="0"/>
-          <a:chOff x="0" y="0"/>
-          <a:chExt cx="0" cy="0"/>
-        </a:xfrm>
-      </p:grpSpPr>
-      <p:sp>
-        <p:nvSpPr>
-          <p:cNvPr id="2" name="Title 1">
-            <a:extLst>
-              <a:ext uri="{FF2B5EF4-FFF2-40B4-BE49-F238E27FC236}">
-                <a16:creationId xmlns:a16="http://schemas.microsoft.com/office/drawing/2014/main" id="{E1A3865C-84E8-5B7E-A5DE-2BC4937ED1EC}"/>
-              </a:ext>
-            </a:extLst>
-          </p:cNvPr>
-          <p:cNvSpPr>
-            <a:spLocks noGrp="1"/>
-          </p:cNvSpPr>
-          <p:nvPr>
-            <p:ph type="title"/>
-          </p:nvPr>
-        </p:nvSpPr>
-        <p:spPr/>
-        <p:txBody>
-          <a:bodyPr/>
-          <a:lstStyle/>
-          <a:p>
-            <a:r>
-              <a:rPr lang="en-US" dirty="0"/>
-              <a:t>Stacks</a:t>
-            </a:r>
-          </a:p>
-        </p:txBody>
-      </p:sp>
-      <p:pic>
-        <p:nvPicPr>
-          <p:cNvPr id="6" name="Picture 5" descr="A tower of babylon with a crowd of people&#10;&#10;Description automatically generated">
-            <a:extLst>
-              <a:ext uri="{FF2B5EF4-FFF2-40B4-BE49-F238E27FC236}">
-                <a16:creationId xmlns:a16="http://schemas.microsoft.com/office/drawing/2014/main" id="{3D268C40-A600-6527-4262-B32FDA0BFBB4}"/>
-              </a:ext>
-            </a:extLst>
-          </p:cNvPr>
-          <p:cNvPicPr>
-            <a:picLocks noChangeAspect="1"/>
-          </p:cNvPicPr>
-          <p:nvPr/>
-        </p:nvPicPr>
-        <p:blipFill>
-          <a:blip r:embed="rId2">
-            <a:extLst>
-              <a:ext uri="{28A0092B-C50C-407E-A947-70E740481C1C}">
-                <a14:useLocalDpi xmlns:a14="http://schemas.microsoft.com/office/drawing/2010/main" val="0"/>
-              </a:ext>
-            </a:extLst>
-          </a:blip>
-          <a:stretch>
-            <a:fillRect/>
-          </a:stretch>
-        </p:blipFill>
-        <p:spPr>
-          <a:xfrm>
-            <a:off x="0" y="312539"/>
-            <a:ext cx="9144000" cy="6232922"/>
-          </a:xfrm>
-          <a:prstGeom prst="rect">
-            <a:avLst/>
-          </a:prstGeom>
-        </p:spPr>
-      </p:pic>
-    </p:spTree>
-    <p:extLst>
-      <p:ext uri="{BB962C8B-B14F-4D97-AF65-F5344CB8AC3E}">
-        <p14:creationId xmlns:p14="http://schemas.microsoft.com/office/powerpoint/2010/main" val="97689926"/>
-      </p:ext>
-    </p:extLst>
-  </p:cSld>
-  <p:clrMapOvr>
-    <a:masterClrMapping/>
-  </p:clrMapOvr>
-</p:sld>
-</file>
-
-<file path=ppt/slides/slide24.xml><?xml version="1.0" encoding="utf-8"?>
-<p:sld xmlns:a="http://schemas.openxmlformats.org/drawingml/2006/main" xmlns:r="http://schemas.openxmlformats.org/officeDocument/2006/relationships" xmlns:p="http://schemas.openxmlformats.org/presentationml/2006/main">
-  <p:cSld>
-    <p:spTree>
-      <p:nvGrpSpPr>
-        <p:cNvPr id="1" name=""/>
-        <p:cNvGrpSpPr/>
-        <p:nvPr/>
-      </p:nvGrpSpPr>
-      <p:grpSpPr>
-        <a:xfrm>
-          <a:off x="0" y="0"/>
-          <a:ext cx="0" cy="0"/>
-          <a:chOff x="0" y="0"/>
-          <a:chExt cx="0" cy="0"/>
-        </a:xfrm>
-      </p:grpSpPr>
-      <p:sp>
-        <p:nvSpPr>
-          <p:cNvPr id="2" name="Title 1">
-            <a:extLst>
-              <a:ext uri="{FF2B5EF4-FFF2-40B4-BE49-F238E27FC236}">
-                <a16:creationId xmlns:a16="http://schemas.microsoft.com/office/drawing/2014/main" id="{E1A3865C-84E8-5B7E-A5DE-2BC4937ED1EC}"/>
-              </a:ext>
-            </a:extLst>
-          </p:cNvPr>
-          <p:cNvSpPr>
-            <a:spLocks noGrp="1"/>
-          </p:cNvSpPr>
-          <p:nvPr>
-            <p:ph type="title"/>
-          </p:nvPr>
-        </p:nvSpPr>
-        <p:spPr/>
-        <p:txBody>
-          <a:bodyPr/>
-          <a:lstStyle/>
-          <a:p>
-            <a:r>
-              <a:rPr lang="en-US" dirty="0"/>
-              <a:t>Stacks</a:t>
-            </a:r>
-          </a:p>
-        </p:txBody>
-      </p:sp>
       <p:pic>
         <p:nvPicPr>
           <p:cNvPr id="6" name="Picture 5" descr="A tower of babylon with a crowd of people&#10;&#10;Description automatically generated">
@@ -11279,7 +12473,7 @@
 </p:sld>
 </file>
 
-<file path=ppt/slides/slide25.xml><?xml version="1.0" encoding="utf-8"?>
+<file path=ppt/slides/slide23.xml><?xml version="1.0" encoding="utf-8"?>
 <p:sld xmlns:a="http://schemas.openxmlformats.org/drawingml/2006/main" xmlns:r="http://schemas.openxmlformats.org/officeDocument/2006/relationships" xmlns:p="http://schemas.openxmlformats.org/presentationml/2006/main">
   <p:cSld>
     <p:spTree>
